--- a/Help/Figures5.pptx
+++ b/Help/Figures5.pptx
@@ -262,7 +262,7 @@
           <a:p>
             <a:fld id="{054E8CB3-1D98-4ECD-B6B7-C0FB8C78DDA1}" type="datetimeFigureOut">
               <a:rPr lang="en-US" smtClean="0"/>
-              <a:t>4/4/2020</a:t>
+              <a:t>4/21/2020</a:t>
             </a:fld>
             <a:endParaRPr lang="en-US"/>
           </a:p>
@@ -432,7 +432,7 @@
           <a:p>
             <a:fld id="{054E8CB3-1D98-4ECD-B6B7-C0FB8C78DDA1}" type="datetimeFigureOut">
               <a:rPr lang="en-US" smtClean="0"/>
-              <a:t>4/4/2020</a:t>
+              <a:t>4/21/2020</a:t>
             </a:fld>
             <a:endParaRPr lang="en-US"/>
           </a:p>
@@ -612,7 +612,7 @@
           <a:p>
             <a:fld id="{054E8CB3-1D98-4ECD-B6B7-C0FB8C78DDA1}" type="datetimeFigureOut">
               <a:rPr lang="en-US" smtClean="0"/>
-              <a:t>4/4/2020</a:t>
+              <a:t>4/21/2020</a:t>
             </a:fld>
             <a:endParaRPr lang="en-US"/>
           </a:p>
@@ -782,7 +782,7 @@
           <a:p>
             <a:fld id="{054E8CB3-1D98-4ECD-B6B7-C0FB8C78DDA1}" type="datetimeFigureOut">
               <a:rPr lang="en-US" smtClean="0"/>
-              <a:t>4/4/2020</a:t>
+              <a:t>4/21/2020</a:t>
             </a:fld>
             <a:endParaRPr lang="en-US"/>
           </a:p>
@@ -1028,7 +1028,7 @@
           <a:p>
             <a:fld id="{054E8CB3-1D98-4ECD-B6B7-C0FB8C78DDA1}" type="datetimeFigureOut">
               <a:rPr lang="en-US" smtClean="0"/>
-              <a:t>4/4/2020</a:t>
+              <a:t>4/21/2020</a:t>
             </a:fld>
             <a:endParaRPr lang="en-US"/>
           </a:p>
@@ -1260,7 +1260,7 @@
           <a:p>
             <a:fld id="{054E8CB3-1D98-4ECD-B6B7-C0FB8C78DDA1}" type="datetimeFigureOut">
               <a:rPr lang="en-US" smtClean="0"/>
-              <a:t>4/4/2020</a:t>
+              <a:t>4/21/2020</a:t>
             </a:fld>
             <a:endParaRPr lang="en-US"/>
           </a:p>
@@ -1627,7 +1627,7 @@
           <a:p>
             <a:fld id="{054E8CB3-1D98-4ECD-B6B7-C0FB8C78DDA1}" type="datetimeFigureOut">
               <a:rPr lang="en-US" smtClean="0"/>
-              <a:t>4/4/2020</a:t>
+              <a:t>4/21/2020</a:t>
             </a:fld>
             <a:endParaRPr lang="en-US"/>
           </a:p>
@@ -1745,7 +1745,7 @@
           <a:p>
             <a:fld id="{054E8CB3-1D98-4ECD-B6B7-C0FB8C78DDA1}" type="datetimeFigureOut">
               <a:rPr lang="en-US" smtClean="0"/>
-              <a:t>4/4/2020</a:t>
+              <a:t>4/21/2020</a:t>
             </a:fld>
             <a:endParaRPr lang="en-US"/>
           </a:p>
@@ -1840,7 +1840,7 @@
           <a:p>
             <a:fld id="{054E8CB3-1D98-4ECD-B6B7-C0FB8C78DDA1}" type="datetimeFigureOut">
               <a:rPr lang="en-US" smtClean="0"/>
-              <a:t>4/4/2020</a:t>
+              <a:t>4/21/2020</a:t>
             </a:fld>
             <a:endParaRPr lang="en-US"/>
           </a:p>
@@ -2117,7 +2117,7 @@
           <a:p>
             <a:fld id="{054E8CB3-1D98-4ECD-B6B7-C0FB8C78DDA1}" type="datetimeFigureOut">
               <a:rPr lang="en-US" smtClean="0"/>
-              <a:t>4/4/2020</a:t>
+              <a:t>4/21/2020</a:t>
             </a:fld>
             <a:endParaRPr lang="en-US"/>
           </a:p>
@@ -2370,7 +2370,7 @@
           <a:p>
             <a:fld id="{054E8CB3-1D98-4ECD-B6B7-C0FB8C78DDA1}" type="datetimeFigureOut">
               <a:rPr lang="en-US" smtClean="0"/>
-              <a:t>4/4/2020</a:t>
+              <a:t>4/21/2020</a:t>
             </a:fld>
             <a:endParaRPr lang="en-US"/>
           </a:p>
@@ -2583,7 +2583,7 @@
           <a:p>
             <a:fld id="{054E8CB3-1D98-4ECD-B6B7-C0FB8C78DDA1}" type="datetimeFigureOut">
               <a:rPr lang="en-US" smtClean="0"/>
-              <a:t>4/4/2020</a:t>
+              <a:t>4/21/2020</a:t>
             </a:fld>
             <a:endParaRPr lang="en-US"/>
           </a:p>
@@ -7429,10 +7429,6 @@
                 </a:rPr>
                 <a:t>Active TSS </a:t>
               </a:r>
-              <a:endParaRPr lang="en-US" sz="1600" dirty="0">
-                <a:latin typeface="Cambria Math" panose="02040503050406030204" pitchFamily="18" charset="0"/>
-                <a:ea typeface="Cambria Math" panose="02040503050406030204" pitchFamily="18" charset="0"/>
-              </a:endParaRPr>
             </a:p>
           </p:txBody>
         </p:sp>
@@ -8373,10 +8369,6 @@
                   </a:rPr>
                   <a:t>Active TSS </a:t>
                 </a:r>
-                <a:endParaRPr lang="en-US" sz="1600" dirty="0">
-                  <a:latin typeface="Cambria Math" panose="02040503050406030204" pitchFamily="18" charset="0"/>
-                  <a:ea typeface="Cambria Math" panose="02040503050406030204" pitchFamily="18" charset="0"/>
-                </a:endParaRPr>
               </a:p>
             </p:txBody>
           </p:sp>
@@ -10824,9 +10816,9 @@
         <p:grpSpPr>
           <a:xfrm>
             <a:off x="-953786" y="334495"/>
-            <a:ext cx="13645489" cy="6118830"/>
+            <a:ext cx="13645489" cy="6115661"/>
             <a:chOff x="-953786" y="334495"/>
-            <a:chExt cx="13645489" cy="6118830"/>
+            <a:chExt cx="13645489" cy="6115661"/>
           </a:xfrm>
         </p:grpSpPr>
         <p:pic>
@@ -10851,7 +10843,7 @@
           </p:blipFill>
           <p:spPr>
             <a:xfrm>
-              <a:off x="75838" y="500581"/>
+              <a:off x="76241" y="497412"/>
               <a:ext cx="11455646" cy="5952744"/>
             </a:xfrm>
             <a:prstGeom prst="rect">
@@ -11910,7 +11902,14 @@
                   <a:latin typeface="Cambria Math" panose="02040503050406030204" pitchFamily="18" charset="0"/>
                   <a:ea typeface="Cambria Math" panose="02040503050406030204" pitchFamily="18" charset="0"/>
                 </a:rPr>
-                <a:t>Umbilical Vein </a:t>
+                <a:t>Umbilical </a:t>
+              </a:r>
+              <a:r>
+                <a:rPr lang="en-US" dirty="0" smtClean="0">
+                  <a:latin typeface="Cambria Math" panose="02040503050406030204" pitchFamily="18" charset="0"/>
+                  <a:ea typeface="Cambria Math" panose="02040503050406030204" pitchFamily="18" charset="0"/>
+                </a:rPr>
+                <a:t>Vein</a:t>
               </a:r>
               <a:endParaRPr lang="en-US" dirty="0" smtClean="0">
                 <a:latin typeface="Cambria Math" panose="02040503050406030204" pitchFamily="18" charset="0"/>
@@ -15132,7 +15131,7 @@
           </p:nvSpPr>
           <p:spPr>
             <a:xfrm>
-              <a:off x="-191278" y="1442054"/>
+              <a:off x="-161173" y="1532571"/>
               <a:ext cx="1603323" cy="369332"/>
             </a:xfrm>
             <a:prstGeom prst="rect">
@@ -15168,7 +15167,7 @@
           </p:nvSpPr>
           <p:spPr>
             <a:xfrm>
-              <a:off x="640489" y="4688616"/>
+              <a:off x="640488" y="4669663"/>
               <a:ext cx="772840" cy="369332"/>
             </a:xfrm>
             <a:prstGeom prst="rect">
@@ -16401,27 +16400,7 @@
                   <a:latin typeface="Cambria Math" panose="02040503050406030204" pitchFamily="18" charset="0"/>
                   <a:ea typeface="Cambria Math" panose="02040503050406030204" pitchFamily="18" charset="0"/>
                 </a:rPr>
-                <a:t>Gastric (</a:t>
-              </a:r>
-              <a:r>
-                <a:rPr lang="en-US" sz="2400" dirty="0">
-                  <a:solidFill>
-                    <a:schemeClr val="tx1"/>
-                  </a:solidFill>
-                  <a:latin typeface="Cambria Math" panose="02040503050406030204" pitchFamily="18" charset="0"/>
-                  <a:ea typeface="Cambria Math" panose="02040503050406030204" pitchFamily="18" charset="0"/>
-                </a:rPr>
-                <a:t>E094</a:t>
-              </a:r>
-              <a:r>
-                <a:rPr lang="en-US" sz="2400" dirty="0">
-                  <a:solidFill>
-                    <a:schemeClr val="tx1"/>
-                  </a:solidFill>
-                  <a:latin typeface="Cambria Math" panose="02040503050406030204" pitchFamily="18" charset="0"/>
-                  <a:ea typeface="Cambria Math" panose="02040503050406030204" pitchFamily="18" charset="0"/>
-                </a:rPr>
-                <a:t>) </a:t>
+                <a:t>Gastric (E094) </a:t>
               </a:r>
               <a:r>
                 <a:rPr lang="en-US" sz="2400" dirty="0" smtClean="0">
@@ -16451,35 +16430,8 @@
                   <a:latin typeface="Cambria Math" panose="02040503050406030204" pitchFamily="18" charset="0"/>
                   <a:ea typeface="Cambria Math" panose="02040503050406030204" pitchFamily="18" charset="0"/>
                 </a:rPr>
-                <a:t> (</a:t>
+                <a:t> (E004)</a:t>
               </a:r>
-              <a:r>
-                <a:rPr lang="en-US" sz="2400" dirty="0">
-                  <a:solidFill>
-                    <a:schemeClr val="tx1"/>
-                  </a:solidFill>
-                  <a:latin typeface="Cambria Math" panose="02040503050406030204" pitchFamily="18" charset="0"/>
-                  <a:ea typeface="Cambria Math" panose="02040503050406030204" pitchFamily="18" charset="0"/>
-                </a:rPr>
-                <a:t>E004</a:t>
-              </a:r>
-              <a:r>
-                <a:rPr lang="en-US" sz="2400" dirty="0">
-                  <a:solidFill>
-                    <a:schemeClr val="tx1"/>
-                  </a:solidFill>
-                  <a:latin typeface="Cambria Math" panose="02040503050406030204" pitchFamily="18" charset="0"/>
-                  <a:ea typeface="Cambria Math" panose="02040503050406030204" pitchFamily="18" charset="0"/>
-                </a:rPr>
-                <a:t>)</a:t>
-              </a:r>
-              <a:endParaRPr lang="en-US" sz="2400" dirty="0">
-                <a:solidFill>
-                  <a:schemeClr val="tx1"/>
-                </a:solidFill>
-                <a:latin typeface="Cambria Math" panose="02040503050406030204" pitchFamily="18" charset="0"/>
-                <a:ea typeface="Cambria Math" panose="02040503050406030204" pitchFamily="18" charset="0"/>
-              </a:endParaRPr>
             </a:p>
           </p:txBody>
         </p:sp>
@@ -17692,8 +17644,8 @@
           </p:nvSpPr>
           <p:spPr>
             <a:xfrm>
-              <a:off x="-191278" y="1442054"/>
-              <a:ext cx="1603323" cy="369332"/>
+              <a:off x="482973" y="1515944"/>
+              <a:ext cx="877163" cy="369332"/>
             </a:xfrm>
             <a:prstGeom prst="rect">
               <a:avLst/>
@@ -17705,13 +17657,12 @@
             </a:bodyPr>
             <a:lstStyle/>
             <a:p>
-              <a:pPr algn="l"/>
               <a:r>
-                <a:rPr lang="en-US" dirty="0" err="1">
+                <a:rPr lang="en-US" dirty="0">
                   <a:latin typeface="Cambria Math" panose="02040503050406030204" pitchFamily="18" charset="0"/>
                   <a:ea typeface="Cambria Math" panose="02040503050406030204" pitchFamily="18" charset="0"/>
                 </a:rPr>
-                <a:t>Mesendoderm</a:t>
+                <a:t>Gastric</a:t>
               </a:r>
               <a:endParaRPr lang="en-US" dirty="0">
                 <a:latin typeface="Cambria Math" panose="02040503050406030204" pitchFamily="18" charset="0"/>
@@ -17728,8 +17679,8 @@
           </p:nvSpPr>
           <p:spPr>
             <a:xfrm>
-              <a:off x="640489" y="4688616"/>
-              <a:ext cx="772840" cy="369332"/>
+              <a:off x="-236964" y="4660908"/>
+              <a:ext cx="1603324" cy="369332"/>
             </a:xfrm>
             <a:prstGeom prst="rect">
               <a:avLst/>
@@ -17741,14 +17692,17 @@
             </a:bodyPr>
             <a:lstStyle/>
             <a:p>
-              <a:pPr algn="l"/>
               <a:r>
-                <a:rPr lang="en-US" dirty="0">
+                <a:rPr lang="en-US" dirty="0" err="1">
                   <a:latin typeface="Cambria Math" panose="02040503050406030204" pitchFamily="18" charset="0"/>
                   <a:ea typeface="Cambria Math" panose="02040503050406030204" pitchFamily="18" charset="0"/>
                 </a:rPr>
-                <a:t>Ovary</a:t>
+                <a:t>Mesendoderm</a:t>
               </a:r>
+              <a:endParaRPr lang="en-US" dirty="0">
+                <a:latin typeface="Cambria Math" panose="02040503050406030204" pitchFamily="18" charset="0"/>
+                <a:ea typeface="Cambria Math" panose="02040503050406030204" pitchFamily="18" charset="0"/>
+              </a:endParaRPr>
             </a:p>
           </p:txBody>
         </p:sp>

--- a/Help/Figures5.pptx
+++ b/Help/Figures5.pptx
@@ -14,6 +14,7 @@
     <p:sldId id="273" r:id="rId8"/>
     <p:sldId id="274" r:id="rId9"/>
     <p:sldId id="275" r:id="rId10"/>
+    <p:sldId id="278" r:id="rId11"/>
   </p:sldIdLst>
   <p:sldSz cx="12192000" cy="6858000"/>
   <p:notesSz cx="6858000" cy="9144000"/>
@@ -115,12 +116,12 @@
   <p:extLst>
     <p:ext uri="{EFAFB233-063F-42B5-8137-9DF3F51BA10A}">
       <p15:sldGuideLst xmlns:p15="http://schemas.microsoft.com/office/powerpoint/2012/main">
-        <p15:guide id="1" orient="horz" pos="2112" userDrawn="1">
+        <p15:guide id="1" orient="horz" pos="816" userDrawn="1">
           <p15:clr>
             <a:srgbClr val="A4A3A4"/>
           </p15:clr>
         </p15:guide>
-        <p15:guide id="2" pos="888" userDrawn="1">
+        <p15:guide id="2" pos="3696" userDrawn="1">
           <p15:clr>
             <a:srgbClr val="A4A3A4"/>
           </p15:clr>
@@ -262,7 +263,7 @@
           <a:p>
             <a:fld id="{054E8CB3-1D98-4ECD-B6B7-C0FB8C78DDA1}" type="datetimeFigureOut">
               <a:rPr lang="en-US" smtClean="0"/>
-              <a:t>4/21/2020</a:t>
+              <a:t>5/1/2020</a:t>
             </a:fld>
             <a:endParaRPr lang="en-US"/>
           </a:p>
@@ -432,7 +433,7 @@
           <a:p>
             <a:fld id="{054E8CB3-1D98-4ECD-B6B7-C0FB8C78DDA1}" type="datetimeFigureOut">
               <a:rPr lang="en-US" smtClean="0"/>
-              <a:t>4/21/2020</a:t>
+              <a:t>5/1/2020</a:t>
             </a:fld>
             <a:endParaRPr lang="en-US"/>
           </a:p>
@@ -612,7 +613,7 @@
           <a:p>
             <a:fld id="{054E8CB3-1D98-4ECD-B6B7-C0FB8C78DDA1}" type="datetimeFigureOut">
               <a:rPr lang="en-US" smtClean="0"/>
-              <a:t>4/21/2020</a:t>
+              <a:t>5/1/2020</a:t>
             </a:fld>
             <a:endParaRPr lang="en-US"/>
           </a:p>
@@ -782,7 +783,7 @@
           <a:p>
             <a:fld id="{054E8CB3-1D98-4ECD-B6B7-C0FB8C78DDA1}" type="datetimeFigureOut">
               <a:rPr lang="en-US" smtClean="0"/>
-              <a:t>4/21/2020</a:t>
+              <a:t>5/1/2020</a:t>
             </a:fld>
             <a:endParaRPr lang="en-US"/>
           </a:p>
@@ -1028,7 +1029,7 @@
           <a:p>
             <a:fld id="{054E8CB3-1D98-4ECD-B6B7-C0FB8C78DDA1}" type="datetimeFigureOut">
               <a:rPr lang="en-US" smtClean="0"/>
-              <a:t>4/21/2020</a:t>
+              <a:t>5/1/2020</a:t>
             </a:fld>
             <a:endParaRPr lang="en-US"/>
           </a:p>
@@ -1260,7 +1261,7 @@
           <a:p>
             <a:fld id="{054E8CB3-1D98-4ECD-B6B7-C0FB8C78DDA1}" type="datetimeFigureOut">
               <a:rPr lang="en-US" smtClean="0"/>
-              <a:t>4/21/2020</a:t>
+              <a:t>5/1/2020</a:t>
             </a:fld>
             <a:endParaRPr lang="en-US"/>
           </a:p>
@@ -1627,7 +1628,7 @@
           <a:p>
             <a:fld id="{054E8CB3-1D98-4ECD-B6B7-C0FB8C78DDA1}" type="datetimeFigureOut">
               <a:rPr lang="en-US" smtClean="0"/>
-              <a:t>4/21/2020</a:t>
+              <a:t>5/1/2020</a:t>
             </a:fld>
             <a:endParaRPr lang="en-US"/>
           </a:p>
@@ -1745,7 +1746,7 @@
           <a:p>
             <a:fld id="{054E8CB3-1D98-4ECD-B6B7-C0FB8C78DDA1}" type="datetimeFigureOut">
               <a:rPr lang="en-US" smtClean="0"/>
-              <a:t>4/21/2020</a:t>
+              <a:t>5/1/2020</a:t>
             </a:fld>
             <a:endParaRPr lang="en-US"/>
           </a:p>
@@ -1840,7 +1841,7 @@
           <a:p>
             <a:fld id="{054E8CB3-1D98-4ECD-B6B7-C0FB8C78DDA1}" type="datetimeFigureOut">
               <a:rPr lang="en-US" smtClean="0"/>
-              <a:t>4/21/2020</a:t>
+              <a:t>5/1/2020</a:t>
             </a:fld>
             <a:endParaRPr lang="en-US"/>
           </a:p>
@@ -2117,7 +2118,7 @@
           <a:p>
             <a:fld id="{054E8CB3-1D98-4ECD-B6B7-C0FB8C78DDA1}" type="datetimeFigureOut">
               <a:rPr lang="en-US" smtClean="0"/>
-              <a:t>4/21/2020</a:t>
+              <a:t>5/1/2020</a:t>
             </a:fld>
             <a:endParaRPr lang="en-US"/>
           </a:p>
@@ -2370,7 +2371,7 @@
           <a:p>
             <a:fld id="{054E8CB3-1D98-4ECD-B6B7-C0FB8C78DDA1}" type="datetimeFigureOut">
               <a:rPr lang="en-US" smtClean="0"/>
-              <a:t>4/21/2020</a:t>
+              <a:t>5/1/2020</a:t>
             </a:fld>
             <a:endParaRPr lang="en-US"/>
           </a:p>
@@ -2583,7 +2584,7 @@
           <a:p>
             <a:fld id="{054E8CB3-1D98-4ECD-B6B7-C0FB8C78DDA1}" type="datetimeFigureOut">
               <a:rPr lang="en-US" smtClean="0"/>
-              <a:t>4/21/2020</a:t>
+              <a:t>5/1/2020</a:t>
             </a:fld>
             <a:endParaRPr lang="en-US"/>
           </a:p>
@@ -4221,6 +4222,1444 @@
       </p:par>
     </p:tnLst>
   </p:timing>
+</p:sld>
+</file>
+
+<file path=ppt/slides/slide10.xml><?xml version="1.0" encoding="utf-8"?>
+<p:sld xmlns:a="http://schemas.openxmlformats.org/drawingml/2006/main" xmlns:r="http://schemas.openxmlformats.org/officeDocument/2006/relationships" xmlns:p="http://schemas.openxmlformats.org/presentationml/2006/main">
+  <p:cSld>
+    <p:spTree>
+      <p:nvGrpSpPr>
+        <p:cNvPr id="1" name=""/>
+        <p:cNvGrpSpPr/>
+        <p:nvPr/>
+      </p:nvGrpSpPr>
+      <p:grpSpPr>
+        <a:xfrm>
+          <a:off x="0" y="0"/>
+          <a:ext cx="0" cy="0"/>
+          <a:chOff x="0" y="0"/>
+          <a:chExt cx="0" cy="0"/>
+        </a:xfrm>
+      </p:grpSpPr>
+      <p:grpSp>
+        <p:nvGrpSpPr>
+          <p:cNvPr id="67" name="Group 66"/>
+          <p:cNvGrpSpPr/>
+          <p:nvPr/>
+        </p:nvGrpSpPr>
+        <p:grpSpPr>
+          <a:xfrm>
+            <a:off x="477425" y="893031"/>
+            <a:ext cx="12234950" cy="1684997"/>
+            <a:chOff x="477425" y="893031"/>
+            <a:chExt cx="12234950" cy="1684997"/>
+          </a:xfrm>
+        </p:grpSpPr>
+        <p:sp>
+          <p:nvSpPr>
+            <p:cNvPr id="31" name="Rectangle 30"/>
+            <p:cNvSpPr/>
+            <p:nvPr/>
+          </p:nvSpPr>
+          <p:spPr>
+            <a:xfrm>
+              <a:off x="4361003" y="1209073"/>
+              <a:ext cx="2669540" cy="1323439"/>
+            </a:xfrm>
+            <a:prstGeom prst="rect">
+              <a:avLst/>
+            </a:prstGeom>
+            <a:noFill/>
+            <a:ln>
+              <a:noFill/>
+            </a:ln>
+          </p:spPr>
+          <p:txBody>
+            <a:bodyPr wrap="square">
+              <a:spAutoFit/>
+            </a:bodyPr>
+            <a:lstStyle/>
+            <a:p>
+              <a:r>
+                <a:rPr lang="en-US" sz="1600" dirty="0">
+                  <a:latin typeface="Cambria Math" panose="02040503050406030204" pitchFamily="18" charset="0"/>
+                  <a:ea typeface="Cambria Math" panose="02040503050406030204" pitchFamily="18" charset="0"/>
+                </a:rPr>
+                <a:t>Quiescent / Low   </a:t>
+              </a:r>
+            </a:p>
+            <a:p>
+              <a:r>
+                <a:rPr lang="en-US" sz="1600" dirty="0">
+                  <a:latin typeface="Cambria Math" panose="02040503050406030204" pitchFamily="18" charset="0"/>
+                  <a:ea typeface="Cambria Math" panose="02040503050406030204" pitchFamily="18" charset="0"/>
+                </a:rPr>
+                <a:t>Weak Repressed </a:t>
+              </a:r>
+              <a:r>
+                <a:rPr lang="en-US" sz="1600" dirty="0" err="1">
+                  <a:latin typeface="Cambria Math" panose="02040503050406030204" pitchFamily="18" charset="0"/>
+                  <a:ea typeface="Cambria Math" panose="02040503050406030204" pitchFamily="18" charset="0"/>
+                </a:rPr>
+                <a:t>PolyComb</a:t>
+              </a:r>
+              <a:r>
+                <a:rPr lang="en-US" sz="1600" dirty="0">
+                  <a:latin typeface="Cambria Math" panose="02040503050406030204" pitchFamily="18" charset="0"/>
+                  <a:ea typeface="Cambria Math" panose="02040503050406030204" pitchFamily="18" charset="0"/>
+                </a:rPr>
+                <a:t> </a:t>
+              </a:r>
+            </a:p>
+            <a:p>
+              <a:r>
+                <a:rPr lang="en-US" sz="1600" dirty="0">
+                  <a:latin typeface="Cambria Math" panose="02040503050406030204" pitchFamily="18" charset="0"/>
+                  <a:ea typeface="Cambria Math" panose="02040503050406030204" pitchFamily="18" charset="0"/>
+                </a:rPr>
+                <a:t>Repressed </a:t>
+              </a:r>
+              <a:r>
+                <a:rPr lang="en-US" sz="1600" dirty="0" err="1">
+                  <a:latin typeface="Cambria Math" panose="02040503050406030204" pitchFamily="18" charset="0"/>
+                  <a:ea typeface="Cambria Math" panose="02040503050406030204" pitchFamily="18" charset="0"/>
+                </a:rPr>
+                <a:t>PolyComb</a:t>
+              </a:r>
+              <a:r>
+                <a:rPr lang="en-US" sz="1600" dirty="0">
+                  <a:latin typeface="Cambria Math" panose="02040503050406030204" pitchFamily="18" charset="0"/>
+                  <a:ea typeface="Cambria Math" panose="02040503050406030204" pitchFamily="18" charset="0"/>
+                </a:rPr>
+                <a:t>  </a:t>
+              </a:r>
+            </a:p>
+            <a:p>
+              <a:r>
+                <a:rPr lang="en-US" sz="1600" dirty="0">
+                  <a:latin typeface="Cambria Math" panose="02040503050406030204" pitchFamily="18" charset="0"/>
+                  <a:ea typeface="Cambria Math" panose="02040503050406030204" pitchFamily="18" charset="0"/>
+                </a:rPr>
+                <a:t>Bivalent Enhancer   </a:t>
+              </a:r>
+              <a:endParaRPr lang="en-US" sz="1600" dirty="0" smtClean="0">
+                <a:latin typeface="Cambria Math" panose="02040503050406030204" pitchFamily="18" charset="0"/>
+                <a:ea typeface="Cambria Math" panose="02040503050406030204" pitchFamily="18" charset="0"/>
+              </a:endParaRPr>
+            </a:p>
+            <a:p>
+              <a:r>
+                <a:rPr lang="en-US" sz="1600" dirty="0">
+                  <a:latin typeface="Cambria Math" panose="02040503050406030204" pitchFamily="18" charset="0"/>
+                  <a:ea typeface="Cambria Math" panose="02040503050406030204" pitchFamily="18" charset="0"/>
+                </a:rPr>
+                <a:t>Flanking Bivalent TSS / </a:t>
+              </a:r>
+              <a:r>
+                <a:rPr lang="en-US" sz="1600" dirty="0" err="1">
+                  <a:latin typeface="Cambria Math" panose="02040503050406030204" pitchFamily="18" charset="0"/>
+                  <a:ea typeface="Cambria Math" panose="02040503050406030204" pitchFamily="18" charset="0"/>
+                </a:rPr>
+                <a:t>Enh</a:t>
+              </a:r>
+              <a:r>
+                <a:rPr lang="en-US" sz="1600" dirty="0" smtClean="0">
+                  <a:latin typeface="Cambria Math" panose="02040503050406030204" pitchFamily="18" charset="0"/>
+                  <a:ea typeface="Cambria Math" panose="02040503050406030204" pitchFamily="18" charset="0"/>
+                </a:rPr>
+                <a:t>.</a:t>
+              </a:r>
+              <a:endParaRPr lang="en-US" sz="1600" dirty="0">
+                <a:latin typeface="Cambria Math" panose="02040503050406030204" pitchFamily="18" charset="0"/>
+                <a:ea typeface="Cambria Math" panose="02040503050406030204" pitchFamily="18" charset="0"/>
+              </a:endParaRPr>
+            </a:p>
+          </p:txBody>
+        </p:sp>
+        <p:sp>
+          <p:nvSpPr>
+            <p:cNvPr id="42" name="Rectangle 41"/>
+            <p:cNvSpPr/>
+            <p:nvPr/>
+          </p:nvSpPr>
+          <p:spPr>
+            <a:xfrm>
+              <a:off x="3753757" y="2276736"/>
+              <a:ext cx="599389" cy="176953"/>
+            </a:xfrm>
+            <a:prstGeom prst="rect">
+              <a:avLst/>
+            </a:prstGeom>
+            <a:solidFill>
+              <a:srgbClr val="E8977A"/>
+            </a:solidFill>
+            <a:ln>
+              <a:noFill/>
+            </a:ln>
+          </p:spPr>
+          <p:style>
+            <a:lnRef idx="2">
+              <a:schemeClr val="accent1">
+                <a:shade val="50000"/>
+              </a:schemeClr>
+            </a:lnRef>
+            <a:fillRef idx="1">
+              <a:schemeClr val="accent1"/>
+            </a:fillRef>
+            <a:effectRef idx="0">
+              <a:schemeClr val="accent1"/>
+            </a:effectRef>
+            <a:fontRef idx="minor">
+              <a:schemeClr val="lt1"/>
+            </a:fontRef>
+          </p:style>
+          <p:txBody>
+            <a:bodyPr rtlCol="0" anchor="ctr"/>
+            <a:lstStyle/>
+            <a:p>
+              <a:pPr algn="ctr"/>
+              <a:endParaRPr lang="en-US"/>
+            </a:p>
+          </p:txBody>
+        </p:sp>
+        <p:sp>
+          <p:nvSpPr>
+            <p:cNvPr id="43" name="Rectangle 42"/>
+            <p:cNvSpPr/>
+            <p:nvPr/>
+          </p:nvSpPr>
+          <p:spPr>
+            <a:xfrm>
+              <a:off x="3753757" y="2035744"/>
+              <a:ext cx="599389" cy="176953"/>
+            </a:xfrm>
+            <a:prstGeom prst="rect">
+              <a:avLst/>
+            </a:prstGeom>
+            <a:solidFill>
+              <a:srgbClr val="C4B270"/>
+            </a:solidFill>
+            <a:ln>
+              <a:noFill/>
+            </a:ln>
+          </p:spPr>
+          <p:style>
+            <a:lnRef idx="2">
+              <a:schemeClr val="accent1">
+                <a:shade val="50000"/>
+              </a:schemeClr>
+            </a:lnRef>
+            <a:fillRef idx="1">
+              <a:schemeClr val="accent1"/>
+            </a:fillRef>
+            <a:effectRef idx="0">
+              <a:schemeClr val="accent1"/>
+            </a:effectRef>
+            <a:fontRef idx="minor">
+              <a:schemeClr val="lt1"/>
+            </a:fontRef>
+          </p:style>
+          <p:txBody>
+            <a:bodyPr rtlCol="0" anchor="ctr"/>
+            <a:lstStyle/>
+            <a:p>
+              <a:pPr algn="ctr"/>
+              <a:endParaRPr lang="en-US"/>
+            </a:p>
+          </p:txBody>
+        </p:sp>
+        <p:sp>
+          <p:nvSpPr>
+            <p:cNvPr id="44" name="Rectangle 43"/>
+            <p:cNvSpPr/>
+            <p:nvPr/>
+          </p:nvSpPr>
+          <p:spPr>
+            <a:xfrm>
+              <a:off x="3753757" y="1796236"/>
+              <a:ext cx="599389" cy="176953"/>
+            </a:xfrm>
+            <a:prstGeom prst="rect">
+              <a:avLst/>
+            </a:prstGeom>
+            <a:solidFill>
+              <a:srgbClr val="818175"/>
+            </a:solidFill>
+            <a:ln>
+              <a:noFill/>
+            </a:ln>
+          </p:spPr>
+          <p:style>
+            <a:lnRef idx="2">
+              <a:schemeClr val="accent1">
+                <a:shade val="50000"/>
+              </a:schemeClr>
+            </a:lnRef>
+            <a:fillRef idx="1">
+              <a:schemeClr val="accent1"/>
+            </a:fillRef>
+            <a:effectRef idx="0">
+              <a:schemeClr val="accent1"/>
+            </a:effectRef>
+            <a:fontRef idx="minor">
+              <a:schemeClr val="lt1"/>
+            </a:fontRef>
+          </p:style>
+          <p:txBody>
+            <a:bodyPr rtlCol="0" anchor="ctr"/>
+            <a:lstStyle/>
+            <a:p>
+              <a:pPr algn="ctr"/>
+              <a:endParaRPr lang="en-US"/>
+            </a:p>
+          </p:txBody>
+        </p:sp>
+        <p:sp>
+          <p:nvSpPr>
+            <p:cNvPr id="45" name="Rectangle 44"/>
+            <p:cNvSpPr/>
+            <p:nvPr/>
+          </p:nvSpPr>
+          <p:spPr>
+            <a:xfrm>
+              <a:off x="3753757" y="1549148"/>
+              <a:ext cx="599389" cy="176953"/>
+            </a:xfrm>
+            <a:prstGeom prst="rect">
+              <a:avLst/>
+            </a:prstGeom>
+            <a:solidFill>
+              <a:srgbClr val="C0C0C0"/>
+            </a:solidFill>
+            <a:ln>
+              <a:noFill/>
+            </a:ln>
+          </p:spPr>
+          <p:style>
+            <a:lnRef idx="2">
+              <a:schemeClr val="accent1">
+                <a:shade val="50000"/>
+              </a:schemeClr>
+            </a:lnRef>
+            <a:fillRef idx="1">
+              <a:schemeClr val="accent1"/>
+            </a:fillRef>
+            <a:effectRef idx="0">
+              <a:schemeClr val="accent1"/>
+            </a:effectRef>
+            <a:fontRef idx="minor">
+              <a:schemeClr val="lt1"/>
+            </a:fontRef>
+          </p:style>
+          <p:txBody>
+            <a:bodyPr rtlCol="0" anchor="ctr"/>
+            <a:lstStyle/>
+            <a:p>
+              <a:pPr algn="ctr"/>
+              <a:endParaRPr lang="en-US"/>
+            </a:p>
+          </p:txBody>
+        </p:sp>
+        <p:sp>
+          <p:nvSpPr>
+            <p:cNvPr id="46" name="Rectangle 45"/>
+            <p:cNvSpPr/>
+            <p:nvPr/>
+          </p:nvSpPr>
+          <p:spPr>
+            <a:xfrm>
+              <a:off x="3753757" y="1295169"/>
+              <a:ext cx="599389" cy="176953"/>
+            </a:xfrm>
+            <a:prstGeom prst="rect">
+              <a:avLst/>
+            </a:prstGeom>
+            <a:solidFill>
+              <a:schemeClr val="bg1"/>
+            </a:solidFill>
+            <a:ln>
+              <a:solidFill>
+                <a:schemeClr val="tx1"/>
+              </a:solidFill>
+            </a:ln>
+          </p:spPr>
+          <p:style>
+            <a:lnRef idx="2">
+              <a:schemeClr val="accent1">
+                <a:shade val="50000"/>
+              </a:schemeClr>
+            </a:lnRef>
+            <a:fillRef idx="1">
+              <a:schemeClr val="accent1"/>
+            </a:fillRef>
+            <a:effectRef idx="0">
+              <a:schemeClr val="accent1"/>
+            </a:effectRef>
+            <a:fontRef idx="minor">
+              <a:schemeClr val="lt1"/>
+            </a:fontRef>
+          </p:style>
+          <p:txBody>
+            <a:bodyPr rtlCol="0" anchor="ctr"/>
+            <a:lstStyle/>
+            <a:p>
+              <a:pPr algn="ctr"/>
+              <a:endParaRPr lang="en-US"/>
+            </a:p>
+          </p:txBody>
+        </p:sp>
+        <p:sp>
+          <p:nvSpPr>
+            <p:cNvPr id="47" name="Rectangle 46"/>
+            <p:cNvSpPr/>
+            <p:nvPr/>
+          </p:nvSpPr>
+          <p:spPr>
+            <a:xfrm>
+              <a:off x="3655686" y="893031"/>
+              <a:ext cx="3267883" cy="369332"/>
+            </a:xfrm>
+            <a:prstGeom prst="rect">
+              <a:avLst/>
+            </a:prstGeom>
+            <a:noFill/>
+            <a:ln>
+              <a:noFill/>
+            </a:ln>
+          </p:spPr>
+          <p:txBody>
+            <a:bodyPr wrap="square" anchor="ctr">
+              <a:spAutoFit/>
+            </a:bodyPr>
+            <a:lstStyle/>
+            <a:p>
+              <a:r>
+                <a:rPr lang="en-GB" u="sng" dirty="0" err="1" smtClean="0">
+                  <a:latin typeface="Cambria Math" panose="02040503050406030204" pitchFamily="18" charset="0"/>
+                  <a:ea typeface="Cambria Math" panose="02040503050406030204" pitchFamily="18" charset="0"/>
+                </a:rPr>
+                <a:t>ChromHMM</a:t>
+              </a:r>
+              <a:r>
+                <a:rPr lang="en-GB" u="sng" dirty="0" smtClean="0">
+                  <a:latin typeface="Cambria Math" panose="02040503050406030204" pitchFamily="18" charset="0"/>
+                  <a:ea typeface="Cambria Math" panose="02040503050406030204" pitchFamily="18" charset="0"/>
+                </a:rPr>
+                <a:t> 15-States Legend</a:t>
+              </a:r>
+              <a:endParaRPr lang="en-US" b="0" u="sng" dirty="0" smtClean="0">
+                <a:latin typeface="Cambria Math" panose="02040503050406030204" pitchFamily="18" charset="0"/>
+                <a:ea typeface="Cambria Math" panose="02040503050406030204" pitchFamily="18" charset="0"/>
+              </a:endParaRPr>
+            </a:p>
+          </p:txBody>
+        </p:sp>
+        <p:grpSp>
+          <p:nvGrpSpPr>
+            <p:cNvPr id="66" name="Group 65"/>
+            <p:cNvGrpSpPr/>
+            <p:nvPr/>
+          </p:nvGrpSpPr>
+          <p:grpSpPr>
+            <a:xfrm>
+              <a:off x="551563" y="1195267"/>
+              <a:ext cx="3285046" cy="1077218"/>
+              <a:chOff x="551563" y="1228157"/>
+              <a:chExt cx="3285046" cy="1077218"/>
+            </a:xfrm>
+          </p:grpSpPr>
+          <p:sp>
+            <p:nvSpPr>
+              <p:cNvPr id="48" name="Rectangle 47"/>
+              <p:cNvSpPr/>
+              <p:nvPr/>
+            </p:nvSpPr>
+            <p:spPr>
+              <a:xfrm>
+                <a:off x="1167069" y="1228157"/>
+                <a:ext cx="2669540" cy="1077218"/>
+              </a:xfrm>
+              <a:prstGeom prst="rect">
+                <a:avLst/>
+              </a:prstGeom>
+              <a:noFill/>
+              <a:ln>
+                <a:noFill/>
+              </a:ln>
+            </p:spPr>
+            <p:txBody>
+              <a:bodyPr wrap="square">
+                <a:spAutoFit/>
+              </a:bodyPr>
+              <a:lstStyle/>
+              <a:p>
+                <a:r>
+                  <a:rPr lang="en-US" sz="1600" dirty="0" smtClean="0">
+                    <a:latin typeface="Cambria Math" panose="02040503050406030204" pitchFamily="18" charset="0"/>
+                    <a:ea typeface="Cambria Math" panose="02040503050406030204" pitchFamily="18" charset="0"/>
+                  </a:rPr>
+                  <a:t>Enhancer Type I State</a:t>
+                </a:r>
+              </a:p>
+              <a:p>
+                <a:r>
+                  <a:rPr lang="en-US" sz="1600" dirty="0">
+                    <a:latin typeface="Cambria Math" panose="02040503050406030204" pitchFamily="18" charset="0"/>
+                    <a:ea typeface="Cambria Math" panose="02040503050406030204" pitchFamily="18" charset="0"/>
+                  </a:rPr>
+                  <a:t>Enhancer Type </a:t>
+                </a:r>
+                <a:r>
+                  <a:rPr lang="en-US" sz="1600" dirty="0" smtClean="0">
+                    <a:latin typeface="Cambria Math" panose="02040503050406030204" pitchFamily="18" charset="0"/>
+                    <a:ea typeface="Cambria Math" panose="02040503050406030204" pitchFamily="18" charset="0"/>
+                  </a:rPr>
+                  <a:t>II </a:t>
+                </a:r>
+                <a:r>
+                  <a:rPr lang="en-US" sz="1600" dirty="0">
+                    <a:latin typeface="Cambria Math" panose="02040503050406030204" pitchFamily="18" charset="0"/>
+                    <a:ea typeface="Cambria Math" panose="02040503050406030204" pitchFamily="18" charset="0"/>
+                  </a:rPr>
+                  <a:t>State</a:t>
+                </a:r>
+              </a:p>
+              <a:p>
+                <a:r>
+                  <a:rPr lang="en-US" sz="1600" dirty="0" smtClean="0">
+                    <a:latin typeface="Cambria Math" panose="02040503050406030204" pitchFamily="18" charset="0"/>
+                    <a:ea typeface="Cambria Math" panose="02040503050406030204" pitchFamily="18" charset="0"/>
+                  </a:rPr>
+                  <a:t>Background </a:t>
+                </a:r>
+                <a:r>
+                  <a:rPr lang="en-US" sz="1600" dirty="0">
+                    <a:latin typeface="Cambria Math" panose="02040503050406030204" pitchFamily="18" charset="0"/>
+                    <a:ea typeface="Cambria Math" panose="02040503050406030204" pitchFamily="18" charset="0"/>
+                  </a:rPr>
+                  <a:t>State</a:t>
+                </a:r>
+              </a:p>
+              <a:p>
+                <a:r>
+                  <a:rPr lang="en-GB" sz="1600" dirty="0">
+                    <a:latin typeface="Cambria Math" panose="02040503050406030204" pitchFamily="18" charset="0"/>
+                    <a:ea typeface="Cambria Math" panose="02040503050406030204" pitchFamily="18" charset="0"/>
+                  </a:rPr>
+                  <a:t>Transcription </a:t>
+                </a:r>
+                <a:r>
+                  <a:rPr lang="en-GB" sz="1600" dirty="0" smtClean="0">
+                    <a:latin typeface="Cambria Math" panose="02040503050406030204" pitchFamily="18" charset="0"/>
+                    <a:ea typeface="Cambria Math" panose="02040503050406030204" pitchFamily="18" charset="0"/>
+                  </a:rPr>
+                  <a:t>Factor </a:t>
+                </a:r>
+                <a:r>
+                  <a:rPr lang="en-GB" sz="1600" dirty="0">
+                    <a:latin typeface="Cambria Math" panose="02040503050406030204" pitchFamily="18" charset="0"/>
+                    <a:ea typeface="Cambria Math" panose="02040503050406030204" pitchFamily="18" charset="0"/>
+                  </a:rPr>
+                  <a:t>States</a:t>
+                </a:r>
+                <a:endParaRPr lang="en-US" sz="1600" dirty="0">
+                  <a:latin typeface="Cambria Math" panose="02040503050406030204" pitchFamily="18" charset="0"/>
+                  <a:ea typeface="Cambria Math" panose="02040503050406030204" pitchFamily="18" charset="0"/>
+                </a:endParaRPr>
+              </a:p>
+            </p:txBody>
+          </p:sp>
+          <p:sp>
+            <p:nvSpPr>
+              <p:cNvPr id="49" name="Rectangle 48"/>
+              <p:cNvSpPr/>
+              <p:nvPr/>
+            </p:nvSpPr>
+            <p:spPr>
+              <a:xfrm>
+                <a:off x="551563" y="1327446"/>
+                <a:ext cx="599389" cy="176953"/>
+              </a:xfrm>
+              <a:prstGeom prst="rect">
+                <a:avLst/>
+              </a:prstGeom>
+              <a:solidFill>
+                <a:srgbClr val="0071BD"/>
+              </a:solidFill>
+              <a:ln>
+                <a:noFill/>
+              </a:ln>
+            </p:spPr>
+            <p:style>
+              <a:lnRef idx="2">
+                <a:schemeClr val="accent1">
+                  <a:shade val="50000"/>
+                </a:schemeClr>
+              </a:lnRef>
+              <a:fillRef idx="1">
+                <a:schemeClr val="accent1"/>
+              </a:fillRef>
+              <a:effectRef idx="0">
+                <a:schemeClr val="accent1"/>
+              </a:effectRef>
+              <a:fontRef idx="minor">
+                <a:schemeClr val="lt1"/>
+              </a:fontRef>
+            </p:style>
+            <p:txBody>
+              <a:bodyPr rtlCol="0" anchor="ctr"/>
+              <a:lstStyle/>
+              <a:p>
+                <a:pPr algn="ctr"/>
+                <a:endParaRPr lang="en-US"/>
+              </a:p>
+            </p:txBody>
+          </p:sp>
+          <p:sp>
+            <p:nvSpPr>
+              <p:cNvPr id="50" name="Rectangle 49"/>
+              <p:cNvSpPr/>
+              <p:nvPr/>
+            </p:nvSpPr>
+            <p:spPr>
+              <a:xfrm>
+                <a:off x="551563" y="1565190"/>
+                <a:ext cx="599389" cy="176953"/>
+              </a:xfrm>
+              <a:prstGeom prst="rect">
+                <a:avLst/>
+              </a:prstGeom>
+              <a:solidFill>
+                <a:srgbClr val="D05717"/>
+              </a:solidFill>
+              <a:ln>
+                <a:noFill/>
+              </a:ln>
+            </p:spPr>
+            <p:style>
+              <a:lnRef idx="2">
+                <a:schemeClr val="accent1">
+                  <a:shade val="50000"/>
+                </a:schemeClr>
+              </a:lnRef>
+              <a:fillRef idx="1">
+                <a:schemeClr val="accent1"/>
+              </a:fillRef>
+              <a:effectRef idx="0">
+                <a:schemeClr val="accent1"/>
+              </a:effectRef>
+              <a:fontRef idx="minor">
+                <a:schemeClr val="lt1"/>
+              </a:fontRef>
+            </p:style>
+            <p:txBody>
+              <a:bodyPr rtlCol="0" anchor="ctr"/>
+              <a:lstStyle/>
+              <a:p>
+                <a:pPr algn="ctr"/>
+                <a:endParaRPr lang="en-US"/>
+              </a:p>
+            </p:txBody>
+          </p:sp>
+          <p:sp>
+            <p:nvSpPr>
+              <p:cNvPr id="51" name="Rectangle 50"/>
+              <p:cNvSpPr/>
+              <p:nvPr/>
+            </p:nvSpPr>
+            <p:spPr>
+              <a:xfrm>
+                <a:off x="552161" y="1809030"/>
+                <a:ext cx="599389" cy="176953"/>
+              </a:xfrm>
+              <a:prstGeom prst="rect">
+                <a:avLst/>
+              </a:prstGeom>
+              <a:solidFill>
+                <a:srgbClr val="C9951B"/>
+              </a:solidFill>
+              <a:ln>
+                <a:noFill/>
+              </a:ln>
+            </p:spPr>
+            <p:style>
+              <a:lnRef idx="2">
+                <a:schemeClr val="accent1">
+                  <a:shade val="50000"/>
+                </a:schemeClr>
+              </a:lnRef>
+              <a:fillRef idx="1">
+                <a:schemeClr val="accent1"/>
+              </a:fillRef>
+              <a:effectRef idx="0">
+                <a:schemeClr val="accent1"/>
+              </a:effectRef>
+              <a:fontRef idx="minor">
+                <a:schemeClr val="lt1"/>
+              </a:fontRef>
+            </p:style>
+            <p:txBody>
+              <a:bodyPr rtlCol="0" anchor="ctr"/>
+              <a:lstStyle/>
+              <a:p>
+                <a:pPr algn="ctr"/>
+                <a:endParaRPr lang="en-US"/>
+              </a:p>
+            </p:txBody>
+          </p:sp>
+          <p:sp>
+            <p:nvSpPr>
+              <p:cNvPr id="52" name="Rectangle 51"/>
+              <p:cNvSpPr/>
+              <p:nvPr/>
+            </p:nvSpPr>
+            <p:spPr>
+              <a:xfrm>
+                <a:off x="552161" y="2052870"/>
+                <a:ext cx="599389" cy="176953"/>
+              </a:xfrm>
+              <a:prstGeom prst="rect">
+                <a:avLst/>
+              </a:prstGeom>
+              <a:solidFill>
+                <a:schemeClr val="tx1"/>
+              </a:solidFill>
+              <a:ln>
+                <a:noFill/>
+              </a:ln>
+            </p:spPr>
+            <p:style>
+              <a:lnRef idx="2">
+                <a:schemeClr val="accent1">
+                  <a:shade val="50000"/>
+                </a:schemeClr>
+              </a:lnRef>
+              <a:fillRef idx="1">
+                <a:schemeClr val="accent1"/>
+              </a:fillRef>
+              <a:effectRef idx="0">
+                <a:schemeClr val="accent1"/>
+              </a:effectRef>
+              <a:fontRef idx="minor">
+                <a:schemeClr val="lt1"/>
+              </a:fontRef>
+            </p:style>
+            <p:txBody>
+              <a:bodyPr rtlCol="0" anchor="ctr"/>
+              <a:lstStyle/>
+              <a:p>
+                <a:pPr algn="ctr"/>
+                <a:endParaRPr lang="en-US"/>
+              </a:p>
+            </p:txBody>
+          </p:sp>
+        </p:grpSp>
+        <p:sp>
+          <p:nvSpPr>
+            <p:cNvPr id="53" name="Rectangle 52"/>
+            <p:cNvSpPr/>
+            <p:nvPr/>
+          </p:nvSpPr>
+          <p:spPr>
+            <a:xfrm>
+              <a:off x="477425" y="893031"/>
+              <a:ext cx="3267883" cy="369332"/>
+            </a:xfrm>
+            <a:prstGeom prst="rect">
+              <a:avLst/>
+            </a:prstGeom>
+            <a:noFill/>
+            <a:ln>
+              <a:noFill/>
+            </a:ln>
+          </p:spPr>
+          <p:txBody>
+            <a:bodyPr wrap="square" anchor="ctr">
+              <a:spAutoFit/>
+            </a:bodyPr>
+            <a:lstStyle/>
+            <a:p>
+              <a:r>
+                <a:rPr lang="en-GB" u="sng" dirty="0" smtClean="0">
+                  <a:latin typeface="Cambria Math" panose="02040503050406030204" pitchFamily="18" charset="0"/>
+                  <a:ea typeface="Cambria Math" panose="02040503050406030204" pitchFamily="18" charset="0"/>
+                </a:rPr>
+                <a:t>HOP-HMM Legend</a:t>
+              </a:r>
+              <a:endParaRPr lang="en-US" b="0" u="sng" dirty="0" smtClean="0">
+                <a:latin typeface="Cambria Math" panose="02040503050406030204" pitchFamily="18" charset="0"/>
+                <a:ea typeface="Cambria Math" panose="02040503050406030204" pitchFamily="18" charset="0"/>
+              </a:endParaRPr>
+            </a:p>
+          </p:txBody>
+        </p:sp>
+        <p:grpSp>
+          <p:nvGrpSpPr>
+            <p:cNvPr id="65" name="Group 64"/>
+            <p:cNvGrpSpPr/>
+            <p:nvPr/>
+          </p:nvGrpSpPr>
+          <p:grpSpPr>
+            <a:xfrm>
+              <a:off x="7034783" y="1008368"/>
+              <a:ext cx="5677592" cy="1569660"/>
+              <a:chOff x="7431854" y="886453"/>
+              <a:chExt cx="5677592" cy="1569660"/>
+            </a:xfrm>
+          </p:grpSpPr>
+          <p:sp>
+            <p:nvSpPr>
+              <p:cNvPr id="32" name="Rectangle 31"/>
+              <p:cNvSpPr/>
+              <p:nvPr/>
+            </p:nvSpPr>
+            <p:spPr>
+              <a:xfrm>
+                <a:off x="10086897" y="2147273"/>
+                <a:ext cx="599389" cy="176953"/>
+              </a:xfrm>
+              <a:prstGeom prst="rect">
+                <a:avLst/>
+              </a:prstGeom>
+              <a:solidFill>
+                <a:srgbClr val="FF0000"/>
+              </a:solidFill>
+              <a:ln>
+                <a:noFill/>
+              </a:ln>
+            </p:spPr>
+            <p:style>
+              <a:lnRef idx="2">
+                <a:schemeClr val="accent1">
+                  <a:shade val="50000"/>
+                </a:schemeClr>
+              </a:lnRef>
+              <a:fillRef idx="1">
+                <a:schemeClr val="accent1"/>
+              </a:fillRef>
+              <a:effectRef idx="0">
+                <a:schemeClr val="accent1"/>
+              </a:effectRef>
+              <a:fontRef idx="minor">
+                <a:schemeClr val="lt1"/>
+              </a:fontRef>
+            </p:style>
+            <p:txBody>
+              <a:bodyPr rtlCol="0" anchor="ctr"/>
+              <a:lstStyle/>
+              <a:p>
+                <a:pPr algn="ctr"/>
+                <a:endParaRPr lang="en-US"/>
+              </a:p>
+            </p:txBody>
+          </p:sp>
+          <p:sp>
+            <p:nvSpPr>
+              <p:cNvPr id="33" name="Rectangle 32"/>
+              <p:cNvSpPr/>
+              <p:nvPr/>
+            </p:nvSpPr>
+            <p:spPr>
+              <a:xfrm>
+                <a:off x="10109251" y="1907805"/>
+                <a:ext cx="599389" cy="176953"/>
+              </a:xfrm>
+              <a:prstGeom prst="rect">
+                <a:avLst/>
+              </a:prstGeom>
+              <a:solidFill>
+                <a:srgbClr val="FF4500"/>
+              </a:solidFill>
+              <a:ln>
+                <a:noFill/>
+              </a:ln>
+            </p:spPr>
+            <p:style>
+              <a:lnRef idx="2">
+                <a:schemeClr val="accent1">
+                  <a:shade val="50000"/>
+                </a:schemeClr>
+              </a:lnRef>
+              <a:fillRef idx="1">
+                <a:schemeClr val="accent1"/>
+              </a:fillRef>
+              <a:effectRef idx="0">
+                <a:schemeClr val="accent1"/>
+              </a:effectRef>
+              <a:fontRef idx="minor">
+                <a:schemeClr val="lt1"/>
+              </a:fontRef>
+            </p:style>
+            <p:txBody>
+              <a:bodyPr rtlCol="0" anchor="ctr"/>
+              <a:lstStyle/>
+              <a:p>
+                <a:pPr algn="ctr"/>
+                <a:endParaRPr lang="en-US"/>
+              </a:p>
+            </p:txBody>
+          </p:sp>
+          <p:sp>
+            <p:nvSpPr>
+              <p:cNvPr id="34" name="Rectangle 33"/>
+              <p:cNvSpPr/>
+              <p:nvPr/>
+            </p:nvSpPr>
+            <p:spPr>
+              <a:xfrm>
+                <a:off x="10109251" y="1667542"/>
+                <a:ext cx="599389" cy="176953"/>
+              </a:xfrm>
+              <a:prstGeom prst="rect">
+                <a:avLst/>
+              </a:prstGeom>
+              <a:solidFill>
+                <a:srgbClr val="30CE31"/>
+              </a:solidFill>
+              <a:ln>
+                <a:noFill/>
+              </a:ln>
+            </p:spPr>
+            <p:style>
+              <a:lnRef idx="2">
+                <a:schemeClr val="accent1">
+                  <a:shade val="50000"/>
+                </a:schemeClr>
+              </a:lnRef>
+              <a:fillRef idx="1">
+                <a:schemeClr val="accent1"/>
+              </a:fillRef>
+              <a:effectRef idx="0">
+                <a:schemeClr val="accent1"/>
+              </a:effectRef>
+              <a:fontRef idx="minor">
+                <a:schemeClr val="lt1"/>
+              </a:fontRef>
+            </p:style>
+            <p:txBody>
+              <a:bodyPr rtlCol="0" anchor="ctr"/>
+              <a:lstStyle/>
+              <a:p>
+                <a:pPr algn="ctr"/>
+                <a:endParaRPr lang="en-US"/>
+              </a:p>
+            </p:txBody>
+          </p:sp>
+          <p:sp>
+            <p:nvSpPr>
+              <p:cNvPr id="35" name="Rectangle 34"/>
+              <p:cNvSpPr/>
+              <p:nvPr/>
+            </p:nvSpPr>
+            <p:spPr>
+              <a:xfrm>
+                <a:off x="10109251" y="1428074"/>
+                <a:ext cx="599389" cy="176953"/>
+              </a:xfrm>
+              <a:prstGeom prst="rect">
+                <a:avLst/>
+              </a:prstGeom>
+              <a:solidFill>
+                <a:srgbClr val="008101"/>
+              </a:solidFill>
+              <a:ln>
+                <a:noFill/>
+              </a:ln>
+            </p:spPr>
+            <p:style>
+              <a:lnRef idx="2">
+                <a:schemeClr val="accent1">
+                  <a:shade val="50000"/>
+                </a:schemeClr>
+              </a:lnRef>
+              <a:fillRef idx="1">
+                <a:schemeClr val="accent1"/>
+              </a:fillRef>
+              <a:effectRef idx="0">
+                <a:schemeClr val="accent1"/>
+              </a:effectRef>
+              <a:fontRef idx="minor">
+                <a:schemeClr val="lt1"/>
+              </a:fontRef>
+            </p:style>
+            <p:txBody>
+              <a:bodyPr rtlCol="0" anchor="ctr"/>
+              <a:lstStyle/>
+              <a:p>
+                <a:pPr algn="ctr"/>
+                <a:endParaRPr lang="en-US"/>
+              </a:p>
+            </p:txBody>
+          </p:sp>
+          <p:sp>
+            <p:nvSpPr>
+              <p:cNvPr id="36" name="Rectangle 35"/>
+              <p:cNvSpPr/>
+              <p:nvPr/>
+            </p:nvSpPr>
+            <p:spPr>
+              <a:xfrm>
+                <a:off x="10109251" y="1182470"/>
+                <a:ext cx="599389" cy="176953"/>
+              </a:xfrm>
+              <a:prstGeom prst="rect">
+                <a:avLst/>
+              </a:prstGeom>
+              <a:solidFill>
+                <a:srgbClr val="006404"/>
+              </a:solidFill>
+              <a:ln>
+                <a:noFill/>
+              </a:ln>
+            </p:spPr>
+            <p:style>
+              <a:lnRef idx="2">
+                <a:schemeClr val="accent1">
+                  <a:shade val="50000"/>
+                </a:schemeClr>
+              </a:lnRef>
+              <a:fillRef idx="1">
+                <a:schemeClr val="accent1"/>
+              </a:fillRef>
+              <a:effectRef idx="0">
+                <a:schemeClr val="accent1"/>
+              </a:effectRef>
+              <a:fontRef idx="minor">
+                <a:schemeClr val="lt1"/>
+              </a:fontRef>
+            </p:style>
+            <p:txBody>
+              <a:bodyPr rtlCol="0" anchor="ctr"/>
+              <a:lstStyle/>
+              <a:p>
+                <a:pPr algn="ctr"/>
+                <a:endParaRPr lang="en-US"/>
+              </a:p>
+            </p:txBody>
+          </p:sp>
+          <p:sp>
+            <p:nvSpPr>
+              <p:cNvPr id="55" name="Rectangle 54"/>
+              <p:cNvSpPr/>
+              <p:nvPr/>
+            </p:nvSpPr>
+            <p:spPr>
+              <a:xfrm>
+                <a:off x="8031243" y="1112520"/>
+                <a:ext cx="2163397" cy="1323439"/>
+              </a:xfrm>
+              <a:prstGeom prst="rect">
+                <a:avLst/>
+              </a:prstGeom>
+            </p:spPr>
+            <p:txBody>
+              <a:bodyPr wrap="square">
+                <a:spAutoFit/>
+              </a:bodyPr>
+              <a:lstStyle/>
+              <a:p>
+                <a:r>
+                  <a:rPr lang="en-US" sz="1600" dirty="0" smtClean="0">
+                    <a:latin typeface="Cambria Math" panose="02040503050406030204" pitchFamily="18" charset="0"/>
+                    <a:ea typeface="Cambria Math" panose="02040503050406030204" pitchFamily="18" charset="0"/>
+                  </a:rPr>
+                  <a:t>Bivalent </a:t>
+                </a:r>
+                <a:r>
+                  <a:rPr lang="en-US" sz="1600" dirty="0">
+                    <a:latin typeface="Cambria Math" panose="02040503050406030204" pitchFamily="18" charset="0"/>
+                    <a:ea typeface="Cambria Math" panose="02040503050406030204" pitchFamily="18" charset="0"/>
+                  </a:rPr>
+                  <a:t>/ Poised TSS </a:t>
+                </a:r>
+              </a:p>
+              <a:p>
+                <a:r>
+                  <a:rPr lang="en-US" sz="1600" dirty="0">
+                    <a:latin typeface="Cambria Math" panose="02040503050406030204" pitchFamily="18" charset="0"/>
+                    <a:ea typeface="Cambria Math" panose="02040503050406030204" pitchFamily="18" charset="0"/>
+                  </a:rPr>
+                  <a:t>Heterochromatin </a:t>
+                </a:r>
+              </a:p>
+              <a:p>
+                <a:r>
+                  <a:rPr lang="en-US" sz="1600" dirty="0">
+                    <a:latin typeface="Cambria Math" panose="02040503050406030204" pitchFamily="18" charset="0"/>
+                    <a:ea typeface="Cambria Math" panose="02040503050406030204" pitchFamily="18" charset="0"/>
+                  </a:rPr>
+                  <a:t>ZNF genes &amp; </a:t>
+                </a:r>
+                <a:r>
+                  <a:rPr lang="en-US" sz="1600" dirty="0" smtClean="0">
+                    <a:latin typeface="Cambria Math" panose="02040503050406030204" pitchFamily="18" charset="0"/>
+                    <a:ea typeface="Cambria Math" panose="02040503050406030204" pitchFamily="18" charset="0"/>
+                  </a:rPr>
+                  <a:t>repeats</a:t>
+                </a:r>
+              </a:p>
+              <a:p>
+                <a:r>
+                  <a:rPr lang="en-US" sz="1600" dirty="0">
+                    <a:latin typeface="Cambria Math" panose="02040503050406030204" pitchFamily="18" charset="0"/>
+                    <a:ea typeface="Cambria Math" panose="02040503050406030204" pitchFamily="18" charset="0"/>
+                  </a:rPr>
+                  <a:t>Enhancers   </a:t>
+                </a:r>
+              </a:p>
+              <a:p>
+                <a:r>
+                  <a:rPr lang="en-US" sz="1600" dirty="0">
+                    <a:latin typeface="Cambria Math" panose="02040503050406030204" pitchFamily="18" charset="0"/>
+                    <a:ea typeface="Cambria Math" panose="02040503050406030204" pitchFamily="18" charset="0"/>
+                  </a:rPr>
+                  <a:t>Genic </a:t>
+                </a:r>
+                <a:r>
+                  <a:rPr lang="en-US" sz="1600" dirty="0" smtClean="0">
+                    <a:latin typeface="Cambria Math" panose="02040503050406030204" pitchFamily="18" charset="0"/>
+                    <a:ea typeface="Cambria Math" panose="02040503050406030204" pitchFamily="18" charset="0"/>
+                  </a:rPr>
+                  <a:t>enhancers</a:t>
+                </a:r>
+                <a:endParaRPr lang="en-US" sz="1600" dirty="0">
+                  <a:latin typeface="Cambria Math" panose="02040503050406030204" pitchFamily="18" charset="0"/>
+                  <a:ea typeface="Cambria Math" panose="02040503050406030204" pitchFamily="18" charset="0"/>
+                </a:endParaRPr>
+              </a:p>
+            </p:txBody>
+          </p:sp>
+          <p:sp>
+            <p:nvSpPr>
+              <p:cNvPr id="57" name="Rectangle 56"/>
+              <p:cNvSpPr/>
+              <p:nvPr/>
+            </p:nvSpPr>
+            <p:spPr>
+              <a:xfrm>
+                <a:off x="10686286" y="886453"/>
+                <a:ext cx="2423160" cy="1569660"/>
+              </a:xfrm>
+              <a:prstGeom prst="rect">
+                <a:avLst/>
+              </a:prstGeom>
+            </p:spPr>
+            <p:txBody>
+              <a:bodyPr wrap="square">
+                <a:spAutoFit/>
+              </a:bodyPr>
+              <a:lstStyle/>
+              <a:p>
+                <a:r>
+                  <a:rPr lang="en-US" sz="1600" dirty="0">
+                    <a:latin typeface="Cambria Math" panose="02040503050406030204" pitchFamily="18" charset="0"/>
+                    <a:ea typeface="Cambria Math" panose="02040503050406030204" pitchFamily="18" charset="0"/>
+                  </a:rPr>
+                  <a:t> </a:t>
+                </a:r>
+              </a:p>
+              <a:p>
+                <a:r>
+                  <a:rPr lang="en-US" sz="1600" dirty="0">
+                    <a:latin typeface="Cambria Math" panose="02040503050406030204" pitchFamily="18" charset="0"/>
+                    <a:ea typeface="Cambria Math" panose="02040503050406030204" pitchFamily="18" charset="0"/>
+                  </a:rPr>
+                  <a:t>Weak transcription  </a:t>
+                </a:r>
+              </a:p>
+              <a:p>
+                <a:r>
+                  <a:rPr lang="en-US" sz="1600" dirty="0">
+                    <a:latin typeface="Cambria Math" panose="02040503050406030204" pitchFamily="18" charset="0"/>
+                    <a:ea typeface="Cambria Math" panose="02040503050406030204" pitchFamily="18" charset="0"/>
+                  </a:rPr>
+                  <a:t>Strong </a:t>
+                </a:r>
+                <a:r>
+                  <a:rPr lang="en-US" sz="1600" dirty="0" smtClean="0">
+                    <a:latin typeface="Cambria Math" panose="02040503050406030204" pitchFamily="18" charset="0"/>
+                    <a:ea typeface="Cambria Math" panose="02040503050406030204" pitchFamily="18" charset="0"/>
+                  </a:rPr>
+                  <a:t>transcription</a:t>
+                </a:r>
+                <a:endParaRPr lang="en-US" sz="1600" dirty="0">
+                  <a:latin typeface="Cambria Math" panose="02040503050406030204" pitchFamily="18" charset="0"/>
+                  <a:ea typeface="Cambria Math" panose="02040503050406030204" pitchFamily="18" charset="0"/>
+                </a:endParaRPr>
+              </a:p>
+              <a:p>
+                <a:r>
+                  <a:rPr lang="en-US" sz="1600" dirty="0">
+                    <a:latin typeface="Cambria Math" panose="02040503050406030204" pitchFamily="18" charset="0"/>
+                    <a:ea typeface="Cambria Math" panose="02040503050406030204" pitchFamily="18" charset="0"/>
+                  </a:rPr>
+                  <a:t>Transcription at gene</a:t>
+                </a:r>
+              </a:p>
+              <a:p>
+                <a:r>
+                  <a:rPr lang="en-US" sz="1600" dirty="0">
+                    <a:latin typeface="Cambria Math" panose="02040503050406030204" pitchFamily="18" charset="0"/>
+                    <a:ea typeface="Cambria Math" panose="02040503050406030204" pitchFamily="18" charset="0"/>
+                  </a:rPr>
+                  <a:t>Flanking Active TSS </a:t>
+                </a:r>
+              </a:p>
+              <a:p>
+                <a:r>
+                  <a:rPr lang="en-US" sz="1600" dirty="0">
+                    <a:latin typeface="Cambria Math" panose="02040503050406030204" pitchFamily="18" charset="0"/>
+                    <a:ea typeface="Cambria Math" panose="02040503050406030204" pitchFamily="18" charset="0"/>
+                  </a:rPr>
+                  <a:t>Active TSS </a:t>
+                </a:r>
+                <a:endParaRPr lang="en-US" sz="1600" dirty="0"/>
+              </a:p>
+            </p:txBody>
+          </p:sp>
+          <p:sp>
+            <p:nvSpPr>
+              <p:cNvPr id="60" name="Rectangle 59"/>
+              <p:cNvSpPr/>
+              <p:nvPr/>
+            </p:nvSpPr>
+            <p:spPr>
+              <a:xfrm>
+                <a:off x="7431854" y="2153851"/>
+                <a:ext cx="599389" cy="176953"/>
+              </a:xfrm>
+              <a:prstGeom prst="rect">
+                <a:avLst/>
+              </a:prstGeom>
+              <a:solidFill>
+                <a:srgbClr val="C6DE0F"/>
+              </a:solidFill>
+              <a:ln>
+                <a:noFill/>
+              </a:ln>
+            </p:spPr>
+            <p:style>
+              <a:lnRef idx="2">
+                <a:schemeClr val="accent1">
+                  <a:shade val="50000"/>
+                </a:schemeClr>
+              </a:lnRef>
+              <a:fillRef idx="1">
+                <a:schemeClr val="accent1"/>
+              </a:fillRef>
+              <a:effectRef idx="0">
+                <a:schemeClr val="accent1"/>
+              </a:effectRef>
+              <a:fontRef idx="minor">
+                <a:schemeClr val="lt1"/>
+              </a:fontRef>
+            </p:style>
+            <p:txBody>
+              <a:bodyPr rtlCol="0" anchor="ctr"/>
+              <a:lstStyle/>
+              <a:p>
+                <a:pPr algn="ctr"/>
+                <a:endParaRPr lang="en-US"/>
+              </a:p>
+            </p:txBody>
+          </p:sp>
+          <p:sp>
+            <p:nvSpPr>
+              <p:cNvPr id="61" name="Rectangle 60"/>
+              <p:cNvSpPr/>
+              <p:nvPr/>
+            </p:nvSpPr>
+            <p:spPr>
+              <a:xfrm>
+                <a:off x="7431854" y="1904444"/>
+                <a:ext cx="599389" cy="176953"/>
+              </a:xfrm>
+              <a:prstGeom prst="rect">
+                <a:avLst/>
+              </a:prstGeom>
+              <a:solidFill>
+                <a:srgbClr val="F5FF08"/>
+              </a:solidFill>
+              <a:ln>
+                <a:noFill/>
+              </a:ln>
+            </p:spPr>
+            <p:style>
+              <a:lnRef idx="2">
+                <a:schemeClr val="accent1">
+                  <a:shade val="50000"/>
+                </a:schemeClr>
+              </a:lnRef>
+              <a:fillRef idx="1">
+                <a:schemeClr val="accent1"/>
+              </a:fillRef>
+              <a:effectRef idx="0">
+                <a:schemeClr val="accent1"/>
+              </a:effectRef>
+              <a:fontRef idx="minor">
+                <a:schemeClr val="lt1"/>
+              </a:fontRef>
+            </p:style>
+            <p:txBody>
+              <a:bodyPr rtlCol="0" anchor="ctr"/>
+              <a:lstStyle/>
+              <a:p>
+                <a:pPr algn="ctr"/>
+                <a:endParaRPr lang="en-US"/>
+              </a:p>
+            </p:txBody>
+          </p:sp>
+          <p:sp>
+            <p:nvSpPr>
+              <p:cNvPr id="62" name="Rectangle 61"/>
+              <p:cNvSpPr/>
+              <p:nvPr/>
+            </p:nvSpPr>
+            <p:spPr>
+              <a:xfrm>
+                <a:off x="7431854" y="1662268"/>
+                <a:ext cx="599389" cy="176953"/>
+              </a:xfrm>
+              <a:prstGeom prst="rect">
+                <a:avLst/>
+              </a:prstGeom>
+              <a:solidFill>
+                <a:srgbClr val="67CCAC"/>
+              </a:solidFill>
+              <a:ln>
+                <a:noFill/>
+              </a:ln>
+            </p:spPr>
+            <p:style>
+              <a:lnRef idx="2">
+                <a:schemeClr val="accent1">
+                  <a:shade val="50000"/>
+                </a:schemeClr>
+              </a:lnRef>
+              <a:fillRef idx="1">
+                <a:schemeClr val="accent1"/>
+              </a:fillRef>
+              <a:effectRef idx="0">
+                <a:schemeClr val="accent1"/>
+              </a:effectRef>
+              <a:fontRef idx="minor">
+                <a:schemeClr val="lt1"/>
+              </a:fontRef>
+            </p:style>
+            <p:txBody>
+              <a:bodyPr rtlCol="0" anchor="ctr"/>
+              <a:lstStyle/>
+              <a:p>
+                <a:pPr algn="ctr"/>
+                <a:endParaRPr lang="en-US"/>
+              </a:p>
+            </p:txBody>
+          </p:sp>
+          <p:sp>
+            <p:nvSpPr>
+              <p:cNvPr id="63" name="Rectangle 62"/>
+              <p:cNvSpPr/>
+              <p:nvPr/>
+            </p:nvSpPr>
+            <p:spPr>
+              <a:xfrm>
+                <a:off x="7431854" y="1420974"/>
+                <a:ext cx="599389" cy="176953"/>
+              </a:xfrm>
+              <a:prstGeom prst="rect">
+                <a:avLst/>
+              </a:prstGeom>
+              <a:solidFill>
+                <a:srgbClr val="8A91D1"/>
+              </a:solidFill>
+              <a:ln>
+                <a:noFill/>
+              </a:ln>
+            </p:spPr>
+            <p:style>
+              <a:lnRef idx="2">
+                <a:schemeClr val="accent1">
+                  <a:shade val="50000"/>
+                </a:schemeClr>
+              </a:lnRef>
+              <a:fillRef idx="1">
+                <a:schemeClr val="accent1"/>
+              </a:fillRef>
+              <a:effectRef idx="0">
+                <a:schemeClr val="accent1"/>
+              </a:effectRef>
+              <a:fontRef idx="minor">
+                <a:schemeClr val="lt1"/>
+              </a:fontRef>
+            </p:style>
+            <p:txBody>
+              <a:bodyPr rtlCol="0" anchor="ctr"/>
+              <a:lstStyle/>
+              <a:p>
+                <a:pPr algn="ctr"/>
+                <a:endParaRPr lang="en-US"/>
+              </a:p>
+            </p:txBody>
+          </p:sp>
+          <p:sp>
+            <p:nvSpPr>
+              <p:cNvPr id="64" name="Rectangle 63"/>
+              <p:cNvSpPr/>
+              <p:nvPr/>
+            </p:nvSpPr>
+            <p:spPr>
+              <a:xfrm>
+                <a:off x="7431854" y="1173886"/>
+                <a:ext cx="599389" cy="176953"/>
+              </a:xfrm>
+              <a:prstGeom prst="rect">
+                <a:avLst/>
+              </a:prstGeom>
+              <a:solidFill>
+                <a:srgbClr val="CE5C5C"/>
+              </a:solidFill>
+              <a:ln>
+                <a:noFill/>
+              </a:ln>
+            </p:spPr>
+            <p:style>
+              <a:lnRef idx="2">
+                <a:schemeClr val="accent1">
+                  <a:shade val="50000"/>
+                </a:schemeClr>
+              </a:lnRef>
+              <a:fillRef idx="1">
+                <a:schemeClr val="accent1"/>
+              </a:fillRef>
+              <a:effectRef idx="0">
+                <a:schemeClr val="accent1"/>
+              </a:effectRef>
+              <a:fontRef idx="minor">
+                <a:schemeClr val="lt1"/>
+              </a:fontRef>
+            </p:style>
+            <p:txBody>
+              <a:bodyPr rtlCol="0" anchor="ctr"/>
+              <a:lstStyle/>
+              <a:p>
+                <a:pPr algn="ctr"/>
+                <a:endParaRPr lang="en-US"/>
+              </a:p>
+            </p:txBody>
+          </p:sp>
+        </p:grpSp>
+      </p:grpSp>
+    </p:spTree>
+    <p:extLst>
+      <p:ext uri="{BB962C8B-B14F-4D97-AF65-F5344CB8AC3E}">
+        <p14:creationId xmlns:p14="http://schemas.microsoft.com/office/powerpoint/2010/main" val="4003186237"/>
+      </p:ext>
+    </p:extLst>
+  </p:cSld>
+  <p:clrMapOvr>
+    <a:masterClrMapping/>
+  </p:clrMapOvr>
 </p:sld>
 </file>
 
@@ -11911,10 +13350,6 @@
                 </a:rPr>
                 <a:t>Vein</a:t>
               </a:r>
-              <a:endParaRPr lang="en-US" dirty="0" smtClean="0">
-                <a:latin typeface="Cambria Math" panose="02040503050406030204" pitchFamily="18" charset="0"/>
-                <a:ea typeface="Cambria Math" panose="02040503050406030204" pitchFamily="18" charset="0"/>
-              </a:endParaRPr>
             </a:p>
             <a:p>
               <a:pPr algn="r" rtl="1"/>
@@ -15993,2700 +17428,2388 @@
           <a:chExt cx="0" cy="0"/>
         </a:xfrm>
       </p:grpSpPr>
-      <p:grpSp>
-        <p:nvGrpSpPr>
-          <p:cNvPr id="169" name="Group 168"/>
-          <p:cNvGrpSpPr/>
+      <p:pic>
+        <p:nvPicPr>
+          <p:cNvPr id="91" name="Picture 90"/>
+          <p:cNvPicPr>
+            <a:picLocks noChangeAspect="1"/>
+          </p:cNvPicPr>
           <p:nvPr/>
-        </p:nvGrpSpPr>
-        <p:grpSpPr>
+        </p:nvPicPr>
+        <p:blipFill>
+          <a:blip r:embed="rId2">
+            <a:extLst>
+              <a:ext uri="{28A0092B-C50C-407E-A947-70E740481C1C}">
+                <a14:useLocalDpi xmlns:a14="http://schemas.microsoft.com/office/drawing/2010/main" val="0"/>
+              </a:ext>
+            </a:extLst>
+          </a:blip>
+          <a:stretch>
+            <a:fillRect/>
+          </a:stretch>
+        </p:blipFill>
+        <p:spPr>
           <a:xfrm>
-            <a:off x="214766" y="6089425"/>
-            <a:ext cx="4299908" cy="1412344"/>
-            <a:chOff x="152049" y="6002590"/>
-            <a:chExt cx="4299908" cy="1412344"/>
+            <a:off x="73152" y="502920"/>
+            <a:ext cx="11454052" cy="5952744"/>
           </a:xfrm>
-        </p:grpSpPr>
-        <p:sp>
-          <p:nvSpPr>
-            <p:cNvPr id="170" name="Rectangle 169"/>
-            <p:cNvSpPr/>
-            <p:nvPr/>
-          </p:nvSpPr>
-          <p:spPr>
-            <a:xfrm>
-              <a:off x="841693" y="6337716"/>
-              <a:ext cx="3610264" cy="1077218"/>
-            </a:xfrm>
-            <a:prstGeom prst="rect">
-              <a:avLst/>
-            </a:prstGeom>
-            <a:noFill/>
-            <a:ln>
-              <a:noFill/>
-            </a:ln>
-          </p:spPr>
-          <p:txBody>
-            <a:bodyPr wrap="square">
-              <a:spAutoFit/>
-            </a:bodyPr>
-            <a:lstStyle/>
-            <a:p>
-              <a:r>
-                <a:rPr lang="en-US" sz="1600" dirty="0">
-                  <a:latin typeface="Cambria Math" panose="02040503050406030204" pitchFamily="18" charset="0"/>
-                  <a:ea typeface="Cambria Math" panose="02040503050406030204" pitchFamily="18" charset="0"/>
-                </a:rPr>
-                <a:t>Gastric State</a:t>
-              </a:r>
-            </a:p>
-            <a:p>
-              <a:r>
-                <a:rPr lang="en-US" sz="1600" dirty="0" err="1">
-                  <a:latin typeface="Cambria Math" panose="02040503050406030204" pitchFamily="18" charset="0"/>
-                  <a:ea typeface="Cambria Math" panose="02040503050406030204" pitchFamily="18" charset="0"/>
-                </a:rPr>
-                <a:t>Mesendoderm</a:t>
-              </a:r>
-              <a:r>
-                <a:rPr lang="en-US" sz="1600" dirty="0">
-                  <a:latin typeface="Cambria Math" panose="02040503050406030204" pitchFamily="18" charset="0"/>
-                  <a:ea typeface="Cambria Math" panose="02040503050406030204" pitchFamily="18" charset="0"/>
-                </a:rPr>
-                <a:t> State</a:t>
-              </a:r>
-            </a:p>
-            <a:p>
-              <a:r>
-                <a:rPr lang="en-US" sz="1600" dirty="0">
-                  <a:latin typeface="Cambria Math" panose="02040503050406030204" pitchFamily="18" charset="0"/>
-                  <a:ea typeface="Cambria Math" panose="02040503050406030204" pitchFamily="18" charset="0"/>
-                </a:rPr>
-                <a:t>Background State</a:t>
-              </a:r>
-            </a:p>
-            <a:p>
-              <a:r>
-                <a:rPr lang="en-GB" sz="1600" dirty="0">
-                  <a:latin typeface="Cambria Math" panose="02040503050406030204" pitchFamily="18" charset="0"/>
-                  <a:ea typeface="Cambria Math" panose="02040503050406030204" pitchFamily="18" charset="0"/>
-                </a:rPr>
-                <a:t>Transcription Factor States</a:t>
-              </a:r>
-              <a:endParaRPr lang="en-US" sz="1600" dirty="0">
-                <a:latin typeface="Cambria Math" panose="02040503050406030204" pitchFamily="18" charset="0"/>
-                <a:ea typeface="Cambria Math" panose="02040503050406030204" pitchFamily="18" charset="0"/>
-              </a:endParaRPr>
-            </a:p>
-          </p:txBody>
-        </p:sp>
-        <p:sp>
-          <p:nvSpPr>
-            <p:cNvPr id="171" name="Rectangle 170"/>
-            <p:cNvSpPr/>
-            <p:nvPr/>
-          </p:nvSpPr>
-          <p:spPr>
-            <a:xfrm>
-              <a:off x="226187" y="6437005"/>
-              <a:ext cx="595525" cy="176953"/>
-            </a:xfrm>
-            <a:prstGeom prst="rect">
-              <a:avLst/>
-            </a:prstGeom>
-            <a:solidFill>
-              <a:srgbClr val="0071BD"/>
-            </a:solidFill>
-            <a:ln>
-              <a:noFill/>
-            </a:ln>
-          </p:spPr>
-          <p:style>
-            <a:lnRef idx="2">
-              <a:schemeClr val="accent1">
-                <a:shade val="50000"/>
-              </a:schemeClr>
-            </a:lnRef>
-            <a:fillRef idx="1">
-              <a:schemeClr val="accent1"/>
-            </a:fillRef>
-            <a:effectRef idx="0">
-              <a:schemeClr val="accent1"/>
-            </a:effectRef>
-            <a:fontRef idx="minor">
-              <a:schemeClr val="lt1"/>
-            </a:fontRef>
-          </p:style>
-          <p:txBody>
-            <a:bodyPr rtlCol="0" anchor="ctr"/>
-            <a:lstStyle/>
-            <a:p>
-              <a:pPr algn="ctr"/>
-              <a:endParaRPr lang="en-US"/>
-            </a:p>
-          </p:txBody>
-        </p:sp>
-        <p:sp>
-          <p:nvSpPr>
-            <p:cNvPr id="172" name="Rectangle 171"/>
-            <p:cNvSpPr/>
-            <p:nvPr/>
-          </p:nvSpPr>
-          <p:spPr>
-            <a:xfrm>
-              <a:off x="226187" y="6674749"/>
-              <a:ext cx="595525" cy="176953"/>
-            </a:xfrm>
-            <a:prstGeom prst="rect">
-              <a:avLst/>
-            </a:prstGeom>
-            <a:solidFill>
-              <a:srgbClr val="D05717"/>
-            </a:solidFill>
-            <a:ln>
-              <a:noFill/>
-            </a:ln>
-          </p:spPr>
-          <p:style>
-            <a:lnRef idx="2">
-              <a:schemeClr val="accent1">
-                <a:shade val="50000"/>
-              </a:schemeClr>
-            </a:lnRef>
-            <a:fillRef idx="1">
-              <a:schemeClr val="accent1"/>
-            </a:fillRef>
-            <a:effectRef idx="0">
-              <a:schemeClr val="accent1"/>
-            </a:effectRef>
-            <a:fontRef idx="minor">
-              <a:schemeClr val="lt1"/>
-            </a:fontRef>
-          </p:style>
-          <p:txBody>
-            <a:bodyPr rtlCol="0" anchor="ctr"/>
-            <a:lstStyle/>
-            <a:p>
-              <a:pPr algn="ctr"/>
-              <a:endParaRPr lang="en-US"/>
-            </a:p>
-          </p:txBody>
-        </p:sp>
-        <p:sp>
-          <p:nvSpPr>
-            <p:cNvPr id="173" name="Rectangle 172"/>
-            <p:cNvSpPr/>
-            <p:nvPr/>
-          </p:nvSpPr>
-          <p:spPr>
-            <a:xfrm>
-              <a:off x="226785" y="6918589"/>
-              <a:ext cx="595525" cy="176953"/>
-            </a:xfrm>
-            <a:prstGeom prst="rect">
-              <a:avLst/>
-            </a:prstGeom>
-            <a:solidFill>
-              <a:srgbClr val="C9951B"/>
-            </a:solidFill>
-            <a:ln>
-              <a:noFill/>
-            </a:ln>
-          </p:spPr>
-          <p:style>
-            <a:lnRef idx="2">
-              <a:schemeClr val="accent1">
-                <a:shade val="50000"/>
-              </a:schemeClr>
-            </a:lnRef>
-            <a:fillRef idx="1">
-              <a:schemeClr val="accent1"/>
-            </a:fillRef>
-            <a:effectRef idx="0">
-              <a:schemeClr val="accent1"/>
-            </a:effectRef>
-            <a:fontRef idx="minor">
-              <a:schemeClr val="lt1"/>
-            </a:fontRef>
-          </p:style>
-          <p:txBody>
-            <a:bodyPr rtlCol="0" anchor="ctr"/>
-            <a:lstStyle/>
-            <a:p>
-              <a:pPr algn="ctr"/>
-              <a:endParaRPr lang="en-US"/>
-            </a:p>
-          </p:txBody>
-        </p:sp>
-        <p:sp>
-          <p:nvSpPr>
-            <p:cNvPr id="174" name="Rectangle 173"/>
-            <p:cNvSpPr/>
-            <p:nvPr/>
-          </p:nvSpPr>
-          <p:spPr>
-            <a:xfrm>
-              <a:off x="226785" y="7162429"/>
-              <a:ext cx="595525" cy="176953"/>
-            </a:xfrm>
-            <a:prstGeom prst="rect">
-              <a:avLst/>
-            </a:prstGeom>
-            <a:solidFill>
-              <a:schemeClr val="tx1"/>
-            </a:solidFill>
-            <a:ln>
-              <a:noFill/>
-            </a:ln>
-          </p:spPr>
-          <p:style>
-            <a:lnRef idx="2">
-              <a:schemeClr val="accent1">
-                <a:shade val="50000"/>
-              </a:schemeClr>
-            </a:lnRef>
-            <a:fillRef idx="1">
-              <a:schemeClr val="accent1"/>
-            </a:fillRef>
-            <a:effectRef idx="0">
-              <a:schemeClr val="accent1"/>
-            </a:effectRef>
-            <a:fontRef idx="minor">
-              <a:schemeClr val="lt1"/>
-            </a:fontRef>
-          </p:style>
-          <p:txBody>
-            <a:bodyPr rtlCol="0" anchor="ctr"/>
-            <a:lstStyle/>
-            <a:p>
-              <a:pPr algn="ctr"/>
-              <a:endParaRPr lang="en-US"/>
-            </a:p>
-          </p:txBody>
-        </p:sp>
-        <p:sp>
-          <p:nvSpPr>
-            <p:cNvPr id="175" name="Rectangle 174"/>
-            <p:cNvSpPr/>
-            <p:nvPr/>
-          </p:nvSpPr>
-          <p:spPr>
-            <a:xfrm>
-              <a:off x="152049" y="6002590"/>
-              <a:ext cx="3246815" cy="369332"/>
-            </a:xfrm>
-            <a:prstGeom prst="rect">
-              <a:avLst/>
-            </a:prstGeom>
-            <a:noFill/>
-            <a:ln>
-              <a:noFill/>
-            </a:ln>
-          </p:spPr>
-          <p:txBody>
-            <a:bodyPr wrap="square" anchor="ctr">
-              <a:spAutoFit/>
-            </a:bodyPr>
-            <a:lstStyle/>
-            <a:p>
-              <a:r>
-                <a:rPr lang="en-GB" u="sng" dirty="0" smtClean="0">
-                  <a:latin typeface="Cambria Math" panose="02040503050406030204" pitchFamily="18" charset="0"/>
-                  <a:ea typeface="Cambria Math" panose="02040503050406030204" pitchFamily="18" charset="0"/>
-                </a:rPr>
-                <a:t>HOP-HMM Legend</a:t>
-              </a:r>
-              <a:endParaRPr lang="en-US" b="0" u="sng" dirty="0" smtClean="0">
-                <a:latin typeface="Cambria Math" panose="02040503050406030204" pitchFamily="18" charset="0"/>
-                <a:ea typeface="Cambria Math" panose="02040503050406030204" pitchFamily="18" charset="0"/>
-              </a:endParaRPr>
-            </a:p>
-          </p:txBody>
-        </p:sp>
-      </p:grpSp>
-      <p:grpSp>
-        <p:nvGrpSpPr>
-          <p:cNvPr id="16" name="Group 15"/>
-          <p:cNvGrpSpPr/>
+          <a:prstGeom prst="rect">
+            <a:avLst/>
+          </a:prstGeom>
+        </p:spPr>
+      </p:pic>
+      <p:sp>
+        <p:nvSpPr>
+          <p:cNvPr id="102" name="Rectangle 101"/>
+          <p:cNvSpPr/>
           <p:nvPr/>
-        </p:nvGrpSpPr>
-        <p:grpSpPr>
-          <a:xfrm>
-            <a:off x="-953786" y="336708"/>
-            <a:ext cx="13645489" cy="6118956"/>
-            <a:chOff x="-953786" y="336708"/>
-            <a:chExt cx="13645489" cy="6118956"/>
+        </p:nvSpPr>
+        <p:spPr>
+          <a:xfrm flipH="1">
+            <a:off x="2967696" y="336708"/>
+            <a:ext cx="6256607" cy="359991"/>
           </a:xfrm>
-        </p:grpSpPr>
-        <p:pic>
-          <p:nvPicPr>
-            <p:cNvPr id="91" name="Picture 90"/>
-            <p:cNvPicPr>
-              <a:picLocks noChangeAspect="1"/>
-            </p:cNvPicPr>
-            <p:nvPr/>
-          </p:nvPicPr>
-          <p:blipFill>
-            <a:blip r:embed="rId2">
-              <a:extLst>
-                <a:ext uri="{28A0092B-C50C-407E-A947-70E740481C1C}">
-                  <a14:useLocalDpi xmlns:a14="http://schemas.microsoft.com/office/drawing/2010/main" val="0"/>
-                </a:ext>
-              </a:extLst>
-            </a:blip>
-            <a:stretch>
-              <a:fillRect/>
-            </a:stretch>
-          </p:blipFill>
-          <p:spPr>
-            <a:xfrm>
-              <a:off x="73152" y="502920"/>
-              <a:ext cx="11454052" cy="5952744"/>
-            </a:xfrm>
-            <a:prstGeom prst="rect">
-              <a:avLst/>
-            </a:prstGeom>
-          </p:spPr>
-        </p:pic>
-        <p:sp>
-          <p:nvSpPr>
-            <p:cNvPr id="102" name="Rectangle 101"/>
-            <p:cNvSpPr/>
-            <p:nvPr/>
-          </p:nvSpPr>
-          <p:spPr>
-            <a:xfrm flipH="1">
-              <a:off x="2967696" y="336708"/>
-              <a:ext cx="6256607" cy="359991"/>
-            </a:xfrm>
-            <a:prstGeom prst="rect">
-              <a:avLst/>
-            </a:prstGeom>
+          <a:prstGeom prst="rect">
+            <a:avLst/>
+          </a:prstGeom>
+          <a:solidFill>
+            <a:schemeClr val="bg1"/>
+          </a:solidFill>
+          <a:ln>
             <a:solidFill>
               <a:schemeClr val="bg1"/>
             </a:solidFill>
-            <a:ln>
-              <a:solidFill>
-                <a:schemeClr val="bg1"/>
-              </a:solidFill>
-            </a:ln>
-          </p:spPr>
-          <p:style>
-            <a:lnRef idx="2">
-              <a:schemeClr val="accent1">
-                <a:shade val="50000"/>
-              </a:schemeClr>
-            </a:lnRef>
-            <a:fillRef idx="1">
-              <a:schemeClr val="accent1"/>
-            </a:fillRef>
-            <a:effectRef idx="0">
-              <a:schemeClr val="accent1"/>
-            </a:effectRef>
-            <a:fontRef idx="minor">
-              <a:schemeClr val="lt1"/>
-            </a:fontRef>
-          </p:style>
-          <p:txBody>
-            <a:bodyPr lIns="0" tIns="0" rIns="0" bIns="0" rtlCol="0" anchor="t"/>
-            <a:lstStyle/>
-            <a:p>
-              <a:pPr algn="ctr"/>
-              <a:r>
-                <a:rPr lang="en-US" sz="2400" dirty="0">
-                  <a:solidFill>
-                    <a:schemeClr val="tx1"/>
-                  </a:solidFill>
-                  <a:latin typeface="Cambria Math" panose="02040503050406030204" pitchFamily="18" charset="0"/>
-                  <a:ea typeface="Cambria Math" panose="02040503050406030204" pitchFamily="18" charset="0"/>
-                </a:rPr>
-                <a:t>Gastric (E094) </a:t>
-              </a:r>
-              <a:r>
-                <a:rPr lang="en-US" sz="2400" dirty="0" smtClean="0">
-                  <a:solidFill>
-                    <a:schemeClr val="tx1"/>
-                  </a:solidFill>
-                  <a:latin typeface="Cambria Math" panose="02040503050406030204" pitchFamily="18" charset="0"/>
-                  <a:ea typeface="Cambria Math" panose="02040503050406030204" pitchFamily="18" charset="0"/>
-                </a:rPr>
-                <a:t>vs </a:t>
-              </a:r>
-              <a:r>
-                <a:rPr lang="en-US" sz="2400" dirty="0" err="1">
-                  <a:solidFill>
-                    <a:schemeClr val="tx1"/>
-                  </a:solidFill>
-                  <a:latin typeface="Cambria Math" panose="02040503050406030204" pitchFamily="18" charset="0"/>
-                  <a:ea typeface="Cambria Math" panose="02040503050406030204" pitchFamily="18" charset="0"/>
-                </a:rPr>
-                <a:t>Mesendoderm</a:t>
-              </a:r>
-              <a:r>
-                <a:rPr lang="en-US" sz="2400" dirty="0">
-                  <a:solidFill>
-                    <a:schemeClr val="tx1"/>
-                  </a:solidFill>
-                  <a:latin typeface="Cambria Math" panose="02040503050406030204" pitchFamily="18" charset="0"/>
-                  <a:ea typeface="Cambria Math" panose="02040503050406030204" pitchFamily="18" charset="0"/>
-                </a:rPr>
-                <a:t> (E004)</a:t>
-              </a:r>
-            </a:p>
-          </p:txBody>
-        </p:sp>
-        <p:sp>
-          <p:nvSpPr>
-            <p:cNvPr id="63" name="Rectangle 62"/>
-            <p:cNvSpPr/>
-            <p:nvPr/>
-          </p:nvSpPr>
-          <p:spPr>
-            <a:xfrm flipH="1">
-              <a:off x="1576138" y="3695514"/>
-              <a:ext cx="4678357" cy="533586"/>
-            </a:xfrm>
-            <a:prstGeom prst="rect">
-              <a:avLst/>
-            </a:prstGeom>
-            <a:solidFill>
-              <a:schemeClr val="bg1"/>
-            </a:solidFill>
-            <a:ln>
-              <a:solidFill>
-                <a:schemeClr val="bg1"/>
-              </a:solidFill>
-            </a:ln>
-          </p:spPr>
-          <p:style>
-            <a:lnRef idx="2">
-              <a:schemeClr val="accent1">
-                <a:shade val="50000"/>
-              </a:schemeClr>
-            </a:lnRef>
-            <a:fillRef idx="1">
-              <a:schemeClr val="accent1"/>
-            </a:fillRef>
-            <a:effectRef idx="0">
-              <a:schemeClr val="accent1"/>
-            </a:effectRef>
-            <a:fontRef idx="minor">
-              <a:schemeClr val="lt1"/>
-            </a:fontRef>
-          </p:style>
-          <p:txBody>
-            <a:bodyPr lIns="0" tIns="0" rIns="0" bIns="0" rtlCol="0" anchor="t"/>
-            <a:lstStyle/>
-            <a:p>
-              <a:endParaRPr lang="en-US" dirty="0">
+          </a:ln>
+        </p:spPr>
+        <p:style>
+          <a:lnRef idx="2">
+            <a:schemeClr val="accent1">
+              <a:shade val="50000"/>
+            </a:schemeClr>
+          </a:lnRef>
+          <a:fillRef idx="1">
+            <a:schemeClr val="accent1"/>
+          </a:fillRef>
+          <a:effectRef idx="0">
+            <a:schemeClr val="accent1"/>
+          </a:effectRef>
+          <a:fontRef idx="minor">
+            <a:schemeClr val="lt1"/>
+          </a:fontRef>
+        </p:style>
+        <p:txBody>
+          <a:bodyPr lIns="0" tIns="0" rIns="0" bIns="0" rtlCol="0" anchor="t"/>
+          <a:lstStyle/>
+          <a:p>
+            <a:pPr algn="ctr"/>
+            <a:r>
+              <a:rPr lang="en-US" sz="2400" dirty="0">
                 <a:solidFill>
                   <a:schemeClr val="tx1"/>
                 </a:solidFill>
                 <a:latin typeface="Cambria Math" panose="02040503050406030204" pitchFamily="18" charset="0"/>
                 <a:ea typeface="Cambria Math" panose="02040503050406030204" pitchFamily="18" charset="0"/>
-              </a:endParaRPr>
-            </a:p>
-          </p:txBody>
-        </p:sp>
-        <p:sp>
-          <p:nvSpPr>
-            <p:cNvPr id="64" name="Rectangle 63"/>
-            <p:cNvSpPr/>
-            <p:nvPr/>
-          </p:nvSpPr>
-          <p:spPr>
-            <a:xfrm flipH="1">
-              <a:off x="6796822" y="792118"/>
-              <a:ext cx="3652631" cy="274617"/>
-            </a:xfrm>
-            <a:prstGeom prst="rect">
-              <a:avLst/>
-            </a:prstGeom>
-            <a:solidFill>
-              <a:schemeClr val="bg1"/>
-            </a:solidFill>
-            <a:ln>
-              <a:solidFill>
-                <a:schemeClr val="bg1"/>
-              </a:solidFill>
-            </a:ln>
-          </p:spPr>
-          <p:style>
-            <a:lnRef idx="2">
-              <a:schemeClr val="accent1">
-                <a:shade val="50000"/>
-              </a:schemeClr>
-            </a:lnRef>
-            <a:fillRef idx="1">
-              <a:schemeClr val="accent1"/>
-            </a:fillRef>
-            <a:effectRef idx="0">
-              <a:schemeClr val="accent1"/>
-            </a:effectRef>
-            <a:fontRef idx="minor">
-              <a:schemeClr val="lt1"/>
-            </a:fontRef>
-          </p:style>
-          <p:txBody>
-            <a:bodyPr lIns="0" tIns="0" rIns="0" bIns="0" rtlCol="0" anchor="t"/>
-            <a:lstStyle/>
-            <a:p>
-              <a:endParaRPr lang="en-US" dirty="0">
+              </a:rPr>
+              <a:t>Gastric (E094) </a:t>
+            </a:r>
+            <a:r>
+              <a:rPr lang="en-US" sz="2400" dirty="0" smtClean="0">
                 <a:solidFill>
                   <a:schemeClr val="tx1"/>
                 </a:solidFill>
                 <a:latin typeface="Cambria Math" panose="02040503050406030204" pitchFamily="18" charset="0"/>
                 <a:ea typeface="Cambria Math" panose="02040503050406030204" pitchFamily="18" charset="0"/>
-              </a:endParaRPr>
-            </a:p>
-          </p:txBody>
-        </p:sp>
-        <p:sp>
-          <p:nvSpPr>
-            <p:cNvPr id="65" name="Rectangle 64"/>
-            <p:cNvSpPr/>
-            <p:nvPr/>
-          </p:nvSpPr>
-          <p:spPr>
-            <a:xfrm flipH="1">
-              <a:off x="1788149" y="949050"/>
-              <a:ext cx="2958247" cy="272361"/>
-            </a:xfrm>
-            <a:prstGeom prst="rect">
-              <a:avLst/>
-            </a:prstGeom>
-            <a:solidFill>
-              <a:schemeClr val="bg1"/>
-            </a:solidFill>
-            <a:ln>
-              <a:solidFill>
-                <a:schemeClr val="bg1"/>
-              </a:solidFill>
-            </a:ln>
-          </p:spPr>
-          <p:style>
-            <a:lnRef idx="2">
-              <a:schemeClr val="accent1">
-                <a:shade val="50000"/>
-              </a:schemeClr>
-            </a:lnRef>
-            <a:fillRef idx="1">
-              <a:schemeClr val="accent1"/>
-            </a:fillRef>
-            <a:effectRef idx="0">
-              <a:schemeClr val="accent1"/>
-            </a:effectRef>
-            <a:fontRef idx="minor">
-              <a:schemeClr val="lt1"/>
-            </a:fontRef>
-          </p:style>
-          <p:txBody>
-            <a:bodyPr lIns="0" tIns="0" rIns="0" bIns="0" rtlCol="0" anchor="t"/>
-            <a:lstStyle/>
-            <a:p>
-              <a:endParaRPr lang="en-US" dirty="0">
+              </a:rPr>
+              <a:t>vs </a:t>
+            </a:r>
+            <a:r>
+              <a:rPr lang="en-US" sz="2400" dirty="0" err="1">
                 <a:solidFill>
                   <a:schemeClr val="tx1"/>
                 </a:solidFill>
                 <a:latin typeface="Cambria Math" panose="02040503050406030204" pitchFamily="18" charset="0"/>
                 <a:ea typeface="Cambria Math" panose="02040503050406030204" pitchFamily="18" charset="0"/>
-              </a:endParaRPr>
-            </a:p>
-          </p:txBody>
-        </p:sp>
-        <p:sp>
-          <p:nvSpPr>
-            <p:cNvPr id="66" name="Rectangle 65"/>
-            <p:cNvSpPr/>
-            <p:nvPr/>
-          </p:nvSpPr>
-          <p:spPr>
-            <a:xfrm flipH="1">
-              <a:off x="10124375" y="986856"/>
-              <a:ext cx="687791" cy="584690"/>
-            </a:xfrm>
-            <a:prstGeom prst="rect">
-              <a:avLst/>
-            </a:prstGeom>
-            <a:solidFill>
-              <a:schemeClr val="bg1"/>
-            </a:solidFill>
-            <a:ln>
-              <a:solidFill>
-                <a:schemeClr val="bg1"/>
-              </a:solidFill>
-            </a:ln>
-          </p:spPr>
-          <p:style>
-            <a:lnRef idx="2">
-              <a:schemeClr val="accent1">
-                <a:shade val="50000"/>
-              </a:schemeClr>
-            </a:lnRef>
-            <a:fillRef idx="1">
-              <a:schemeClr val="accent1"/>
-            </a:fillRef>
-            <a:effectRef idx="0">
-              <a:schemeClr val="accent1"/>
-            </a:effectRef>
-            <a:fontRef idx="minor">
-              <a:schemeClr val="lt1"/>
-            </a:fontRef>
-          </p:style>
-          <p:txBody>
-            <a:bodyPr lIns="0" tIns="0" rIns="0" bIns="0" rtlCol="0" anchor="t"/>
-            <a:lstStyle/>
-            <a:p>
-              <a:endParaRPr lang="en-US" dirty="0">
+              </a:rPr>
+              <a:t>Mesendoderm</a:t>
+            </a:r>
+            <a:r>
+              <a:rPr lang="en-US" sz="2400" dirty="0">
                 <a:solidFill>
                   <a:schemeClr val="tx1"/>
                 </a:solidFill>
                 <a:latin typeface="Cambria Math" panose="02040503050406030204" pitchFamily="18" charset="0"/>
                 <a:ea typeface="Cambria Math" panose="02040503050406030204" pitchFamily="18" charset="0"/>
-              </a:endParaRPr>
-            </a:p>
-          </p:txBody>
-        </p:sp>
-        <p:sp>
-          <p:nvSpPr>
-            <p:cNvPr id="67" name="Rectangle 66"/>
-            <p:cNvSpPr/>
-            <p:nvPr/>
-          </p:nvSpPr>
-          <p:spPr>
-            <a:xfrm flipH="1">
-              <a:off x="10614646" y="1415004"/>
-              <a:ext cx="1577354" cy="4604481"/>
-            </a:xfrm>
-            <a:prstGeom prst="rect">
-              <a:avLst/>
-            </a:prstGeom>
+              </a:rPr>
+              <a:t> (E004)</a:t>
+            </a:r>
+          </a:p>
+        </p:txBody>
+      </p:sp>
+      <p:sp>
+        <p:nvSpPr>
+          <p:cNvPr id="63" name="Rectangle 62"/>
+          <p:cNvSpPr/>
+          <p:nvPr/>
+        </p:nvSpPr>
+        <p:spPr>
+          <a:xfrm flipH="1">
+            <a:off x="1576138" y="3695514"/>
+            <a:ext cx="4678357" cy="533586"/>
+          </a:xfrm>
+          <a:prstGeom prst="rect">
+            <a:avLst/>
+          </a:prstGeom>
+          <a:solidFill>
+            <a:schemeClr val="bg1"/>
+          </a:solidFill>
+          <a:ln>
             <a:solidFill>
               <a:schemeClr val="bg1"/>
             </a:solidFill>
-            <a:ln>
+          </a:ln>
+        </p:spPr>
+        <p:style>
+          <a:lnRef idx="2">
+            <a:schemeClr val="accent1">
+              <a:shade val="50000"/>
+            </a:schemeClr>
+          </a:lnRef>
+          <a:fillRef idx="1">
+            <a:schemeClr val="accent1"/>
+          </a:fillRef>
+          <a:effectRef idx="0">
+            <a:schemeClr val="accent1"/>
+          </a:effectRef>
+          <a:fontRef idx="minor">
+            <a:schemeClr val="lt1"/>
+          </a:fontRef>
+        </p:style>
+        <p:txBody>
+          <a:bodyPr lIns="0" tIns="0" rIns="0" bIns="0" rtlCol="0" anchor="t"/>
+          <a:lstStyle/>
+          <a:p>
+            <a:endParaRPr lang="en-US" dirty="0">
               <a:solidFill>
-                <a:schemeClr val="bg1"/>
+                <a:schemeClr val="tx1"/>
               </a:solidFill>
-            </a:ln>
-          </p:spPr>
-          <p:style>
-            <a:lnRef idx="2">
-              <a:schemeClr val="accent1">
-                <a:shade val="50000"/>
-              </a:schemeClr>
-            </a:lnRef>
-            <a:fillRef idx="1">
-              <a:schemeClr val="accent1"/>
-            </a:fillRef>
-            <a:effectRef idx="0">
-              <a:schemeClr val="accent1"/>
-            </a:effectRef>
-            <a:fontRef idx="minor">
-              <a:schemeClr val="lt1"/>
-            </a:fontRef>
-          </p:style>
-          <p:txBody>
-            <a:bodyPr lIns="0" tIns="0" rIns="0" bIns="0" rtlCol="0" anchor="t"/>
-            <a:lstStyle/>
-            <a:p>
-              <a:endParaRPr lang="en-US" dirty="0">
+              <a:latin typeface="Cambria Math" panose="02040503050406030204" pitchFamily="18" charset="0"/>
+              <a:ea typeface="Cambria Math" panose="02040503050406030204" pitchFamily="18" charset="0"/>
+            </a:endParaRPr>
+          </a:p>
+        </p:txBody>
+      </p:sp>
+      <p:sp>
+        <p:nvSpPr>
+          <p:cNvPr id="64" name="Rectangle 63"/>
+          <p:cNvSpPr/>
+          <p:nvPr/>
+        </p:nvSpPr>
+        <p:spPr>
+          <a:xfrm flipH="1">
+            <a:off x="6796822" y="792118"/>
+            <a:ext cx="3652631" cy="274617"/>
+          </a:xfrm>
+          <a:prstGeom prst="rect">
+            <a:avLst/>
+          </a:prstGeom>
+          <a:solidFill>
+            <a:schemeClr val="bg1"/>
+          </a:solidFill>
+          <a:ln>
+            <a:solidFill>
+              <a:schemeClr val="bg1"/>
+            </a:solidFill>
+          </a:ln>
+        </p:spPr>
+        <p:style>
+          <a:lnRef idx="2">
+            <a:schemeClr val="accent1">
+              <a:shade val="50000"/>
+            </a:schemeClr>
+          </a:lnRef>
+          <a:fillRef idx="1">
+            <a:schemeClr val="accent1"/>
+          </a:fillRef>
+          <a:effectRef idx="0">
+            <a:schemeClr val="accent1"/>
+          </a:effectRef>
+          <a:fontRef idx="minor">
+            <a:schemeClr val="lt1"/>
+          </a:fontRef>
+        </p:style>
+        <p:txBody>
+          <a:bodyPr lIns="0" tIns="0" rIns="0" bIns="0" rtlCol="0" anchor="t"/>
+          <a:lstStyle/>
+          <a:p>
+            <a:endParaRPr lang="en-US" dirty="0">
+              <a:solidFill>
+                <a:schemeClr val="tx1"/>
+              </a:solidFill>
+              <a:latin typeface="Cambria Math" panose="02040503050406030204" pitchFamily="18" charset="0"/>
+              <a:ea typeface="Cambria Math" panose="02040503050406030204" pitchFamily="18" charset="0"/>
+            </a:endParaRPr>
+          </a:p>
+        </p:txBody>
+      </p:sp>
+      <p:sp>
+        <p:nvSpPr>
+          <p:cNvPr id="65" name="Rectangle 64"/>
+          <p:cNvSpPr/>
+          <p:nvPr/>
+        </p:nvSpPr>
+        <p:spPr>
+          <a:xfrm flipH="1">
+            <a:off x="1788149" y="949050"/>
+            <a:ext cx="2958247" cy="272361"/>
+          </a:xfrm>
+          <a:prstGeom prst="rect">
+            <a:avLst/>
+          </a:prstGeom>
+          <a:solidFill>
+            <a:schemeClr val="bg1"/>
+          </a:solidFill>
+          <a:ln>
+            <a:solidFill>
+              <a:schemeClr val="bg1"/>
+            </a:solidFill>
+          </a:ln>
+        </p:spPr>
+        <p:style>
+          <a:lnRef idx="2">
+            <a:schemeClr val="accent1">
+              <a:shade val="50000"/>
+            </a:schemeClr>
+          </a:lnRef>
+          <a:fillRef idx="1">
+            <a:schemeClr val="accent1"/>
+          </a:fillRef>
+          <a:effectRef idx="0">
+            <a:schemeClr val="accent1"/>
+          </a:effectRef>
+          <a:fontRef idx="minor">
+            <a:schemeClr val="lt1"/>
+          </a:fontRef>
+        </p:style>
+        <p:txBody>
+          <a:bodyPr lIns="0" tIns="0" rIns="0" bIns="0" rtlCol="0" anchor="t"/>
+          <a:lstStyle/>
+          <a:p>
+            <a:endParaRPr lang="en-US" dirty="0">
+              <a:solidFill>
+                <a:schemeClr val="tx1"/>
+              </a:solidFill>
+              <a:latin typeface="Cambria Math" panose="02040503050406030204" pitchFamily="18" charset="0"/>
+              <a:ea typeface="Cambria Math" panose="02040503050406030204" pitchFamily="18" charset="0"/>
+            </a:endParaRPr>
+          </a:p>
+        </p:txBody>
+      </p:sp>
+      <p:sp>
+        <p:nvSpPr>
+          <p:cNvPr id="66" name="Rectangle 65"/>
+          <p:cNvSpPr/>
+          <p:nvPr/>
+        </p:nvSpPr>
+        <p:spPr>
+          <a:xfrm flipH="1">
+            <a:off x="10124375" y="986856"/>
+            <a:ext cx="687791" cy="584690"/>
+          </a:xfrm>
+          <a:prstGeom prst="rect">
+            <a:avLst/>
+          </a:prstGeom>
+          <a:solidFill>
+            <a:schemeClr val="bg1"/>
+          </a:solidFill>
+          <a:ln>
+            <a:solidFill>
+              <a:schemeClr val="bg1"/>
+            </a:solidFill>
+          </a:ln>
+        </p:spPr>
+        <p:style>
+          <a:lnRef idx="2">
+            <a:schemeClr val="accent1">
+              <a:shade val="50000"/>
+            </a:schemeClr>
+          </a:lnRef>
+          <a:fillRef idx="1">
+            <a:schemeClr val="accent1"/>
+          </a:fillRef>
+          <a:effectRef idx="0">
+            <a:schemeClr val="accent1"/>
+          </a:effectRef>
+          <a:fontRef idx="minor">
+            <a:schemeClr val="lt1"/>
+          </a:fontRef>
+        </p:style>
+        <p:txBody>
+          <a:bodyPr lIns="0" tIns="0" rIns="0" bIns="0" rtlCol="0" anchor="t"/>
+          <a:lstStyle/>
+          <a:p>
+            <a:endParaRPr lang="en-US" dirty="0">
+              <a:solidFill>
+                <a:schemeClr val="tx1"/>
+              </a:solidFill>
+              <a:latin typeface="Cambria Math" panose="02040503050406030204" pitchFamily="18" charset="0"/>
+              <a:ea typeface="Cambria Math" panose="02040503050406030204" pitchFamily="18" charset="0"/>
+            </a:endParaRPr>
+          </a:p>
+        </p:txBody>
+      </p:sp>
+      <p:sp>
+        <p:nvSpPr>
+          <p:cNvPr id="67" name="Rectangle 66"/>
+          <p:cNvSpPr/>
+          <p:nvPr/>
+        </p:nvSpPr>
+        <p:spPr>
+          <a:xfrm flipH="1">
+            <a:off x="10614646" y="1415004"/>
+            <a:ext cx="1577354" cy="4604481"/>
+          </a:xfrm>
+          <a:prstGeom prst="rect">
+            <a:avLst/>
+          </a:prstGeom>
+          <a:solidFill>
+            <a:schemeClr val="bg1"/>
+          </a:solidFill>
+          <a:ln>
+            <a:solidFill>
+              <a:schemeClr val="bg1"/>
+            </a:solidFill>
+          </a:ln>
+        </p:spPr>
+        <p:style>
+          <a:lnRef idx="2">
+            <a:schemeClr val="accent1">
+              <a:shade val="50000"/>
+            </a:schemeClr>
+          </a:lnRef>
+          <a:fillRef idx="1">
+            <a:schemeClr val="accent1"/>
+          </a:fillRef>
+          <a:effectRef idx="0">
+            <a:schemeClr val="accent1"/>
+          </a:effectRef>
+          <a:fontRef idx="minor">
+            <a:schemeClr val="lt1"/>
+          </a:fontRef>
+        </p:style>
+        <p:txBody>
+          <a:bodyPr lIns="0" tIns="0" rIns="0" bIns="0" rtlCol="0" anchor="t"/>
+          <a:lstStyle/>
+          <a:p>
+            <a:endParaRPr lang="en-US" dirty="0">
+              <a:solidFill>
+                <a:schemeClr val="tx1"/>
+              </a:solidFill>
+              <a:latin typeface="Cambria Math" panose="02040503050406030204" pitchFamily="18" charset="0"/>
+              <a:ea typeface="Cambria Math" panose="02040503050406030204" pitchFamily="18" charset="0"/>
+            </a:endParaRPr>
+          </a:p>
+        </p:txBody>
+      </p:sp>
+      <p:sp>
+        <p:nvSpPr>
+          <p:cNvPr id="68" name="Rectangle 67"/>
+          <p:cNvSpPr/>
+          <p:nvPr/>
+        </p:nvSpPr>
+        <p:spPr>
+          <a:xfrm flipH="1">
+            <a:off x="10043092" y="3745106"/>
+            <a:ext cx="1577354" cy="910732"/>
+          </a:xfrm>
+          <a:prstGeom prst="rect">
+            <a:avLst/>
+          </a:prstGeom>
+          <a:solidFill>
+            <a:schemeClr val="bg1"/>
+          </a:solidFill>
+          <a:ln>
+            <a:solidFill>
+              <a:schemeClr val="bg1"/>
+            </a:solidFill>
+          </a:ln>
+        </p:spPr>
+        <p:style>
+          <a:lnRef idx="2">
+            <a:schemeClr val="accent1">
+              <a:shade val="50000"/>
+            </a:schemeClr>
+          </a:lnRef>
+          <a:fillRef idx="1">
+            <a:schemeClr val="accent1"/>
+          </a:fillRef>
+          <a:effectRef idx="0">
+            <a:schemeClr val="accent1"/>
+          </a:effectRef>
+          <a:fontRef idx="minor">
+            <a:schemeClr val="lt1"/>
+          </a:fontRef>
+        </p:style>
+        <p:txBody>
+          <a:bodyPr lIns="0" tIns="0" rIns="0" bIns="0" rtlCol="0" anchor="t"/>
+          <a:lstStyle/>
+          <a:p>
+            <a:endParaRPr lang="en-US" dirty="0">
+              <a:solidFill>
+                <a:schemeClr val="tx1"/>
+              </a:solidFill>
+              <a:latin typeface="Cambria Math" panose="02040503050406030204" pitchFamily="18" charset="0"/>
+              <a:ea typeface="Cambria Math" panose="02040503050406030204" pitchFamily="18" charset="0"/>
+            </a:endParaRPr>
+          </a:p>
+        </p:txBody>
+      </p:sp>
+      <p:sp>
+        <p:nvSpPr>
+          <p:cNvPr id="70" name="Rectangle 69"/>
+          <p:cNvSpPr/>
+          <p:nvPr/>
+        </p:nvSpPr>
+        <p:spPr>
+          <a:xfrm flipH="1">
+            <a:off x="1356324" y="3712780"/>
+            <a:ext cx="1570722" cy="181759"/>
+          </a:xfrm>
+          <a:prstGeom prst="rect">
+            <a:avLst/>
+          </a:prstGeom>
+          <a:solidFill>
+            <a:schemeClr val="bg1"/>
+          </a:solidFill>
+          <a:ln>
+            <a:solidFill>
+              <a:schemeClr val="bg1"/>
+            </a:solidFill>
+          </a:ln>
+        </p:spPr>
+        <p:style>
+          <a:lnRef idx="2">
+            <a:schemeClr val="accent1">
+              <a:shade val="50000"/>
+            </a:schemeClr>
+          </a:lnRef>
+          <a:fillRef idx="1">
+            <a:schemeClr val="accent1"/>
+          </a:fillRef>
+          <a:effectRef idx="0">
+            <a:schemeClr val="accent1"/>
+          </a:effectRef>
+          <a:fontRef idx="minor">
+            <a:schemeClr val="lt1"/>
+          </a:fontRef>
+        </p:style>
+        <p:txBody>
+          <a:bodyPr lIns="0" tIns="0" rIns="0" bIns="0" rtlCol="0" anchor="t"/>
+          <a:lstStyle/>
+          <a:p>
+            <a:endParaRPr lang="en-US" dirty="0">
+              <a:solidFill>
+                <a:schemeClr val="tx1"/>
+              </a:solidFill>
+              <a:latin typeface="Cambria Math" panose="02040503050406030204" pitchFamily="18" charset="0"/>
+              <a:ea typeface="Cambria Math" panose="02040503050406030204" pitchFamily="18" charset="0"/>
+            </a:endParaRPr>
+          </a:p>
+        </p:txBody>
+      </p:sp>
+      <p:sp>
+        <p:nvSpPr>
+          <p:cNvPr id="71" name="Rectangle 70"/>
+          <p:cNvSpPr/>
+          <p:nvPr/>
+        </p:nvSpPr>
+        <p:spPr>
+          <a:xfrm flipH="1">
+            <a:off x="1579359" y="3913394"/>
+            <a:ext cx="1570722" cy="181759"/>
+          </a:xfrm>
+          <a:prstGeom prst="rect">
+            <a:avLst/>
+          </a:prstGeom>
+          <a:solidFill>
+            <a:schemeClr val="bg1"/>
+          </a:solidFill>
+          <a:ln>
+            <a:solidFill>
+              <a:schemeClr val="bg1"/>
+            </a:solidFill>
+          </a:ln>
+        </p:spPr>
+        <p:style>
+          <a:lnRef idx="2">
+            <a:schemeClr val="accent1">
+              <a:shade val="50000"/>
+            </a:schemeClr>
+          </a:lnRef>
+          <a:fillRef idx="1">
+            <a:schemeClr val="accent1"/>
+          </a:fillRef>
+          <a:effectRef idx="0">
+            <a:schemeClr val="accent1"/>
+          </a:effectRef>
+          <a:fontRef idx="minor">
+            <a:schemeClr val="lt1"/>
+          </a:fontRef>
+        </p:style>
+        <p:txBody>
+          <a:bodyPr lIns="0" tIns="0" rIns="0" bIns="0" rtlCol="0" anchor="t"/>
+          <a:lstStyle/>
+          <a:p>
+            <a:endParaRPr lang="en-US" dirty="0">
+              <a:solidFill>
+                <a:schemeClr val="tx1"/>
+              </a:solidFill>
+              <a:latin typeface="Cambria Math" panose="02040503050406030204" pitchFamily="18" charset="0"/>
+              <a:ea typeface="Cambria Math" panose="02040503050406030204" pitchFamily="18" charset="0"/>
+            </a:endParaRPr>
+          </a:p>
+        </p:txBody>
+      </p:sp>
+      <p:sp>
+        <p:nvSpPr>
+          <p:cNvPr id="72" name="Rectangle 71"/>
+          <p:cNvSpPr/>
+          <p:nvPr/>
+        </p:nvSpPr>
+        <p:spPr>
+          <a:xfrm flipH="1">
+            <a:off x="3822342" y="738341"/>
+            <a:ext cx="3683667" cy="204573"/>
+          </a:xfrm>
+          <a:prstGeom prst="rect">
+            <a:avLst/>
+          </a:prstGeom>
+          <a:solidFill>
+            <a:schemeClr val="bg1"/>
+          </a:solidFill>
+          <a:ln>
+            <a:solidFill>
+              <a:schemeClr val="bg1"/>
+            </a:solidFill>
+          </a:ln>
+        </p:spPr>
+        <p:style>
+          <a:lnRef idx="2">
+            <a:schemeClr val="accent1">
+              <a:shade val="50000"/>
+            </a:schemeClr>
+          </a:lnRef>
+          <a:fillRef idx="1">
+            <a:schemeClr val="accent1"/>
+          </a:fillRef>
+          <a:effectRef idx="0">
+            <a:schemeClr val="accent1"/>
+          </a:effectRef>
+          <a:fontRef idx="minor">
+            <a:schemeClr val="lt1"/>
+          </a:fontRef>
+        </p:style>
+        <p:txBody>
+          <a:bodyPr lIns="0" tIns="0" rIns="0" bIns="0" rtlCol="0" anchor="t"/>
+          <a:lstStyle/>
+          <a:p>
+            <a:endParaRPr lang="en-US" dirty="0">
+              <a:solidFill>
+                <a:schemeClr val="tx1"/>
+              </a:solidFill>
+              <a:latin typeface="Cambria Math" panose="02040503050406030204" pitchFamily="18" charset="0"/>
+              <a:ea typeface="Cambria Math" panose="02040503050406030204" pitchFamily="18" charset="0"/>
+            </a:endParaRPr>
+          </a:p>
+        </p:txBody>
+      </p:sp>
+      <p:sp>
+        <p:nvSpPr>
+          <p:cNvPr id="73" name="Rectangle 72"/>
+          <p:cNvSpPr/>
+          <p:nvPr/>
+        </p:nvSpPr>
+        <p:spPr>
+          <a:xfrm flipH="1">
+            <a:off x="1788149" y="765976"/>
+            <a:ext cx="5306580" cy="267533"/>
+          </a:xfrm>
+          <a:prstGeom prst="rect">
+            <a:avLst/>
+          </a:prstGeom>
+          <a:solidFill>
+            <a:schemeClr val="bg1"/>
+          </a:solidFill>
+          <a:ln>
+            <a:solidFill>
+              <a:schemeClr val="bg1"/>
+            </a:solidFill>
+          </a:ln>
+        </p:spPr>
+        <p:style>
+          <a:lnRef idx="2">
+            <a:schemeClr val="accent1">
+              <a:shade val="50000"/>
+            </a:schemeClr>
+          </a:lnRef>
+          <a:fillRef idx="1">
+            <a:schemeClr val="accent1"/>
+          </a:fillRef>
+          <a:effectRef idx="0">
+            <a:schemeClr val="accent1"/>
+          </a:effectRef>
+          <a:fontRef idx="minor">
+            <a:schemeClr val="lt1"/>
+          </a:fontRef>
+        </p:style>
+        <p:txBody>
+          <a:bodyPr lIns="0" tIns="0" rIns="0" bIns="0" rtlCol="0" anchor="t"/>
+          <a:lstStyle/>
+          <a:p>
+            <a:endParaRPr lang="en-US" dirty="0">
+              <a:solidFill>
+                <a:schemeClr val="tx1"/>
+              </a:solidFill>
+              <a:latin typeface="Cambria Math" panose="02040503050406030204" pitchFamily="18" charset="0"/>
+              <a:ea typeface="Cambria Math" panose="02040503050406030204" pitchFamily="18" charset="0"/>
+            </a:endParaRPr>
+          </a:p>
+        </p:txBody>
+      </p:sp>
+      <p:sp>
+        <p:nvSpPr>
+          <p:cNvPr id="74" name="Rectangle 73"/>
+          <p:cNvSpPr/>
+          <p:nvPr/>
+        </p:nvSpPr>
+        <p:spPr>
+          <a:xfrm flipH="1">
+            <a:off x="1580109" y="733890"/>
+            <a:ext cx="1310807" cy="275783"/>
+          </a:xfrm>
+          <a:prstGeom prst="rect">
+            <a:avLst/>
+          </a:prstGeom>
+          <a:solidFill>
+            <a:schemeClr val="bg1"/>
+          </a:solidFill>
+          <a:ln>
+            <a:solidFill>
+              <a:schemeClr val="bg1"/>
+            </a:solidFill>
+          </a:ln>
+        </p:spPr>
+        <p:style>
+          <a:lnRef idx="2">
+            <a:schemeClr val="accent1">
+              <a:shade val="50000"/>
+            </a:schemeClr>
+          </a:lnRef>
+          <a:fillRef idx="1">
+            <a:schemeClr val="accent1"/>
+          </a:fillRef>
+          <a:effectRef idx="0">
+            <a:schemeClr val="accent1"/>
+          </a:effectRef>
+          <a:fontRef idx="minor">
+            <a:schemeClr val="lt1"/>
+          </a:fontRef>
+        </p:style>
+        <p:txBody>
+          <a:bodyPr lIns="0" tIns="0" rIns="0" bIns="0" rtlCol="0" anchor="t"/>
+          <a:lstStyle/>
+          <a:p>
+            <a:endParaRPr lang="en-US" dirty="0">
+              <a:solidFill>
+                <a:schemeClr val="tx1"/>
+              </a:solidFill>
+              <a:latin typeface="Cambria Math" panose="02040503050406030204" pitchFamily="18" charset="0"/>
+              <a:ea typeface="Cambria Math" panose="02040503050406030204" pitchFamily="18" charset="0"/>
+            </a:endParaRPr>
+          </a:p>
+        </p:txBody>
+      </p:sp>
+      <p:sp>
+        <p:nvSpPr>
+          <p:cNvPr id="75" name="Rectangle 74"/>
+          <p:cNvSpPr/>
+          <p:nvPr/>
+        </p:nvSpPr>
+        <p:spPr>
+          <a:xfrm flipH="1">
+            <a:off x="1603924" y="1032650"/>
+            <a:ext cx="549820" cy="49389"/>
+          </a:xfrm>
+          <a:prstGeom prst="rect">
+            <a:avLst/>
+          </a:prstGeom>
+          <a:solidFill>
+            <a:schemeClr val="bg1"/>
+          </a:solidFill>
+          <a:ln>
+            <a:solidFill>
+              <a:schemeClr val="bg1"/>
+            </a:solidFill>
+          </a:ln>
+        </p:spPr>
+        <p:style>
+          <a:lnRef idx="2">
+            <a:schemeClr val="accent1">
+              <a:shade val="50000"/>
+            </a:schemeClr>
+          </a:lnRef>
+          <a:fillRef idx="1">
+            <a:schemeClr val="accent1"/>
+          </a:fillRef>
+          <a:effectRef idx="0">
+            <a:schemeClr val="accent1"/>
+          </a:effectRef>
+          <a:fontRef idx="minor">
+            <a:schemeClr val="lt1"/>
+          </a:fontRef>
+        </p:style>
+        <p:txBody>
+          <a:bodyPr lIns="0" tIns="0" rIns="0" bIns="0" rtlCol="0" anchor="t"/>
+          <a:lstStyle/>
+          <a:p>
+            <a:endParaRPr lang="en-US" dirty="0">
+              <a:solidFill>
+                <a:schemeClr val="tx1"/>
+              </a:solidFill>
+              <a:latin typeface="Cambria Math" panose="02040503050406030204" pitchFamily="18" charset="0"/>
+              <a:ea typeface="Cambria Math" panose="02040503050406030204" pitchFamily="18" charset="0"/>
+            </a:endParaRPr>
+          </a:p>
+        </p:txBody>
+      </p:sp>
+      <p:sp>
+        <p:nvSpPr>
+          <p:cNvPr id="86" name="Rectangle 85"/>
+          <p:cNvSpPr/>
+          <p:nvPr/>
+        </p:nvSpPr>
+        <p:spPr>
+          <a:xfrm flipH="1">
+            <a:off x="6495549" y="3667244"/>
+            <a:ext cx="4678357" cy="453567"/>
+          </a:xfrm>
+          <a:prstGeom prst="rect">
+            <a:avLst/>
+          </a:prstGeom>
+          <a:solidFill>
+            <a:schemeClr val="bg1"/>
+          </a:solidFill>
+          <a:ln>
+            <a:solidFill>
+              <a:schemeClr val="bg1"/>
+            </a:solidFill>
+          </a:ln>
+        </p:spPr>
+        <p:style>
+          <a:lnRef idx="2">
+            <a:schemeClr val="accent1">
+              <a:shade val="50000"/>
+            </a:schemeClr>
+          </a:lnRef>
+          <a:fillRef idx="1">
+            <a:schemeClr val="accent1"/>
+          </a:fillRef>
+          <a:effectRef idx="0">
+            <a:schemeClr val="accent1"/>
+          </a:effectRef>
+          <a:fontRef idx="minor">
+            <a:schemeClr val="lt1"/>
+          </a:fontRef>
+        </p:style>
+        <p:txBody>
+          <a:bodyPr lIns="0" tIns="0" rIns="0" bIns="0" rtlCol="0" anchor="t"/>
+          <a:lstStyle/>
+          <a:p>
+            <a:endParaRPr lang="en-US" dirty="0">
+              <a:solidFill>
+                <a:schemeClr val="tx1"/>
+              </a:solidFill>
+              <a:latin typeface="Cambria Math" panose="02040503050406030204" pitchFamily="18" charset="0"/>
+              <a:ea typeface="Cambria Math" panose="02040503050406030204" pitchFamily="18" charset="0"/>
+            </a:endParaRPr>
+          </a:p>
+        </p:txBody>
+      </p:sp>
+      <p:sp>
+        <p:nvSpPr>
+          <p:cNvPr id="87" name="Rectangle 86"/>
+          <p:cNvSpPr/>
+          <p:nvPr/>
+        </p:nvSpPr>
+        <p:spPr>
+          <a:xfrm flipH="1">
+            <a:off x="6101193" y="3667243"/>
+            <a:ext cx="583431" cy="366651"/>
+          </a:xfrm>
+          <a:prstGeom prst="rect">
+            <a:avLst/>
+          </a:prstGeom>
+          <a:solidFill>
+            <a:schemeClr val="bg1"/>
+          </a:solidFill>
+          <a:ln>
+            <a:solidFill>
+              <a:schemeClr val="bg1"/>
+            </a:solidFill>
+          </a:ln>
+        </p:spPr>
+        <p:style>
+          <a:lnRef idx="2">
+            <a:schemeClr val="accent1">
+              <a:shade val="50000"/>
+            </a:schemeClr>
+          </a:lnRef>
+          <a:fillRef idx="1">
+            <a:schemeClr val="accent1"/>
+          </a:fillRef>
+          <a:effectRef idx="0">
+            <a:schemeClr val="accent1"/>
+          </a:effectRef>
+          <a:fontRef idx="minor">
+            <a:schemeClr val="lt1"/>
+          </a:fontRef>
+        </p:style>
+        <p:txBody>
+          <a:bodyPr lIns="0" tIns="0" rIns="0" bIns="0" rtlCol="0" anchor="t"/>
+          <a:lstStyle/>
+          <a:p>
+            <a:endParaRPr lang="en-US" dirty="0">
+              <a:solidFill>
+                <a:schemeClr val="tx1"/>
+              </a:solidFill>
+              <a:latin typeface="Cambria Math" panose="02040503050406030204" pitchFamily="18" charset="0"/>
+              <a:ea typeface="Cambria Math" panose="02040503050406030204" pitchFamily="18" charset="0"/>
+            </a:endParaRPr>
+          </a:p>
+        </p:txBody>
+      </p:sp>
+      <p:sp>
+        <p:nvSpPr>
+          <p:cNvPr id="88" name="Rectangle 87"/>
+          <p:cNvSpPr/>
+          <p:nvPr/>
+        </p:nvSpPr>
+        <p:spPr>
+          <a:xfrm flipH="1">
+            <a:off x="5822686" y="3740712"/>
+            <a:ext cx="583431" cy="366651"/>
+          </a:xfrm>
+          <a:prstGeom prst="rect">
+            <a:avLst/>
+          </a:prstGeom>
+          <a:solidFill>
+            <a:schemeClr val="bg1"/>
+          </a:solidFill>
+          <a:ln>
+            <a:solidFill>
+              <a:schemeClr val="bg1"/>
+            </a:solidFill>
+          </a:ln>
+        </p:spPr>
+        <p:style>
+          <a:lnRef idx="2">
+            <a:schemeClr val="accent1">
+              <a:shade val="50000"/>
+            </a:schemeClr>
+          </a:lnRef>
+          <a:fillRef idx="1">
+            <a:schemeClr val="accent1"/>
+          </a:fillRef>
+          <a:effectRef idx="0">
+            <a:schemeClr val="accent1"/>
+          </a:effectRef>
+          <a:fontRef idx="minor">
+            <a:schemeClr val="lt1"/>
+          </a:fontRef>
+        </p:style>
+        <p:txBody>
+          <a:bodyPr lIns="0" tIns="0" rIns="0" bIns="0" rtlCol="0" anchor="t"/>
+          <a:lstStyle/>
+          <a:p>
+            <a:endParaRPr lang="en-US" dirty="0">
+              <a:solidFill>
+                <a:schemeClr val="tx1"/>
+              </a:solidFill>
+              <a:latin typeface="Cambria Math" panose="02040503050406030204" pitchFamily="18" charset="0"/>
+              <a:ea typeface="Cambria Math" panose="02040503050406030204" pitchFamily="18" charset="0"/>
+            </a:endParaRPr>
+          </a:p>
+        </p:txBody>
+      </p:sp>
+      <p:pic>
+        <p:nvPicPr>
+          <p:cNvPr id="85" name="Picture 84"/>
+          <p:cNvPicPr>
+            <a:picLocks noChangeAspect="1"/>
+          </p:cNvPicPr>
+          <p:nvPr/>
+        </p:nvPicPr>
+        <p:blipFill rotWithShape="1">
+          <a:blip r:embed="rId3">
+            <a:extLst>
+              <a:ext uri="{28A0092B-C50C-407E-A947-70E740481C1C}">
+                <a14:useLocalDpi xmlns:a14="http://schemas.microsoft.com/office/drawing/2010/main" val="0"/>
+              </a:ext>
+            </a:extLst>
+          </a:blip>
+          <a:srcRect l="12221" t="87366" r="9192" b="11866"/>
+          <a:stretch/>
+        </p:blipFill>
+        <p:spPr>
+          <a:xfrm>
+            <a:off x="1469390" y="5688330"/>
+            <a:ext cx="9006840" cy="45719"/>
+          </a:xfrm>
+          <a:prstGeom prst="rect">
+            <a:avLst/>
+          </a:prstGeom>
+        </p:spPr>
+      </p:pic>
+      <p:sp>
+        <p:nvSpPr>
+          <p:cNvPr id="121" name="Rectangle 120"/>
+          <p:cNvSpPr/>
+          <p:nvPr/>
+        </p:nvSpPr>
+        <p:spPr>
+          <a:xfrm>
+            <a:off x="9515259" y="5825113"/>
+            <a:ext cx="1120719" cy="307777"/>
+          </a:xfrm>
+          <a:prstGeom prst="rect">
+            <a:avLst/>
+          </a:prstGeom>
+          <a:noFill/>
+          <a:ln>
+            <a:noFill/>
+          </a:ln>
+        </p:spPr>
+        <p:txBody>
+          <a:bodyPr wrap="square" anchor="ctr">
+            <a:spAutoFit/>
+          </a:bodyPr>
+          <a:lstStyle/>
+          <a:p>
+            <a:pPr algn="ctr"/>
+            <a:r>
+              <a:rPr lang="en-GB" sz="1400" dirty="0" smtClean="0">
+                <a:latin typeface="Cambria Math" panose="02040503050406030204" pitchFamily="18" charset="0"/>
+                <a:ea typeface="Cambria Math" panose="02040503050406030204" pitchFamily="18" charset="0"/>
+              </a:rPr>
+              <a:t>hg19:chr5</a:t>
+            </a:r>
+            <a:endParaRPr lang="en-US" sz="1400" b="0" dirty="0" smtClean="0">
+              <a:latin typeface="Cambria Math" panose="02040503050406030204" pitchFamily="18" charset="0"/>
+              <a:ea typeface="Cambria Math" panose="02040503050406030204" pitchFamily="18" charset="0"/>
+            </a:endParaRPr>
+          </a:p>
+        </p:txBody>
+      </p:sp>
+      <p:sp>
+        <p:nvSpPr>
+          <p:cNvPr id="158" name="Rectangle 157"/>
+          <p:cNvSpPr/>
+          <p:nvPr/>
+        </p:nvSpPr>
+        <p:spPr>
+          <a:xfrm>
+            <a:off x="10529982" y="1075147"/>
+            <a:ext cx="2161514" cy="372070"/>
+          </a:xfrm>
+          <a:prstGeom prst="rect">
+            <a:avLst/>
+          </a:prstGeom>
+          <a:solidFill>
+            <a:schemeClr val="bg1"/>
+          </a:solidFill>
+          <a:ln>
+            <a:solidFill>
+              <a:schemeClr val="bg1"/>
+            </a:solidFill>
+          </a:ln>
+        </p:spPr>
+        <p:txBody>
+          <a:bodyPr wrap="square" anchor="ctr">
+            <a:spAutoFit/>
+          </a:bodyPr>
+          <a:lstStyle/>
+          <a:p>
+            <a:r>
+              <a:rPr lang="en-US" b="1" dirty="0" smtClean="0">
+                <a:latin typeface="Cambria Math" panose="02040503050406030204" pitchFamily="18" charset="0"/>
+                <a:ea typeface="Cambria Math" panose="02040503050406030204" pitchFamily="18" charset="0"/>
+              </a:rPr>
+              <a:t>H3K27ac</a:t>
+            </a:r>
+          </a:p>
+        </p:txBody>
+      </p:sp>
+      <p:sp>
+        <p:nvSpPr>
+          <p:cNvPr id="159" name="Rectangle 158"/>
+          <p:cNvSpPr/>
+          <p:nvPr/>
+        </p:nvSpPr>
+        <p:spPr>
+          <a:xfrm>
+            <a:off x="10517831" y="2410455"/>
+            <a:ext cx="2161616" cy="310059"/>
+          </a:xfrm>
+          <a:prstGeom prst="rect">
+            <a:avLst/>
+          </a:prstGeom>
+          <a:solidFill>
+            <a:schemeClr val="bg1"/>
+          </a:solidFill>
+          <a:ln>
+            <a:solidFill>
+              <a:schemeClr val="bg1"/>
+            </a:solidFill>
+          </a:ln>
+        </p:spPr>
+        <p:txBody>
+          <a:bodyPr wrap="square" anchor="ctr">
+            <a:spAutoFit/>
+          </a:bodyPr>
+          <a:lstStyle/>
+          <a:p>
+            <a:r>
+              <a:rPr lang="en-GB" sz="1400" b="1" dirty="0" err="1" smtClean="0">
+                <a:latin typeface="Cambria Math" panose="02040503050406030204" pitchFamily="18" charset="0"/>
+                <a:ea typeface="Cambria Math" panose="02040503050406030204" pitchFamily="18" charset="0"/>
+              </a:rPr>
+              <a:t>ChromHMM</a:t>
+            </a:r>
+            <a:endParaRPr lang="en-US" b="1" dirty="0" smtClean="0">
+              <a:latin typeface="Cambria Math" panose="02040503050406030204" pitchFamily="18" charset="0"/>
+              <a:ea typeface="Cambria Math" panose="02040503050406030204" pitchFamily="18" charset="0"/>
+            </a:endParaRPr>
+          </a:p>
+        </p:txBody>
+      </p:sp>
+      <p:sp>
+        <p:nvSpPr>
+          <p:cNvPr id="160" name="Rectangle 159"/>
+          <p:cNvSpPr/>
+          <p:nvPr/>
+        </p:nvSpPr>
+        <p:spPr>
+          <a:xfrm>
+            <a:off x="10530867" y="4162705"/>
+            <a:ext cx="2160836" cy="372070"/>
+          </a:xfrm>
+          <a:prstGeom prst="rect">
+            <a:avLst/>
+          </a:prstGeom>
+          <a:solidFill>
+            <a:schemeClr val="bg1"/>
+          </a:solidFill>
+          <a:ln>
+            <a:solidFill>
+              <a:schemeClr val="bg1"/>
+            </a:solidFill>
+          </a:ln>
+        </p:spPr>
+        <p:txBody>
+          <a:bodyPr wrap="square" anchor="ctr">
+            <a:spAutoFit/>
+          </a:bodyPr>
+          <a:lstStyle/>
+          <a:p>
+            <a:r>
+              <a:rPr lang="en-US" b="1" dirty="0" smtClean="0">
+                <a:latin typeface="Cambria Math" panose="02040503050406030204" pitchFamily="18" charset="0"/>
+                <a:ea typeface="Cambria Math" panose="02040503050406030204" pitchFamily="18" charset="0"/>
+              </a:rPr>
+              <a:t>H3K27ac</a:t>
+            </a:r>
+          </a:p>
+        </p:txBody>
+      </p:sp>
+      <p:sp>
+        <p:nvSpPr>
+          <p:cNvPr id="161" name="Rectangle 160"/>
+          <p:cNvSpPr/>
+          <p:nvPr/>
+        </p:nvSpPr>
+        <p:spPr>
+          <a:xfrm>
+            <a:off x="10516334" y="5083986"/>
+            <a:ext cx="2171976" cy="372070"/>
+          </a:xfrm>
+          <a:prstGeom prst="rect">
+            <a:avLst/>
+          </a:prstGeom>
+          <a:solidFill>
+            <a:schemeClr val="bg1"/>
+          </a:solidFill>
+          <a:ln>
+            <a:solidFill>
+              <a:schemeClr val="bg1"/>
+            </a:solidFill>
+          </a:ln>
+        </p:spPr>
+        <p:txBody>
+          <a:bodyPr wrap="square" anchor="ctr">
+            <a:spAutoFit/>
+          </a:bodyPr>
+          <a:lstStyle/>
+          <a:p>
+            <a:r>
+              <a:rPr lang="en-US" b="1" dirty="0" smtClean="0">
+                <a:latin typeface="Cambria Math" panose="02040503050406030204" pitchFamily="18" charset="0"/>
+                <a:ea typeface="Cambria Math" panose="02040503050406030204" pitchFamily="18" charset="0"/>
+              </a:rPr>
+              <a:t>DNase-I</a:t>
+            </a:r>
+          </a:p>
+        </p:txBody>
+      </p:sp>
+      <p:sp>
+        <p:nvSpPr>
+          <p:cNvPr id="162" name="Rectangle 161"/>
+          <p:cNvSpPr/>
+          <p:nvPr/>
+        </p:nvSpPr>
+        <p:spPr>
+          <a:xfrm>
+            <a:off x="10505814" y="3102698"/>
+            <a:ext cx="2180040" cy="372070"/>
+          </a:xfrm>
+          <a:prstGeom prst="rect">
+            <a:avLst/>
+          </a:prstGeom>
+          <a:solidFill>
+            <a:schemeClr val="bg1"/>
+          </a:solidFill>
+          <a:ln>
+            <a:solidFill>
+              <a:schemeClr val="bg1"/>
+            </a:solidFill>
+          </a:ln>
+        </p:spPr>
+        <p:txBody>
+          <a:bodyPr wrap="square" anchor="ctr">
+            <a:spAutoFit/>
+          </a:bodyPr>
+          <a:lstStyle/>
+          <a:p>
+            <a:r>
+              <a:rPr lang="en-US" b="1" dirty="0">
+                <a:latin typeface="Cambria Math" panose="02040503050406030204" pitchFamily="18" charset="0"/>
+                <a:ea typeface="Cambria Math" panose="02040503050406030204" pitchFamily="18" charset="0"/>
+              </a:rPr>
+              <a:t>Posterior</a:t>
+            </a:r>
+            <a:r>
+              <a:rPr lang="en-US" sz="1600" b="1" dirty="0">
+                <a:latin typeface="Cambria Math" panose="02040503050406030204" pitchFamily="18" charset="0"/>
+                <a:ea typeface="Cambria Math" panose="02040503050406030204" pitchFamily="18" charset="0"/>
+              </a:rPr>
+              <a:t> </a:t>
+            </a:r>
+            <a:r>
+              <a:rPr lang="en-US" b="1" dirty="0" smtClean="0">
+                <a:latin typeface="Cambria Math" panose="02040503050406030204" pitchFamily="18" charset="0"/>
+                <a:ea typeface="Cambria Math" panose="02040503050406030204" pitchFamily="18" charset="0"/>
+              </a:rPr>
+              <a:t>Prob.</a:t>
+            </a:r>
+            <a:endParaRPr lang="en-US" b="1" dirty="0">
+              <a:latin typeface="Cambria Math" panose="02040503050406030204" pitchFamily="18" charset="0"/>
+              <a:ea typeface="Cambria Math" panose="02040503050406030204" pitchFamily="18" charset="0"/>
+            </a:endParaRPr>
+          </a:p>
+        </p:txBody>
+      </p:sp>
+      <p:sp>
+        <p:nvSpPr>
+          <p:cNvPr id="163" name="Rectangle 162"/>
+          <p:cNvSpPr/>
+          <p:nvPr/>
+        </p:nvSpPr>
+        <p:spPr>
+          <a:xfrm>
+            <a:off x="10529982" y="1966288"/>
+            <a:ext cx="2161513" cy="372070"/>
+          </a:xfrm>
+          <a:prstGeom prst="rect">
+            <a:avLst/>
+          </a:prstGeom>
+          <a:solidFill>
+            <a:schemeClr val="bg1"/>
+          </a:solidFill>
+        </p:spPr>
+        <p:txBody>
+          <a:bodyPr wrap="square">
+            <a:spAutoFit/>
+          </a:bodyPr>
+          <a:lstStyle/>
+          <a:p>
+            <a:r>
+              <a:rPr lang="en-US" b="1" dirty="0">
+                <a:latin typeface="Cambria Math" panose="02040503050406030204" pitchFamily="18" charset="0"/>
+                <a:ea typeface="Cambria Math" panose="02040503050406030204" pitchFamily="18" charset="0"/>
+              </a:rPr>
+              <a:t>DNase-I</a:t>
+            </a:r>
+          </a:p>
+        </p:txBody>
+      </p:sp>
+      <p:sp>
+        <p:nvSpPr>
+          <p:cNvPr id="164" name="Rectangle 163"/>
+          <p:cNvSpPr/>
+          <p:nvPr/>
+        </p:nvSpPr>
+        <p:spPr>
+          <a:xfrm>
+            <a:off x="10529850" y="5487902"/>
+            <a:ext cx="2161616" cy="310059"/>
+          </a:xfrm>
+          <a:prstGeom prst="rect">
+            <a:avLst/>
+          </a:prstGeom>
+          <a:solidFill>
+            <a:schemeClr val="bg1"/>
+          </a:solidFill>
+          <a:ln>
+            <a:solidFill>
+              <a:schemeClr val="bg1"/>
+            </a:solidFill>
+          </a:ln>
+        </p:spPr>
+        <p:txBody>
+          <a:bodyPr wrap="square" anchor="ctr">
+            <a:spAutoFit/>
+          </a:bodyPr>
+          <a:lstStyle/>
+          <a:p>
+            <a:r>
+              <a:rPr lang="en-GB" sz="1400" b="1" dirty="0" err="1" smtClean="0">
+                <a:latin typeface="Cambria Math" panose="02040503050406030204" pitchFamily="18" charset="0"/>
+                <a:ea typeface="Cambria Math" panose="02040503050406030204" pitchFamily="18" charset="0"/>
+              </a:rPr>
+              <a:t>ChromHMM</a:t>
+            </a:r>
+            <a:endParaRPr lang="en-US" b="1" dirty="0" smtClean="0">
+              <a:latin typeface="Cambria Math" panose="02040503050406030204" pitchFamily="18" charset="0"/>
+              <a:ea typeface="Cambria Math" panose="02040503050406030204" pitchFamily="18" charset="0"/>
+            </a:endParaRPr>
+          </a:p>
+        </p:txBody>
+      </p:sp>
+      <p:sp>
+        <p:nvSpPr>
+          <p:cNvPr id="165" name="Rectangle 164"/>
+          <p:cNvSpPr/>
+          <p:nvPr/>
+        </p:nvSpPr>
+        <p:spPr>
+          <a:xfrm>
+            <a:off x="10529982" y="3454777"/>
+            <a:ext cx="2161616" cy="310059"/>
+          </a:xfrm>
+          <a:prstGeom prst="rect">
+            <a:avLst/>
+          </a:prstGeom>
+          <a:solidFill>
+            <a:schemeClr val="bg1"/>
+          </a:solidFill>
+          <a:ln>
+            <a:solidFill>
+              <a:schemeClr val="bg1"/>
+            </a:solidFill>
+          </a:ln>
+        </p:spPr>
+        <p:txBody>
+          <a:bodyPr wrap="square" anchor="ctr">
+            <a:spAutoFit/>
+          </a:bodyPr>
+          <a:lstStyle/>
+          <a:p>
+            <a:r>
+              <a:rPr lang="en-GB" sz="1400" b="1" dirty="0" smtClean="0">
+                <a:latin typeface="Cambria Math" panose="02040503050406030204" pitchFamily="18" charset="0"/>
+                <a:ea typeface="Cambria Math" panose="02040503050406030204" pitchFamily="18" charset="0"/>
+              </a:rPr>
+              <a:t>Viterbi Path</a:t>
+            </a:r>
+            <a:endParaRPr lang="en-US" b="1" dirty="0" smtClean="0">
+              <a:latin typeface="Cambria Math" panose="02040503050406030204" pitchFamily="18" charset="0"/>
+              <a:ea typeface="Cambria Math" panose="02040503050406030204" pitchFamily="18" charset="0"/>
+            </a:endParaRPr>
+          </a:p>
+        </p:txBody>
+      </p:sp>
+      <p:sp>
+        <p:nvSpPr>
+          <p:cNvPr id="166" name="Rectangle 165"/>
+          <p:cNvSpPr/>
+          <p:nvPr/>
+        </p:nvSpPr>
+        <p:spPr>
+          <a:xfrm>
+            <a:off x="482973" y="1515944"/>
+            <a:ext cx="877163" cy="369332"/>
+          </a:xfrm>
+          <a:prstGeom prst="rect">
+            <a:avLst/>
+          </a:prstGeom>
+        </p:spPr>
+        <p:txBody>
+          <a:bodyPr wrap="none">
+            <a:spAutoFit/>
+          </a:bodyPr>
+          <a:lstStyle/>
+          <a:p>
+            <a:r>
+              <a:rPr lang="en-US" dirty="0">
+                <a:latin typeface="Cambria Math" panose="02040503050406030204" pitchFamily="18" charset="0"/>
+                <a:ea typeface="Cambria Math" panose="02040503050406030204" pitchFamily="18" charset="0"/>
+              </a:rPr>
+              <a:t>Gastric</a:t>
+            </a:r>
+          </a:p>
+        </p:txBody>
+      </p:sp>
+      <p:sp>
+        <p:nvSpPr>
+          <p:cNvPr id="167" name="Rectangle 166"/>
+          <p:cNvSpPr/>
+          <p:nvPr/>
+        </p:nvSpPr>
+        <p:spPr>
+          <a:xfrm>
+            <a:off x="-236964" y="4660908"/>
+            <a:ext cx="1603324" cy="369332"/>
+          </a:xfrm>
+          <a:prstGeom prst="rect">
+            <a:avLst/>
+          </a:prstGeom>
+        </p:spPr>
+        <p:txBody>
+          <a:bodyPr wrap="none">
+            <a:spAutoFit/>
+          </a:bodyPr>
+          <a:lstStyle/>
+          <a:p>
+            <a:r>
+              <a:rPr lang="en-US" dirty="0" err="1">
+                <a:latin typeface="Cambria Math" panose="02040503050406030204" pitchFamily="18" charset="0"/>
+                <a:ea typeface="Cambria Math" panose="02040503050406030204" pitchFamily="18" charset="0"/>
+              </a:rPr>
+              <a:t>Mesendoderm</a:t>
+            </a:r>
+            <a:endParaRPr lang="en-US" dirty="0">
+              <a:latin typeface="Cambria Math" panose="02040503050406030204" pitchFamily="18" charset="0"/>
+              <a:ea typeface="Cambria Math" panose="02040503050406030204" pitchFamily="18" charset="0"/>
+            </a:endParaRPr>
+          </a:p>
+        </p:txBody>
+      </p:sp>
+      <p:sp>
+        <p:nvSpPr>
+          <p:cNvPr id="168" name="Rectangle 167"/>
+          <p:cNvSpPr/>
+          <p:nvPr/>
+        </p:nvSpPr>
+        <p:spPr>
+          <a:xfrm>
+            <a:off x="111507" y="2963475"/>
+            <a:ext cx="1287532" cy="646331"/>
+          </a:xfrm>
+          <a:prstGeom prst="rect">
+            <a:avLst/>
+          </a:prstGeom>
+        </p:spPr>
+        <p:txBody>
+          <a:bodyPr wrap="none">
+            <a:spAutoFit/>
+          </a:bodyPr>
+          <a:lstStyle/>
+          <a:p>
+            <a:pPr algn="l"/>
+            <a:r>
+              <a:rPr lang="en-US" dirty="0" smtClean="0">
+                <a:latin typeface="Cambria Math" panose="02040503050406030204" pitchFamily="18" charset="0"/>
+                <a:ea typeface="Cambria Math" panose="02040503050406030204" pitchFamily="18" charset="0"/>
+              </a:rPr>
+              <a:t>HOP-HMM </a:t>
+            </a:r>
+            <a:endParaRPr lang="en-US" dirty="0" smtClean="0">
+              <a:latin typeface="Cambria Math" panose="02040503050406030204" pitchFamily="18" charset="0"/>
+              <a:ea typeface="Cambria Math" panose="02040503050406030204" pitchFamily="18" charset="0"/>
+            </a:endParaRPr>
+          </a:p>
+          <a:p>
+            <a:pPr algn="l"/>
+            <a:r>
+              <a:rPr lang="en-US" dirty="0" smtClean="0">
+                <a:latin typeface="Cambria Math" panose="02040503050406030204" pitchFamily="18" charset="0"/>
+                <a:ea typeface="Cambria Math" panose="02040503050406030204" pitchFamily="18" charset="0"/>
+              </a:rPr>
+              <a:t>Prediction</a:t>
+            </a:r>
+            <a:endParaRPr lang="en-US" dirty="0" smtClean="0">
+              <a:latin typeface="Cambria Math" panose="02040503050406030204" pitchFamily="18" charset="0"/>
+              <a:ea typeface="Cambria Math" panose="02040503050406030204" pitchFamily="18" charset="0"/>
+            </a:endParaRPr>
+          </a:p>
+        </p:txBody>
+      </p:sp>
+      <p:cxnSp>
+        <p:nvCxnSpPr>
+          <p:cNvPr id="183" name="Straight Connector 182"/>
+          <p:cNvCxnSpPr/>
+          <p:nvPr/>
+        </p:nvCxnSpPr>
+        <p:spPr>
+          <a:xfrm flipH="1" flipV="1">
+            <a:off x="1559469" y="4682158"/>
+            <a:ext cx="8874744" cy="0"/>
+          </a:xfrm>
+          <a:prstGeom prst="line">
+            <a:avLst/>
+          </a:prstGeom>
+          <a:ln>
+            <a:solidFill>
+              <a:schemeClr val="tx1"/>
+            </a:solidFill>
+          </a:ln>
+        </p:spPr>
+        <p:style>
+          <a:lnRef idx="1">
+            <a:schemeClr val="accent1"/>
+          </a:lnRef>
+          <a:fillRef idx="0">
+            <a:schemeClr val="accent1"/>
+          </a:fillRef>
+          <a:effectRef idx="0">
+            <a:schemeClr val="accent1"/>
+          </a:effectRef>
+          <a:fontRef idx="minor">
+            <a:schemeClr val="tx1"/>
+          </a:fontRef>
+        </p:style>
+      </p:cxnSp>
+      <p:cxnSp>
+        <p:nvCxnSpPr>
+          <p:cNvPr id="184" name="Straight Connector 183"/>
+          <p:cNvCxnSpPr/>
+          <p:nvPr/>
+        </p:nvCxnSpPr>
+        <p:spPr>
+          <a:xfrm flipH="1" flipV="1">
+            <a:off x="1562574" y="3652003"/>
+            <a:ext cx="8884743" cy="0"/>
+          </a:xfrm>
+          <a:prstGeom prst="line">
+            <a:avLst/>
+          </a:prstGeom>
+          <a:ln>
+            <a:solidFill>
+              <a:schemeClr val="tx1"/>
+            </a:solidFill>
+          </a:ln>
+        </p:spPr>
+        <p:style>
+          <a:lnRef idx="1">
+            <a:schemeClr val="accent1"/>
+          </a:lnRef>
+          <a:fillRef idx="0">
+            <a:schemeClr val="accent1"/>
+          </a:fillRef>
+          <a:effectRef idx="0">
+            <a:schemeClr val="accent1"/>
+          </a:effectRef>
+          <a:fontRef idx="minor">
+            <a:schemeClr val="tx1"/>
+          </a:fontRef>
+        </p:style>
+      </p:cxnSp>
+      <p:cxnSp>
+        <p:nvCxnSpPr>
+          <p:cNvPr id="176" name="Straight Connector 175"/>
+          <p:cNvCxnSpPr/>
+          <p:nvPr/>
+        </p:nvCxnSpPr>
+        <p:spPr>
+          <a:xfrm>
+            <a:off x="1564710" y="5103163"/>
+            <a:ext cx="0" cy="599495"/>
+          </a:xfrm>
+          <a:prstGeom prst="line">
+            <a:avLst/>
+          </a:prstGeom>
+          <a:ln>
+            <a:solidFill>
+              <a:schemeClr val="tx1"/>
+            </a:solidFill>
+          </a:ln>
+        </p:spPr>
+        <p:style>
+          <a:lnRef idx="1">
+            <a:schemeClr val="accent1"/>
+          </a:lnRef>
+          <a:fillRef idx="0">
+            <a:schemeClr val="accent1"/>
+          </a:fillRef>
+          <a:effectRef idx="0">
+            <a:schemeClr val="accent1"/>
+          </a:effectRef>
+          <a:fontRef idx="minor">
+            <a:schemeClr val="tx1"/>
+          </a:fontRef>
+        </p:style>
+      </p:cxnSp>
+      <p:cxnSp>
+        <p:nvCxnSpPr>
+          <p:cNvPr id="177" name="Straight Connector 176"/>
+          <p:cNvCxnSpPr/>
+          <p:nvPr/>
+        </p:nvCxnSpPr>
+        <p:spPr>
+          <a:xfrm>
+            <a:off x="1563510" y="4085863"/>
+            <a:ext cx="0" cy="599495"/>
+          </a:xfrm>
+          <a:prstGeom prst="line">
+            <a:avLst/>
+          </a:prstGeom>
+          <a:ln>
+            <a:solidFill>
+              <a:schemeClr val="tx1"/>
+            </a:solidFill>
+          </a:ln>
+        </p:spPr>
+        <p:style>
+          <a:lnRef idx="1">
+            <a:schemeClr val="accent1"/>
+          </a:lnRef>
+          <a:fillRef idx="0">
+            <a:schemeClr val="accent1"/>
+          </a:fillRef>
+          <a:effectRef idx="0">
+            <a:schemeClr val="accent1"/>
+          </a:effectRef>
+          <a:fontRef idx="minor">
+            <a:schemeClr val="tx1"/>
+          </a:fontRef>
+        </p:style>
+      </p:cxnSp>
+      <p:cxnSp>
+        <p:nvCxnSpPr>
+          <p:cNvPr id="178" name="Straight Connector 177"/>
+          <p:cNvCxnSpPr/>
+          <p:nvPr/>
+        </p:nvCxnSpPr>
+        <p:spPr>
+          <a:xfrm>
+            <a:off x="1564710" y="2013893"/>
+            <a:ext cx="0" cy="599495"/>
+          </a:xfrm>
+          <a:prstGeom prst="line">
+            <a:avLst/>
+          </a:prstGeom>
+          <a:ln>
+            <a:solidFill>
+              <a:schemeClr val="tx1"/>
+            </a:solidFill>
+          </a:ln>
+        </p:spPr>
+        <p:style>
+          <a:lnRef idx="1">
+            <a:schemeClr val="accent1"/>
+          </a:lnRef>
+          <a:fillRef idx="0">
+            <a:schemeClr val="accent1"/>
+          </a:fillRef>
+          <a:effectRef idx="0">
+            <a:schemeClr val="accent1"/>
+          </a:effectRef>
+          <a:fontRef idx="minor">
+            <a:schemeClr val="tx1"/>
+          </a:fontRef>
+        </p:style>
+      </p:cxnSp>
+      <p:cxnSp>
+        <p:nvCxnSpPr>
+          <p:cNvPr id="179" name="Straight Connector 178"/>
+          <p:cNvCxnSpPr/>
+          <p:nvPr/>
+        </p:nvCxnSpPr>
+        <p:spPr>
+          <a:xfrm>
+            <a:off x="1563510" y="996593"/>
+            <a:ext cx="0" cy="599495"/>
+          </a:xfrm>
+          <a:prstGeom prst="line">
+            <a:avLst/>
+          </a:prstGeom>
+          <a:ln>
+            <a:solidFill>
+              <a:schemeClr val="tx1"/>
+            </a:solidFill>
+          </a:ln>
+        </p:spPr>
+        <p:style>
+          <a:lnRef idx="1">
+            <a:schemeClr val="accent1"/>
+          </a:lnRef>
+          <a:fillRef idx="0">
+            <a:schemeClr val="accent1"/>
+          </a:fillRef>
+          <a:effectRef idx="0">
+            <a:schemeClr val="accent1"/>
+          </a:effectRef>
+          <a:fontRef idx="minor">
+            <a:schemeClr val="tx1"/>
+          </a:fontRef>
+        </p:style>
+      </p:cxnSp>
+      <p:cxnSp>
+        <p:nvCxnSpPr>
+          <p:cNvPr id="180" name="Straight Connector 179"/>
+          <p:cNvCxnSpPr/>
+          <p:nvPr/>
+        </p:nvCxnSpPr>
+        <p:spPr>
+          <a:xfrm flipH="1" flipV="1">
+            <a:off x="1564710" y="2614246"/>
+            <a:ext cx="8884743" cy="0"/>
+          </a:xfrm>
+          <a:prstGeom prst="line">
+            <a:avLst/>
+          </a:prstGeom>
+          <a:ln>
+            <a:solidFill>
+              <a:schemeClr val="tx1"/>
+            </a:solidFill>
+          </a:ln>
+        </p:spPr>
+        <p:style>
+          <a:lnRef idx="1">
+            <a:schemeClr val="accent1"/>
+          </a:lnRef>
+          <a:fillRef idx="0">
+            <a:schemeClr val="accent1"/>
+          </a:fillRef>
+          <a:effectRef idx="0">
+            <a:schemeClr val="accent1"/>
+          </a:effectRef>
+          <a:fontRef idx="minor">
+            <a:schemeClr val="tx1"/>
+          </a:fontRef>
+        </p:style>
+      </p:cxnSp>
+      <p:cxnSp>
+        <p:nvCxnSpPr>
+          <p:cNvPr id="181" name="Straight Connector 180"/>
+          <p:cNvCxnSpPr/>
+          <p:nvPr/>
+        </p:nvCxnSpPr>
+        <p:spPr>
+          <a:xfrm flipH="1" flipV="1">
+            <a:off x="1563510" y="1589326"/>
+            <a:ext cx="8874744" cy="0"/>
+          </a:xfrm>
+          <a:prstGeom prst="line">
+            <a:avLst/>
+          </a:prstGeom>
+          <a:ln>
+            <a:solidFill>
+              <a:schemeClr val="tx1"/>
+            </a:solidFill>
+          </a:ln>
+        </p:spPr>
+        <p:style>
+          <a:lnRef idx="1">
+            <a:schemeClr val="accent1"/>
+          </a:lnRef>
+          <a:fillRef idx="0">
+            <a:schemeClr val="accent1"/>
+          </a:fillRef>
+          <a:effectRef idx="0">
+            <a:schemeClr val="accent1"/>
+          </a:effectRef>
+          <a:fontRef idx="minor">
+            <a:schemeClr val="tx1"/>
+          </a:fontRef>
+        </p:style>
+      </p:cxnSp>
+      <p:cxnSp>
+        <p:nvCxnSpPr>
+          <p:cNvPr id="182" name="Straight Connector 181"/>
+          <p:cNvCxnSpPr/>
+          <p:nvPr/>
+        </p:nvCxnSpPr>
+        <p:spPr>
+          <a:xfrm flipH="1" flipV="1">
+            <a:off x="1560669" y="5691838"/>
+            <a:ext cx="8884743" cy="0"/>
+          </a:xfrm>
+          <a:prstGeom prst="line">
+            <a:avLst/>
+          </a:prstGeom>
+          <a:ln>
+            <a:solidFill>
+              <a:schemeClr val="tx1"/>
+            </a:solidFill>
+          </a:ln>
+        </p:spPr>
+        <p:style>
+          <a:lnRef idx="1">
+            <a:schemeClr val="accent1"/>
+          </a:lnRef>
+          <a:fillRef idx="0">
+            <a:schemeClr val="accent1"/>
+          </a:fillRef>
+          <a:effectRef idx="0">
+            <a:schemeClr val="accent1"/>
+          </a:effectRef>
+          <a:fontRef idx="minor">
+            <a:schemeClr val="tx1"/>
+          </a:fontRef>
+        </p:style>
+      </p:cxnSp>
+      <p:cxnSp>
+        <p:nvCxnSpPr>
+          <p:cNvPr id="187" name="Straight Connector 186"/>
+          <p:cNvCxnSpPr/>
+          <p:nvPr/>
+        </p:nvCxnSpPr>
+        <p:spPr>
+          <a:xfrm>
+            <a:off x="1564710" y="2992597"/>
+            <a:ext cx="0" cy="659445"/>
+          </a:xfrm>
+          <a:prstGeom prst="line">
+            <a:avLst/>
+          </a:prstGeom>
+          <a:ln>
+            <a:solidFill>
+              <a:schemeClr val="tx1"/>
+            </a:solidFill>
+          </a:ln>
+        </p:spPr>
+        <p:style>
+          <a:lnRef idx="1">
+            <a:schemeClr val="accent1"/>
+          </a:lnRef>
+          <a:fillRef idx="0">
+            <a:schemeClr val="accent1"/>
+          </a:fillRef>
+          <a:effectRef idx="0">
+            <a:schemeClr val="accent1"/>
+          </a:effectRef>
+          <a:fontRef idx="minor">
+            <a:schemeClr val="tx1"/>
+          </a:fontRef>
+        </p:style>
+      </p:cxnSp>
+      <p:cxnSp>
+        <p:nvCxnSpPr>
+          <p:cNvPr id="51" name="Straight Arrow Connector 50"/>
+          <p:cNvCxnSpPr/>
+          <p:nvPr/>
+        </p:nvCxnSpPr>
+        <p:spPr>
+          <a:xfrm flipH="1" flipV="1">
+            <a:off x="6993618" y="3332443"/>
+            <a:ext cx="32580" cy="38"/>
+          </a:xfrm>
+          <a:prstGeom prst="straightConnector1">
+            <a:avLst/>
+          </a:prstGeom>
+          <a:ln w="12700">
+            <a:solidFill>
+              <a:schemeClr val="bg1"/>
+            </a:solidFill>
+            <a:headEnd type="none" w="med" len="med"/>
+            <a:tailEnd type="none" w="med" len="med"/>
+          </a:ln>
+        </p:spPr>
+        <p:style>
+          <a:lnRef idx="1">
+            <a:schemeClr val="accent1"/>
+          </a:lnRef>
+          <a:fillRef idx="0">
+            <a:schemeClr val="accent1"/>
+          </a:fillRef>
+          <a:effectRef idx="0">
+            <a:schemeClr val="accent1"/>
+          </a:effectRef>
+          <a:fontRef idx="minor">
+            <a:schemeClr val="tx1"/>
+          </a:fontRef>
+        </p:style>
+      </p:cxnSp>
+      <p:sp>
+        <p:nvSpPr>
+          <p:cNvPr id="107" name="Rectangle 106"/>
+          <p:cNvSpPr/>
+          <p:nvPr/>
+        </p:nvSpPr>
+        <p:spPr>
+          <a:xfrm>
+            <a:off x="5021580" y="2975917"/>
+            <a:ext cx="2209800" cy="2742894"/>
+          </a:xfrm>
+          <a:prstGeom prst="rect">
+            <a:avLst/>
+          </a:prstGeom>
+          <a:solidFill>
+            <a:srgbClr val="C00000">
+              <a:alpha val="25882"/>
+            </a:srgbClr>
+          </a:solidFill>
+          <a:ln w="19050">
+            <a:solidFill>
+              <a:srgbClr val="FF0000"/>
+            </a:solidFill>
+          </a:ln>
+        </p:spPr>
+        <p:style>
+          <a:lnRef idx="2">
+            <a:schemeClr val="accent1">
+              <a:shade val="50000"/>
+            </a:schemeClr>
+          </a:lnRef>
+          <a:fillRef idx="1">
+            <a:schemeClr val="accent1"/>
+          </a:fillRef>
+          <a:effectRef idx="0">
+            <a:schemeClr val="accent1"/>
+          </a:effectRef>
+          <a:fontRef idx="minor">
+            <a:schemeClr val="lt1"/>
+          </a:fontRef>
+        </p:style>
+        <p:txBody>
+          <a:bodyPr rtlCol="0" anchor="ctr"/>
+          <a:lstStyle/>
+          <a:p>
+            <a:pPr algn="ctr"/>
+            <a:endParaRPr lang="en-US"/>
+          </a:p>
+        </p:txBody>
+      </p:sp>
+      <p:sp>
+        <p:nvSpPr>
+          <p:cNvPr id="40" name="Rectangle 39"/>
+          <p:cNvSpPr/>
+          <p:nvPr/>
+        </p:nvSpPr>
+        <p:spPr>
+          <a:xfrm flipH="1">
+            <a:off x="5737526" y="3380535"/>
+            <a:ext cx="280773" cy="119440"/>
+          </a:xfrm>
+          <a:prstGeom prst="rect">
+            <a:avLst/>
+          </a:prstGeom>
+          <a:solidFill>
+            <a:schemeClr val="bg1"/>
+          </a:solidFill>
+          <a:ln>
+            <a:solidFill>
+              <a:schemeClr val="bg1"/>
+            </a:solidFill>
+          </a:ln>
+        </p:spPr>
+        <p:style>
+          <a:lnRef idx="2">
+            <a:schemeClr val="accent1">
+              <a:shade val="50000"/>
+            </a:schemeClr>
+          </a:lnRef>
+          <a:fillRef idx="1">
+            <a:schemeClr val="accent1"/>
+          </a:fillRef>
+          <a:effectRef idx="0">
+            <a:schemeClr val="accent1"/>
+          </a:effectRef>
+          <a:fontRef idx="minor">
+            <a:schemeClr val="lt1"/>
+          </a:fontRef>
+        </p:style>
+        <p:txBody>
+          <a:bodyPr lIns="0" tIns="0" rIns="0" bIns="0" rtlCol="0" anchor="ctr"/>
+          <a:lstStyle/>
+          <a:p>
+            <a:pPr algn="ctr"/>
+            <a:r>
+              <a:rPr lang="en-US" sz="900" b="1" dirty="0" smtClean="0">
                 <a:solidFill>
                   <a:schemeClr val="tx1"/>
                 </a:solidFill>
                 <a:latin typeface="Cambria Math" panose="02040503050406030204" pitchFamily="18" charset="0"/>
                 <a:ea typeface="Cambria Math" panose="02040503050406030204" pitchFamily="18" charset="0"/>
-              </a:endParaRPr>
-            </a:p>
-          </p:txBody>
-        </p:sp>
-        <p:sp>
-          <p:nvSpPr>
-            <p:cNvPr id="68" name="Rectangle 67"/>
-            <p:cNvSpPr/>
-            <p:nvPr/>
-          </p:nvSpPr>
-          <p:spPr>
-            <a:xfrm flipH="1">
-              <a:off x="10043092" y="3745106"/>
-              <a:ext cx="1577354" cy="910732"/>
-            </a:xfrm>
-            <a:prstGeom prst="rect">
-              <a:avLst/>
-            </a:prstGeom>
+              </a:rPr>
+              <a:t>GSC2</a:t>
+            </a:r>
+            <a:endParaRPr lang="en-US" sz="900" b="1" dirty="0">
+              <a:solidFill>
+                <a:schemeClr val="tx1"/>
+              </a:solidFill>
+              <a:latin typeface="Cambria Math" panose="02040503050406030204" pitchFamily="18" charset="0"/>
+              <a:ea typeface="Cambria Math" panose="02040503050406030204" pitchFamily="18" charset="0"/>
+            </a:endParaRPr>
+          </a:p>
+        </p:txBody>
+      </p:sp>
+      <p:cxnSp>
+        <p:nvCxnSpPr>
+          <p:cNvPr id="41" name="Straight Arrow Connector 40"/>
+          <p:cNvCxnSpPr/>
+          <p:nvPr/>
+        </p:nvCxnSpPr>
+        <p:spPr>
+          <a:xfrm flipH="1">
+            <a:off x="6089590" y="3442628"/>
+            <a:ext cx="0" cy="114112"/>
+          </a:xfrm>
+          <a:prstGeom prst="straightConnector1">
+            <a:avLst/>
+          </a:prstGeom>
+          <a:ln w="12700">
             <a:solidFill>
               <a:schemeClr val="bg1"/>
             </a:solidFill>
-            <a:ln>
-              <a:solidFill>
-                <a:schemeClr val="bg1"/>
-              </a:solidFill>
-            </a:ln>
-          </p:spPr>
-          <p:style>
-            <a:lnRef idx="2">
-              <a:schemeClr val="accent1">
-                <a:shade val="50000"/>
-              </a:schemeClr>
-            </a:lnRef>
-            <a:fillRef idx="1">
-              <a:schemeClr val="accent1"/>
-            </a:fillRef>
-            <a:effectRef idx="0">
-              <a:schemeClr val="accent1"/>
-            </a:effectRef>
-            <a:fontRef idx="minor">
-              <a:schemeClr val="lt1"/>
-            </a:fontRef>
-          </p:style>
-          <p:txBody>
-            <a:bodyPr lIns="0" tIns="0" rIns="0" bIns="0" rtlCol="0" anchor="t"/>
-            <a:lstStyle/>
-            <a:p>
-              <a:endParaRPr lang="en-US" dirty="0">
+            <a:tailEnd type="triangle"/>
+          </a:ln>
+        </p:spPr>
+        <p:style>
+          <a:lnRef idx="1">
+            <a:schemeClr val="accent1"/>
+          </a:lnRef>
+          <a:fillRef idx="0">
+            <a:schemeClr val="accent1"/>
+          </a:fillRef>
+          <a:effectRef idx="0">
+            <a:schemeClr val="accent1"/>
+          </a:effectRef>
+          <a:fontRef idx="minor">
+            <a:schemeClr val="tx1"/>
+          </a:fontRef>
+        </p:style>
+      </p:cxnSp>
+      <p:cxnSp>
+        <p:nvCxnSpPr>
+          <p:cNvPr id="42" name="Straight Arrow Connector 41"/>
+          <p:cNvCxnSpPr/>
+          <p:nvPr/>
+        </p:nvCxnSpPr>
+        <p:spPr>
+          <a:xfrm>
+            <a:off x="6003851" y="3440255"/>
+            <a:ext cx="91160" cy="0"/>
+          </a:xfrm>
+          <a:prstGeom prst="straightConnector1">
+            <a:avLst/>
+          </a:prstGeom>
+          <a:ln w="12700">
+            <a:solidFill>
+              <a:schemeClr val="bg1"/>
+            </a:solidFill>
+            <a:headEnd type="none" w="med" len="med"/>
+            <a:tailEnd type="none" w="med" len="med"/>
+          </a:ln>
+        </p:spPr>
+        <p:style>
+          <a:lnRef idx="1">
+            <a:schemeClr val="accent1"/>
+          </a:lnRef>
+          <a:fillRef idx="0">
+            <a:schemeClr val="accent1"/>
+          </a:fillRef>
+          <a:effectRef idx="0">
+            <a:schemeClr val="accent1"/>
+          </a:effectRef>
+          <a:fontRef idx="minor">
+            <a:schemeClr val="tx1"/>
+          </a:fontRef>
+        </p:style>
+      </p:cxnSp>
+      <p:sp>
+        <p:nvSpPr>
+          <p:cNvPr id="43" name="Rectangle 42"/>
+          <p:cNvSpPr/>
+          <p:nvPr/>
+        </p:nvSpPr>
+        <p:spPr>
+          <a:xfrm flipH="1">
+            <a:off x="6052973" y="3273552"/>
+            <a:ext cx="292114" cy="119440"/>
+          </a:xfrm>
+          <a:prstGeom prst="rect">
+            <a:avLst/>
+          </a:prstGeom>
+          <a:solidFill>
+            <a:schemeClr val="bg1"/>
+          </a:solidFill>
+          <a:ln>
+            <a:solidFill>
+              <a:schemeClr val="bg1"/>
+            </a:solidFill>
+          </a:ln>
+        </p:spPr>
+        <p:style>
+          <a:lnRef idx="2">
+            <a:schemeClr val="accent1">
+              <a:shade val="50000"/>
+            </a:schemeClr>
+          </a:lnRef>
+          <a:fillRef idx="1">
+            <a:schemeClr val="accent1"/>
+          </a:fillRef>
+          <a:effectRef idx="0">
+            <a:schemeClr val="accent1"/>
+          </a:effectRef>
+          <a:fontRef idx="minor">
+            <a:schemeClr val="lt1"/>
+          </a:fontRef>
+        </p:style>
+        <p:txBody>
+          <a:bodyPr lIns="0" tIns="0" rIns="0" bIns="0" rtlCol="0" anchor="ctr"/>
+          <a:lstStyle/>
+          <a:p>
+            <a:pPr algn="ctr"/>
+            <a:r>
+              <a:rPr lang="en-US" sz="900" b="1" dirty="0" smtClean="0">
                 <a:solidFill>
                   <a:schemeClr val="tx1"/>
                 </a:solidFill>
                 <a:latin typeface="Cambria Math" panose="02040503050406030204" pitchFamily="18" charset="0"/>
                 <a:ea typeface="Cambria Math" panose="02040503050406030204" pitchFamily="18" charset="0"/>
-              </a:endParaRPr>
-            </a:p>
-          </p:txBody>
-        </p:sp>
-        <p:sp>
-          <p:nvSpPr>
-            <p:cNvPr id="70" name="Rectangle 69"/>
-            <p:cNvSpPr/>
-            <p:nvPr/>
-          </p:nvSpPr>
-          <p:spPr>
-            <a:xfrm flipH="1">
-              <a:off x="1356324" y="3712780"/>
-              <a:ext cx="1570722" cy="181759"/>
-            </a:xfrm>
-            <a:prstGeom prst="rect">
-              <a:avLst/>
-            </a:prstGeom>
+              </a:rPr>
+              <a:t>HLTF</a:t>
+            </a:r>
+            <a:endParaRPr lang="en-US" sz="900" b="1" dirty="0">
+              <a:solidFill>
+                <a:schemeClr val="tx1"/>
+              </a:solidFill>
+              <a:latin typeface="Cambria Math" panose="02040503050406030204" pitchFamily="18" charset="0"/>
+              <a:ea typeface="Cambria Math" panose="02040503050406030204" pitchFamily="18" charset="0"/>
+            </a:endParaRPr>
+          </a:p>
+        </p:txBody>
+      </p:sp>
+      <p:cxnSp>
+        <p:nvCxnSpPr>
+          <p:cNvPr id="44" name="Straight Arrow Connector 43"/>
+          <p:cNvCxnSpPr/>
+          <p:nvPr/>
+        </p:nvCxnSpPr>
+        <p:spPr>
+          <a:xfrm flipH="1">
+            <a:off x="6384060" y="3342566"/>
+            <a:ext cx="0" cy="219501"/>
+          </a:xfrm>
+          <a:prstGeom prst="straightConnector1">
+            <a:avLst/>
+          </a:prstGeom>
+          <a:ln w="12700">
             <a:solidFill>
               <a:schemeClr val="bg1"/>
             </a:solidFill>
-            <a:ln>
-              <a:solidFill>
-                <a:schemeClr val="bg1"/>
-              </a:solidFill>
-            </a:ln>
-          </p:spPr>
-          <p:style>
-            <a:lnRef idx="2">
-              <a:schemeClr val="accent1">
-                <a:shade val="50000"/>
-              </a:schemeClr>
-            </a:lnRef>
-            <a:fillRef idx="1">
-              <a:schemeClr val="accent1"/>
-            </a:fillRef>
-            <a:effectRef idx="0">
-              <a:schemeClr val="accent1"/>
-            </a:effectRef>
-            <a:fontRef idx="minor">
-              <a:schemeClr val="lt1"/>
-            </a:fontRef>
-          </p:style>
-          <p:txBody>
-            <a:bodyPr lIns="0" tIns="0" rIns="0" bIns="0" rtlCol="0" anchor="t"/>
-            <a:lstStyle/>
-            <a:p>
-              <a:endParaRPr lang="en-US" dirty="0">
+            <a:tailEnd type="triangle"/>
+          </a:ln>
+        </p:spPr>
+        <p:style>
+          <a:lnRef idx="1">
+            <a:schemeClr val="accent1"/>
+          </a:lnRef>
+          <a:fillRef idx="0">
+            <a:schemeClr val="accent1"/>
+          </a:fillRef>
+          <a:effectRef idx="0">
+            <a:schemeClr val="accent1"/>
+          </a:effectRef>
+          <a:fontRef idx="minor">
+            <a:schemeClr val="tx1"/>
+          </a:fontRef>
+        </p:style>
+      </p:cxnSp>
+      <p:cxnSp>
+        <p:nvCxnSpPr>
+          <p:cNvPr id="45" name="Straight Arrow Connector 44"/>
+          <p:cNvCxnSpPr/>
+          <p:nvPr/>
+        </p:nvCxnSpPr>
+        <p:spPr>
+          <a:xfrm>
+            <a:off x="6343182" y="3342894"/>
+            <a:ext cx="46947" cy="0"/>
+          </a:xfrm>
+          <a:prstGeom prst="straightConnector1">
+            <a:avLst/>
+          </a:prstGeom>
+          <a:ln w="12700">
+            <a:solidFill>
+              <a:schemeClr val="bg1"/>
+            </a:solidFill>
+            <a:headEnd type="none" w="med" len="med"/>
+            <a:tailEnd type="none" w="med" len="med"/>
+          </a:ln>
+        </p:spPr>
+        <p:style>
+          <a:lnRef idx="1">
+            <a:schemeClr val="accent1"/>
+          </a:lnRef>
+          <a:fillRef idx="0">
+            <a:schemeClr val="accent1"/>
+          </a:fillRef>
+          <a:effectRef idx="0">
+            <a:schemeClr val="accent1"/>
+          </a:effectRef>
+          <a:fontRef idx="minor">
+            <a:schemeClr val="tx1"/>
+          </a:fontRef>
+        </p:style>
+      </p:cxnSp>
+      <p:sp>
+        <p:nvSpPr>
+          <p:cNvPr id="46" name="Rectangle 45"/>
+          <p:cNvSpPr/>
+          <p:nvPr/>
+        </p:nvSpPr>
+        <p:spPr>
+          <a:xfrm>
+            <a:off x="6510758" y="3273552"/>
+            <a:ext cx="286064" cy="119440"/>
+          </a:xfrm>
+          <a:prstGeom prst="rect">
+            <a:avLst/>
+          </a:prstGeom>
+          <a:solidFill>
+            <a:schemeClr val="bg1"/>
+          </a:solidFill>
+          <a:ln>
+            <a:solidFill>
+              <a:schemeClr val="bg1"/>
+            </a:solidFill>
+          </a:ln>
+        </p:spPr>
+        <p:style>
+          <a:lnRef idx="2">
+            <a:schemeClr val="accent1">
+              <a:shade val="50000"/>
+            </a:schemeClr>
+          </a:lnRef>
+          <a:fillRef idx="1">
+            <a:schemeClr val="accent1"/>
+          </a:fillRef>
+          <a:effectRef idx="0">
+            <a:schemeClr val="accent1"/>
+          </a:effectRef>
+          <a:fontRef idx="minor">
+            <a:schemeClr val="lt1"/>
+          </a:fontRef>
+        </p:style>
+        <p:txBody>
+          <a:bodyPr lIns="0" tIns="0" rIns="0" bIns="0" rtlCol="0" anchor="ctr"/>
+          <a:lstStyle/>
+          <a:p>
+            <a:pPr algn="ctr"/>
+            <a:r>
+              <a:rPr lang="en-US" sz="900" b="1" dirty="0" smtClean="0">
                 <a:solidFill>
                   <a:schemeClr val="tx1"/>
                 </a:solidFill>
                 <a:latin typeface="Cambria Math" panose="02040503050406030204" pitchFamily="18" charset="0"/>
                 <a:ea typeface="Cambria Math" panose="02040503050406030204" pitchFamily="18" charset="0"/>
-              </a:endParaRPr>
-            </a:p>
-          </p:txBody>
-        </p:sp>
-        <p:sp>
-          <p:nvSpPr>
-            <p:cNvPr id="71" name="Rectangle 70"/>
-            <p:cNvSpPr/>
-            <p:nvPr/>
-          </p:nvSpPr>
-          <p:spPr>
-            <a:xfrm flipH="1">
-              <a:off x="1579359" y="3913394"/>
-              <a:ext cx="1570722" cy="181759"/>
-            </a:xfrm>
-            <a:prstGeom prst="rect">
-              <a:avLst/>
-            </a:prstGeom>
+              </a:rPr>
+              <a:t>HLTF</a:t>
+            </a:r>
+            <a:endParaRPr lang="en-US" sz="900" b="1" dirty="0">
+              <a:solidFill>
+                <a:schemeClr val="tx1"/>
+              </a:solidFill>
+              <a:latin typeface="Cambria Math" panose="02040503050406030204" pitchFamily="18" charset="0"/>
+              <a:ea typeface="Cambria Math" panose="02040503050406030204" pitchFamily="18" charset="0"/>
+            </a:endParaRPr>
+          </a:p>
+        </p:txBody>
+      </p:sp>
+      <p:cxnSp>
+        <p:nvCxnSpPr>
+          <p:cNvPr id="47" name="Straight Arrow Connector 46"/>
+          <p:cNvCxnSpPr/>
+          <p:nvPr/>
+        </p:nvCxnSpPr>
+        <p:spPr>
+          <a:xfrm flipH="1">
+            <a:off x="6475531" y="3336939"/>
+            <a:ext cx="0" cy="225128"/>
+          </a:xfrm>
+          <a:prstGeom prst="straightConnector1">
+            <a:avLst/>
+          </a:prstGeom>
+          <a:ln w="12700">
             <a:solidFill>
               <a:schemeClr val="bg1"/>
             </a:solidFill>
-            <a:ln>
-              <a:solidFill>
-                <a:schemeClr val="bg1"/>
-              </a:solidFill>
-            </a:ln>
-          </p:spPr>
-          <p:style>
-            <a:lnRef idx="2">
-              <a:schemeClr val="accent1">
-                <a:shade val="50000"/>
-              </a:schemeClr>
-            </a:lnRef>
-            <a:fillRef idx="1">
-              <a:schemeClr val="accent1"/>
-            </a:fillRef>
-            <a:effectRef idx="0">
-              <a:schemeClr val="accent1"/>
-            </a:effectRef>
-            <a:fontRef idx="minor">
-              <a:schemeClr val="lt1"/>
-            </a:fontRef>
-          </p:style>
-          <p:txBody>
-            <a:bodyPr lIns="0" tIns="0" rIns="0" bIns="0" rtlCol="0" anchor="t"/>
-            <a:lstStyle/>
-            <a:p>
-              <a:endParaRPr lang="en-US" dirty="0">
+            <a:tailEnd type="triangle"/>
+          </a:ln>
+        </p:spPr>
+        <p:style>
+          <a:lnRef idx="1">
+            <a:schemeClr val="accent1"/>
+          </a:lnRef>
+          <a:fillRef idx="0">
+            <a:schemeClr val="accent1"/>
+          </a:fillRef>
+          <a:effectRef idx="0">
+            <a:schemeClr val="accent1"/>
+          </a:effectRef>
+          <a:fontRef idx="minor">
+            <a:schemeClr val="tx1"/>
+          </a:fontRef>
+        </p:style>
+      </p:cxnSp>
+      <p:cxnSp>
+        <p:nvCxnSpPr>
+          <p:cNvPr id="48" name="Straight Arrow Connector 47"/>
+          <p:cNvCxnSpPr/>
+          <p:nvPr/>
+        </p:nvCxnSpPr>
+        <p:spPr>
+          <a:xfrm flipH="1">
+            <a:off x="6469863" y="3342566"/>
+            <a:ext cx="41973" cy="1"/>
+          </a:xfrm>
+          <a:prstGeom prst="straightConnector1">
+            <a:avLst/>
+          </a:prstGeom>
+          <a:ln w="12700">
+            <a:solidFill>
+              <a:schemeClr val="bg1"/>
+            </a:solidFill>
+            <a:headEnd type="none" w="med" len="med"/>
+            <a:tailEnd type="none" w="med" len="med"/>
+          </a:ln>
+        </p:spPr>
+        <p:style>
+          <a:lnRef idx="1">
+            <a:schemeClr val="accent1"/>
+          </a:lnRef>
+          <a:fillRef idx="0">
+            <a:schemeClr val="accent1"/>
+          </a:fillRef>
+          <a:effectRef idx="0">
+            <a:schemeClr val="accent1"/>
+          </a:effectRef>
+          <a:fontRef idx="minor">
+            <a:schemeClr val="tx1"/>
+          </a:fontRef>
+        </p:style>
+      </p:cxnSp>
+      <p:cxnSp>
+        <p:nvCxnSpPr>
+          <p:cNvPr id="50" name="Straight Arrow Connector 49"/>
+          <p:cNvCxnSpPr/>
+          <p:nvPr/>
+        </p:nvCxnSpPr>
+        <p:spPr>
+          <a:xfrm flipH="1">
+            <a:off x="6998698" y="3332443"/>
+            <a:ext cx="1048" cy="229233"/>
+          </a:xfrm>
+          <a:prstGeom prst="straightConnector1">
+            <a:avLst/>
+          </a:prstGeom>
+          <a:ln w="12700">
+            <a:solidFill>
+              <a:schemeClr val="bg1"/>
+            </a:solidFill>
+            <a:tailEnd type="triangle"/>
+          </a:ln>
+        </p:spPr>
+        <p:style>
+          <a:lnRef idx="1">
+            <a:schemeClr val="accent1"/>
+          </a:lnRef>
+          <a:fillRef idx="0">
+            <a:schemeClr val="accent1"/>
+          </a:fillRef>
+          <a:effectRef idx="0">
+            <a:schemeClr val="accent1"/>
+          </a:effectRef>
+          <a:fontRef idx="minor">
+            <a:schemeClr val="tx1"/>
+          </a:fontRef>
+        </p:style>
+      </p:cxnSp>
+      <p:sp>
+        <p:nvSpPr>
+          <p:cNvPr id="49" name="Rectangle 48"/>
+          <p:cNvSpPr/>
+          <p:nvPr/>
+        </p:nvSpPr>
+        <p:spPr>
+          <a:xfrm flipH="1">
+            <a:off x="6899706" y="3273552"/>
+            <a:ext cx="195023" cy="119440"/>
+          </a:xfrm>
+          <a:prstGeom prst="rect">
+            <a:avLst/>
+          </a:prstGeom>
+          <a:solidFill>
+            <a:schemeClr val="bg1"/>
+          </a:solidFill>
+          <a:ln>
+            <a:solidFill>
+              <a:schemeClr val="bg1"/>
+            </a:solidFill>
+          </a:ln>
+        </p:spPr>
+        <p:style>
+          <a:lnRef idx="2">
+            <a:schemeClr val="accent1">
+              <a:shade val="50000"/>
+            </a:schemeClr>
+          </a:lnRef>
+          <a:fillRef idx="1">
+            <a:schemeClr val="accent1"/>
+          </a:fillRef>
+          <a:effectRef idx="0">
+            <a:schemeClr val="accent1"/>
+          </a:effectRef>
+          <a:fontRef idx="minor">
+            <a:schemeClr val="lt1"/>
+          </a:fontRef>
+        </p:style>
+        <p:txBody>
+          <a:bodyPr lIns="0" tIns="0" rIns="0" bIns="0" rtlCol="0" anchor="ctr"/>
+          <a:lstStyle/>
+          <a:p>
+            <a:pPr algn="ctr"/>
+            <a:r>
+              <a:rPr lang="en-US" sz="900" b="1" dirty="0" smtClean="0">
                 <a:solidFill>
                   <a:schemeClr val="tx1"/>
                 </a:solidFill>
                 <a:latin typeface="Cambria Math" panose="02040503050406030204" pitchFamily="18" charset="0"/>
                 <a:ea typeface="Cambria Math" panose="02040503050406030204" pitchFamily="18" charset="0"/>
-              </a:endParaRPr>
-            </a:p>
-          </p:txBody>
-        </p:sp>
-        <p:sp>
-          <p:nvSpPr>
-            <p:cNvPr id="72" name="Rectangle 71"/>
-            <p:cNvSpPr/>
-            <p:nvPr/>
-          </p:nvSpPr>
-          <p:spPr>
-            <a:xfrm flipH="1">
-              <a:off x="3822342" y="738341"/>
-              <a:ext cx="3683667" cy="204573"/>
-            </a:xfrm>
-            <a:prstGeom prst="rect">
-              <a:avLst/>
-            </a:prstGeom>
-            <a:solidFill>
-              <a:schemeClr val="bg1"/>
-            </a:solidFill>
-            <a:ln>
-              <a:solidFill>
-                <a:schemeClr val="bg1"/>
-              </a:solidFill>
-            </a:ln>
-          </p:spPr>
-          <p:style>
-            <a:lnRef idx="2">
-              <a:schemeClr val="accent1">
-                <a:shade val="50000"/>
-              </a:schemeClr>
-            </a:lnRef>
-            <a:fillRef idx="1">
-              <a:schemeClr val="accent1"/>
-            </a:fillRef>
-            <a:effectRef idx="0">
-              <a:schemeClr val="accent1"/>
-            </a:effectRef>
-            <a:fontRef idx="minor">
-              <a:schemeClr val="lt1"/>
-            </a:fontRef>
-          </p:style>
-          <p:txBody>
-            <a:bodyPr lIns="0" tIns="0" rIns="0" bIns="0" rtlCol="0" anchor="t"/>
-            <a:lstStyle/>
-            <a:p>
-              <a:endParaRPr lang="en-US" dirty="0">
-                <a:solidFill>
-                  <a:schemeClr val="tx1"/>
-                </a:solidFill>
-                <a:latin typeface="Cambria Math" panose="02040503050406030204" pitchFamily="18" charset="0"/>
-                <a:ea typeface="Cambria Math" panose="02040503050406030204" pitchFamily="18" charset="0"/>
-              </a:endParaRPr>
-            </a:p>
-          </p:txBody>
-        </p:sp>
-        <p:sp>
-          <p:nvSpPr>
-            <p:cNvPr id="73" name="Rectangle 72"/>
-            <p:cNvSpPr/>
-            <p:nvPr/>
-          </p:nvSpPr>
-          <p:spPr>
-            <a:xfrm flipH="1">
-              <a:off x="1788149" y="765976"/>
-              <a:ext cx="5306580" cy="267533"/>
-            </a:xfrm>
-            <a:prstGeom prst="rect">
-              <a:avLst/>
-            </a:prstGeom>
-            <a:solidFill>
-              <a:schemeClr val="bg1"/>
-            </a:solidFill>
-            <a:ln>
-              <a:solidFill>
-                <a:schemeClr val="bg1"/>
-              </a:solidFill>
-            </a:ln>
-          </p:spPr>
-          <p:style>
-            <a:lnRef idx="2">
-              <a:schemeClr val="accent1">
-                <a:shade val="50000"/>
-              </a:schemeClr>
-            </a:lnRef>
-            <a:fillRef idx="1">
-              <a:schemeClr val="accent1"/>
-            </a:fillRef>
-            <a:effectRef idx="0">
-              <a:schemeClr val="accent1"/>
-            </a:effectRef>
-            <a:fontRef idx="minor">
-              <a:schemeClr val="lt1"/>
-            </a:fontRef>
-          </p:style>
-          <p:txBody>
-            <a:bodyPr lIns="0" tIns="0" rIns="0" bIns="0" rtlCol="0" anchor="t"/>
-            <a:lstStyle/>
-            <a:p>
-              <a:endParaRPr lang="en-US" dirty="0">
-                <a:solidFill>
-                  <a:schemeClr val="tx1"/>
-                </a:solidFill>
-                <a:latin typeface="Cambria Math" panose="02040503050406030204" pitchFamily="18" charset="0"/>
-                <a:ea typeface="Cambria Math" panose="02040503050406030204" pitchFamily="18" charset="0"/>
-              </a:endParaRPr>
-            </a:p>
-          </p:txBody>
-        </p:sp>
-        <p:sp>
-          <p:nvSpPr>
-            <p:cNvPr id="74" name="Rectangle 73"/>
-            <p:cNvSpPr/>
-            <p:nvPr/>
-          </p:nvSpPr>
-          <p:spPr>
-            <a:xfrm flipH="1">
-              <a:off x="1580109" y="733890"/>
-              <a:ext cx="1310807" cy="275783"/>
-            </a:xfrm>
-            <a:prstGeom prst="rect">
-              <a:avLst/>
-            </a:prstGeom>
-            <a:solidFill>
-              <a:schemeClr val="bg1"/>
-            </a:solidFill>
-            <a:ln>
-              <a:solidFill>
-                <a:schemeClr val="bg1"/>
-              </a:solidFill>
-            </a:ln>
-          </p:spPr>
-          <p:style>
-            <a:lnRef idx="2">
-              <a:schemeClr val="accent1">
-                <a:shade val="50000"/>
-              </a:schemeClr>
-            </a:lnRef>
-            <a:fillRef idx="1">
-              <a:schemeClr val="accent1"/>
-            </a:fillRef>
-            <a:effectRef idx="0">
-              <a:schemeClr val="accent1"/>
-            </a:effectRef>
-            <a:fontRef idx="minor">
-              <a:schemeClr val="lt1"/>
-            </a:fontRef>
-          </p:style>
-          <p:txBody>
-            <a:bodyPr lIns="0" tIns="0" rIns="0" bIns="0" rtlCol="0" anchor="t"/>
-            <a:lstStyle/>
-            <a:p>
-              <a:endParaRPr lang="en-US" dirty="0">
-                <a:solidFill>
-                  <a:schemeClr val="tx1"/>
-                </a:solidFill>
-                <a:latin typeface="Cambria Math" panose="02040503050406030204" pitchFamily="18" charset="0"/>
-                <a:ea typeface="Cambria Math" panose="02040503050406030204" pitchFamily="18" charset="0"/>
-              </a:endParaRPr>
-            </a:p>
-          </p:txBody>
-        </p:sp>
-        <p:sp>
-          <p:nvSpPr>
-            <p:cNvPr id="75" name="Rectangle 74"/>
-            <p:cNvSpPr/>
-            <p:nvPr/>
-          </p:nvSpPr>
-          <p:spPr>
-            <a:xfrm flipH="1">
-              <a:off x="1603924" y="1032650"/>
-              <a:ext cx="549820" cy="49389"/>
-            </a:xfrm>
-            <a:prstGeom prst="rect">
-              <a:avLst/>
-            </a:prstGeom>
-            <a:solidFill>
-              <a:schemeClr val="bg1"/>
-            </a:solidFill>
-            <a:ln>
-              <a:solidFill>
-                <a:schemeClr val="bg1"/>
-              </a:solidFill>
-            </a:ln>
-          </p:spPr>
-          <p:style>
-            <a:lnRef idx="2">
-              <a:schemeClr val="accent1">
-                <a:shade val="50000"/>
-              </a:schemeClr>
-            </a:lnRef>
-            <a:fillRef idx="1">
-              <a:schemeClr val="accent1"/>
-            </a:fillRef>
-            <a:effectRef idx="0">
-              <a:schemeClr val="accent1"/>
-            </a:effectRef>
-            <a:fontRef idx="minor">
-              <a:schemeClr val="lt1"/>
-            </a:fontRef>
-          </p:style>
-          <p:txBody>
-            <a:bodyPr lIns="0" tIns="0" rIns="0" bIns="0" rtlCol="0" anchor="t"/>
-            <a:lstStyle/>
-            <a:p>
-              <a:endParaRPr lang="en-US" dirty="0">
-                <a:solidFill>
-                  <a:schemeClr val="tx1"/>
-                </a:solidFill>
-                <a:latin typeface="Cambria Math" panose="02040503050406030204" pitchFamily="18" charset="0"/>
-                <a:ea typeface="Cambria Math" panose="02040503050406030204" pitchFamily="18" charset="0"/>
-              </a:endParaRPr>
-            </a:p>
-          </p:txBody>
-        </p:sp>
-        <p:sp>
-          <p:nvSpPr>
-            <p:cNvPr id="86" name="Rectangle 85"/>
-            <p:cNvSpPr/>
-            <p:nvPr/>
-          </p:nvSpPr>
-          <p:spPr>
-            <a:xfrm flipH="1">
-              <a:off x="6495549" y="3667244"/>
-              <a:ext cx="4678357" cy="453567"/>
-            </a:xfrm>
-            <a:prstGeom prst="rect">
-              <a:avLst/>
-            </a:prstGeom>
-            <a:solidFill>
-              <a:schemeClr val="bg1"/>
-            </a:solidFill>
-            <a:ln>
-              <a:solidFill>
-                <a:schemeClr val="bg1"/>
-              </a:solidFill>
-            </a:ln>
-          </p:spPr>
-          <p:style>
-            <a:lnRef idx="2">
-              <a:schemeClr val="accent1">
-                <a:shade val="50000"/>
-              </a:schemeClr>
-            </a:lnRef>
-            <a:fillRef idx="1">
-              <a:schemeClr val="accent1"/>
-            </a:fillRef>
-            <a:effectRef idx="0">
-              <a:schemeClr val="accent1"/>
-            </a:effectRef>
-            <a:fontRef idx="minor">
-              <a:schemeClr val="lt1"/>
-            </a:fontRef>
-          </p:style>
-          <p:txBody>
-            <a:bodyPr lIns="0" tIns="0" rIns="0" bIns="0" rtlCol="0" anchor="t"/>
-            <a:lstStyle/>
-            <a:p>
-              <a:endParaRPr lang="en-US" dirty="0">
-                <a:solidFill>
-                  <a:schemeClr val="tx1"/>
-                </a:solidFill>
-                <a:latin typeface="Cambria Math" panose="02040503050406030204" pitchFamily="18" charset="0"/>
-                <a:ea typeface="Cambria Math" panose="02040503050406030204" pitchFamily="18" charset="0"/>
-              </a:endParaRPr>
-            </a:p>
-          </p:txBody>
-        </p:sp>
-        <p:sp>
-          <p:nvSpPr>
-            <p:cNvPr id="87" name="Rectangle 86"/>
-            <p:cNvSpPr/>
-            <p:nvPr/>
-          </p:nvSpPr>
-          <p:spPr>
-            <a:xfrm flipH="1">
-              <a:off x="6101193" y="3667243"/>
-              <a:ext cx="583431" cy="366651"/>
-            </a:xfrm>
-            <a:prstGeom prst="rect">
-              <a:avLst/>
-            </a:prstGeom>
-            <a:solidFill>
-              <a:schemeClr val="bg1"/>
-            </a:solidFill>
-            <a:ln>
-              <a:solidFill>
-                <a:schemeClr val="bg1"/>
-              </a:solidFill>
-            </a:ln>
-          </p:spPr>
-          <p:style>
-            <a:lnRef idx="2">
-              <a:schemeClr val="accent1">
-                <a:shade val="50000"/>
-              </a:schemeClr>
-            </a:lnRef>
-            <a:fillRef idx="1">
-              <a:schemeClr val="accent1"/>
-            </a:fillRef>
-            <a:effectRef idx="0">
-              <a:schemeClr val="accent1"/>
-            </a:effectRef>
-            <a:fontRef idx="minor">
-              <a:schemeClr val="lt1"/>
-            </a:fontRef>
-          </p:style>
-          <p:txBody>
-            <a:bodyPr lIns="0" tIns="0" rIns="0" bIns="0" rtlCol="0" anchor="t"/>
-            <a:lstStyle/>
-            <a:p>
-              <a:endParaRPr lang="en-US" dirty="0">
-                <a:solidFill>
-                  <a:schemeClr val="tx1"/>
-                </a:solidFill>
-                <a:latin typeface="Cambria Math" panose="02040503050406030204" pitchFamily="18" charset="0"/>
-                <a:ea typeface="Cambria Math" panose="02040503050406030204" pitchFamily="18" charset="0"/>
-              </a:endParaRPr>
-            </a:p>
-          </p:txBody>
-        </p:sp>
-        <p:sp>
-          <p:nvSpPr>
-            <p:cNvPr id="88" name="Rectangle 87"/>
-            <p:cNvSpPr/>
-            <p:nvPr/>
-          </p:nvSpPr>
-          <p:spPr>
-            <a:xfrm flipH="1">
-              <a:off x="5822686" y="3740712"/>
-              <a:ext cx="583431" cy="366651"/>
-            </a:xfrm>
-            <a:prstGeom prst="rect">
-              <a:avLst/>
-            </a:prstGeom>
-            <a:solidFill>
-              <a:schemeClr val="bg1"/>
-            </a:solidFill>
-            <a:ln>
-              <a:solidFill>
-                <a:schemeClr val="bg1"/>
-              </a:solidFill>
-            </a:ln>
-          </p:spPr>
-          <p:style>
-            <a:lnRef idx="2">
-              <a:schemeClr val="accent1">
-                <a:shade val="50000"/>
-              </a:schemeClr>
-            </a:lnRef>
-            <a:fillRef idx="1">
-              <a:schemeClr val="accent1"/>
-            </a:fillRef>
-            <a:effectRef idx="0">
-              <a:schemeClr val="accent1"/>
-            </a:effectRef>
-            <a:fontRef idx="minor">
-              <a:schemeClr val="lt1"/>
-            </a:fontRef>
-          </p:style>
-          <p:txBody>
-            <a:bodyPr lIns="0" tIns="0" rIns="0" bIns="0" rtlCol="0" anchor="t"/>
-            <a:lstStyle/>
-            <a:p>
-              <a:endParaRPr lang="en-US" dirty="0">
-                <a:solidFill>
-                  <a:schemeClr val="tx1"/>
-                </a:solidFill>
-                <a:latin typeface="Cambria Math" panose="02040503050406030204" pitchFamily="18" charset="0"/>
-                <a:ea typeface="Cambria Math" panose="02040503050406030204" pitchFamily="18" charset="0"/>
-              </a:endParaRPr>
-            </a:p>
-          </p:txBody>
-        </p:sp>
-        <p:pic>
-          <p:nvPicPr>
-            <p:cNvPr id="85" name="Picture 84"/>
-            <p:cNvPicPr>
-              <a:picLocks noChangeAspect="1"/>
-            </p:cNvPicPr>
-            <p:nvPr/>
-          </p:nvPicPr>
-          <p:blipFill rotWithShape="1">
-            <a:blip r:embed="rId3">
-              <a:extLst>
-                <a:ext uri="{28A0092B-C50C-407E-A947-70E740481C1C}">
-                  <a14:useLocalDpi xmlns:a14="http://schemas.microsoft.com/office/drawing/2010/main" val="0"/>
-                </a:ext>
-              </a:extLst>
-            </a:blip>
-            <a:srcRect l="12221" t="87366" r="9192" b="11866"/>
-            <a:stretch/>
-          </p:blipFill>
-          <p:spPr>
-            <a:xfrm>
-              <a:off x="1469390" y="5688330"/>
-              <a:ext cx="9006840" cy="45719"/>
-            </a:xfrm>
-            <a:prstGeom prst="rect">
-              <a:avLst/>
-            </a:prstGeom>
-          </p:spPr>
-        </p:pic>
-        <p:sp>
-          <p:nvSpPr>
-            <p:cNvPr id="121" name="Rectangle 120"/>
-            <p:cNvSpPr/>
-            <p:nvPr/>
-          </p:nvSpPr>
-          <p:spPr>
-            <a:xfrm>
-              <a:off x="9515259" y="5825113"/>
-              <a:ext cx="1120719" cy="307777"/>
-            </a:xfrm>
-            <a:prstGeom prst="rect">
-              <a:avLst/>
-            </a:prstGeom>
-            <a:noFill/>
-            <a:ln>
-              <a:noFill/>
-            </a:ln>
-          </p:spPr>
-          <p:txBody>
-            <a:bodyPr wrap="square" anchor="ctr">
-              <a:spAutoFit/>
-            </a:bodyPr>
-            <a:lstStyle/>
-            <a:p>
-              <a:pPr algn="ctr"/>
-              <a:r>
-                <a:rPr lang="en-GB" sz="1400" dirty="0" smtClean="0">
-                  <a:latin typeface="Cambria Math" panose="02040503050406030204" pitchFamily="18" charset="0"/>
-                  <a:ea typeface="Cambria Math" panose="02040503050406030204" pitchFamily="18" charset="0"/>
-                </a:rPr>
-                <a:t>hg19:chr5</a:t>
-              </a:r>
-              <a:endParaRPr lang="en-US" sz="1400" b="0" dirty="0" smtClean="0">
-                <a:latin typeface="Cambria Math" panose="02040503050406030204" pitchFamily="18" charset="0"/>
-                <a:ea typeface="Cambria Math" panose="02040503050406030204" pitchFamily="18" charset="0"/>
-              </a:endParaRPr>
-            </a:p>
-          </p:txBody>
-        </p:sp>
-        <p:sp>
-          <p:nvSpPr>
-            <p:cNvPr id="158" name="Rectangle 157"/>
-            <p:cNvSpPr/>
-            <p:nvPr/>
-          </p:nvSpPr>
-          <p:spPr>
-            <a:xfrm>
-              <a:off x="10529982" y="1075147"/>
-              <a:ext cx="2161514" cy="372070"/>
-            </a:xfrm>
-            <a:prstGeom prst="rect">
-              <a:avLst/>
-            </a:prstGeom>
-            <a:solidFill>
-              <a:schemeClr val="bg1"/>
-            </a:solidFill>
-            <a:ln>
-              <a:solidFill>
-                <a:schemeClr val="bg1"/>
-              </a:solidFill>
-            </a:ln>
-          </p:spPr>
-          <p:txBody>
-            <a:bodyPr wrap="square" anchor="ctr">
-              <a:spAutoFit/>
-            </a:bodyPr>
-            <a:lstStyle/>
-            <a:p>
-              <a:r>
-                <a:rPr lang="en-US" b="1" dirty="0" smtClean="0">
-                  <a:latin typeface="Cambria Math" panose="02040503050406030204" pitchFamily="18" charset="0"/>
-                  <a:ea typeface="Cambria Math" panose="02040503050406030204" pitchFamily="18" charset="0"/>
-                </a:rPr>
-                <a:t>H3K27ac</a:t>
-              </a:r>
-            </a:p>
-          </p:txBody>
-        </p:sp>
-        <p:sp>
-          <p:nvSpPr>
-            <p:cNvPr id="159" name="Rectangle 158"/>
-            <p:cNvSpPr/>
-            <p:nvPr/>
-          </p:nvSpPr>
-          <p:spPr>
-            <a:xfrm>
-              <a:off x="10517831" y="2410455"/>
-              <a:ext cx="2161616" cy="310059"/>
-            </a:xfrm>
-            <a:prstGeom prst="rect">
-              <a:avLst/>
-            </a:prstGeom>
-            <a:solidFill>
-              <a:schemeClr val="bg1"/>
-            </a:solidFill>
-            <a:ln>
-              <a:solidFill>
-                <a:schemeClr val="bg1"/>
-              </a:solidFill>
-            </a:ln>
-          </p:spPr>
-          <p:txBody>
-            <a:bodyPr wrap="square" anchor="ctr">
-              <a:spAutoFit/>
-            </a:bodyPr>
-            <a:lstStyle/>
-            <a:p>
-              <a:r>
-                <a:rPr lang="en-GB" sz="1400" b="1" dirty="0" err="1" smtClean="0">
-                  <a:latin typeface="Cambria Math" panose="02040503050406030204" pitchFamily="18" charset="0"/>
-                  <a:ea typeface="Cambria Math" panose="02040503050406030204" pitchFamily="18" charset="0"/>
-                </a:rPr>
-                <a:t>ChromHMM</a:t>
-              </a:r>
-              <a:endParaRPr lang="en-US" b="1" dirty="0" smtClean="0">
-                <a:latin typeface="Cambria Math" panose="02040503050406030204" pitchFamily="18" charset="0"/>
-                <a:ea typeface="Cambria Math" panose="02040503050406030204" pitchFamily="18" charset="0"/>
-              </a:endParaRPr>
-            </a:p>
-          </p:txBody>
-        </p:sp>
-        <p:sp>
-          <p:nvSpPr>
-            <p:cNvPr id="160" name="Rectangle 159"/>
-            <p:cNvSpPr/>
-            <p:nvPr/>
-          </p:nvSpPr>
-          <p:spPr>
-            <a:xfrm>
-              <a:off x="10530867" y="4162705"/>
-              <a:ext cx="2160836" cy="372070"/>
-            </a:xfrm>
-            <a:prstGeom prst="rect">
-              <a:avLst/>
-            </a:prstGeom>
-            <a:solidFill>
-              <a:schemeClr val="bg1"/>
-            </a:solidFill>
-            <a:ln>
-              <a:solidFill>
-                <a:schemeClr val="bg1"/>
-              </a:solidFill>
-            </a:ln>
-          </p:spPr>
-          <p:txBody>
-            <a:bodyPr wrap="square" anchor="ctr">
-              <a:spAutoFit/>
-            </a:bodyPr>
-            <a:lstStyle/>
-            <a:p>
-              <a:r>
-                <a:rPr lang="en-US" b="1" dirty="0" smtClean="0">
-                  <a:latin typeface="Cambria Math" panose="02040503050406030204" pitchFamily="18" charset="0"/>
-                  <a:ea typeface="Cambria Math" panose="02040503050406030204" pitchFamily="18" charset="0"/>
-                </a:rPr>
-                <a:t>H3K27ac</a:t>
-              </a:r>
-            </a:p>
-          </p:txBody>
-        </p:sp>
-        <p:sp>
-          <p:nvSpPr>
-            <p:cNvPr id="161" name="Rectangle 160"/>
-            <p:cNvSpPr/>
-            <p:nvPr/>
-          </p:nvSpPr>
-          <p:spPr>
-            <a:xfrm>
-              <a:off x="10516334" y="5083986"/>
-              <a:ext cx="2171976" cy="372070"/>
-            </a:xfrm>
-            <a:prstGeom prst="rect">
-              <a:avLst/>
-            </a:prstGeom>
-            <a:solidFill>
-              <a:schemeClr val="bg1"/>
-            </a:solidFill>
-            <a:ln>
-              <a:solidFill>
-                <a:schemeClr val="bg1"/>
-              </a:solidFill>
-            </a:ln>
-          </p:spPr>
-          <p:txBody>
-            <a:bodyPr wrap="square" anchor="ctr">
-              <a:spAutoFit/>
-            </a:bodyPr>
-            <a:lstStyle/>
-            <a:p>
-              <a:r>
-                <a:rPr lang="en-US" b="1" dirty="0" smtClean="0">
-                  <a:latin typeface="Cambria Math" panose="02040503050406030204" pitchFamily="18" charset="0"/>
-                  <a:ea typeface="Cambria Math" panose="02040503050406030204" pitchFamily="18" charset="0"/>
-                </a:rPr>
-                <a:t>DNase-I</a:t>
-              </a:r>
-            </a:p>
-          </p:txBody>
-        </p:sp>
-        <p:sp>
-          <p:nvSpPr>
-            <p:cNvPr id="162" name="Rectangle 161"/>
-            <p:cNvSpPr/>
-            <p:nvPr/>
-          </p:nvSpPr>
-          <p:spPr>
-            <a:xfrm>
-              <a:off x="10505814" y="3102698"/>
-              <a:ext cx="2180040" cy="372070"/>
-            </a:xfrm>
-            <a:prstGeom prst="rect">
-              <a:avLst/>
-            </a:prstGeom>
-            <a:solidFill>
-              <a:schemeClr val="bg1"/>
-            </a:solidFill>
-            <a:ln>
-              <a:solidFill>
-                <a:schemeClr val="bg1"/>
-              </a:solidFill>
-            </a:ln>
-          </p:spPr>
-          <p:txBody>
-            <a:bodyPr wrap="square" anchor="ctr">
-              <a:spAutoFit/>
-            </a:bodyPr>
-            <a:lstStyle/>
-            <a:p>
-              <a:r>
-                <a:rPr lang="en-US" b="1" dirty="0">
-                  <a:latin typeface="Cambria Math" panose="02040503050406030204" pitchFamily="18" charset="0"/>
-                  <a:ea typeface="Cambria Math" panose="02040503050406030204" pitchFamily="18" charset="0"/>
-                </a:rPr>
-                <a:t>Posterior</a:t>
-              </a:r>
-              <a:r>
-                <a:rPr lang="en-US" sz="1600" b="1" dirty="0">
-                  <a:latin typeface="Cambria Math" panose="02040503050406030204" pitchFamily="18" charset="0"/>
-                  <a:ea typeface="Cambria Math" panose="02040503050406030204" pitchFamily="18" charset="0"/>
-                </a:rPr>
-                <a:t> </a:t>
-              </a:r>
-              <a:r>
-                <a:rPr lang="en-US" b="1" dirty="0" smtClean="0">
-                  <a:latin typeface="Cambria Math" panose="02040503050406030204" pitchFamily="18" charset="0"/>
-                  <a:ea typeface="Cambria Math" panose="02040503050406030204" pitchFamily="18" charset="0"/>
-                </a:rPr>
-                <a:t>Probability</a:t>
-              </a:r>
-              <a:endParaRPr lang="en-US" b="1" dirty="0">
-                <a:latin typeface="Cambria Math" panose="02040503050406030204" pitchFamily="18" charset="0"/>
-                <a:ea typeface="Cambria Math" panose="02040503050406030204" pitchFamily="18" charset="0"/>
-              </a:endParaRPr>
-            </a:p>
-          </p:txBody>
-        </p:sp>
-        <p:sp>
-          <p:nvSpPr>
-            <p:cNvPr id="163" name="Rectangle 162"/>
-            <p:cNvSpPr/>
-            <p:nvPr/>
-          </p:nvSpPr>
-          <p:spPr>
-            <a:xfrm>
-              <a:off x="10529982" y="1966288"/>
-              <a:ext cx="2161513" cy="372070"/>
-            </a:xfrm>
-            <a:prstGeom prst="rect">
-              <a:avLst/>
-            </a:prstGeom>
-            <a:solidFill>
-              <a:schemeClr val="bg1"/>
-            </a:solidFill>
-          </p:spPr>
-          <p:txBody>
-            <a:bodyPr wrap="square">
-              <a:spAutoFit/>
-            </a:bodyPr>
-            <a:lstStyle/>
-            <a:p>
-              <a:r>
-                <a:rPr lang="en-US" b="1" dirty="0">
-                  <a:latin typeface="Cambria Math" panose="02040503050406030204" pitchFamily="18" charset="0"/>
-                  <a:ea typeface="Cambria Math" panose="02040503050406030204" pitchFamily="18" charset="0"/>
-                </a:rPr>
-                <a:t>DNase-I</a:t>
-              </a:r>
-            </a:p>
-          </p:txBody>
-        </p:sp>
-        <p:sp>
-          <p:nvSpPr>
-            <p:cNvPr id="164" name="Rectangle 163"/>
-            <p:cNvSpPr/>
-            <p:nvPr/>
-          </p:nvSpPr>
-          <p:spPr>
-            <a:xfrm>
-              <a:off x="10529850" y="5487902"/>
-              <a:ext cx="2161616" cy="310059"/>
-            </a:xfrm>
-            <a:prstGeom prst="rect">
-              <a:avLst/>
-            </a:prstGeom>
-            <a:solidFill>
-              <a:schemeClr val="bg1"/>
-            </a:solidFill>
-            <a:ln>
-              <a:solidFill>
-                <a:schemeClr val="bg1"/>
-              </a:solidFill>
-            </a:ln>
-          </p:spPr>
-          <p:txBody>
-            <a:bodyPr wrap="square" anchor="ctr">
-              <a:spAutoFit/>
-            </a:bodyPr>
-            <a:lstStyle/>
-            <a:p>
-              <a:r>
-                <a:rPr lang="en-GB" sz="1400" b="1" dirty="0" err="1" smtClean="0">
-                  <a:latin typeface="Cambria Math" panose="02040503050406030204" pitchFamily="18" charset="0"/>
-                  <a:ea typeface="Cambria Math" panose="02040503050406030204" pitchFamily="18" charset="0"/>
-                </a:rPr>
-                <a:t>ChromHMM</a:t>
-              </a:r>
-              <a:endParaRPr lang="en-US" b="1" dirty="0" smtClean="0">
-                <a:latin typeface="Cambria Math" panose="02040503050406030204" pitchFamily="18" charset="0"/>
-                <a:ea typeface="Cambria Math" panose="02040503050406030204" pitchFamily="18" charset="0"/>
-              </a:endParaRPr>
-            </a:p>
-          </p:txBody>
-        </p:sp>
-        <p:sp>
-          <p:nvSpPr>
-            <p:cNvPr id="165" name="Rectangle 164"/>
-            <p:cNvSpPr/>
-            <p:nvPr/>
-          </p:nvSpPr>
-          <p:spPr>
-            <a:xfrm>
-              <a:off x="10529982" y="3454777"/>
-              <a:ext cx="2161616" cy="310059"/>
-            </a:xfrm>
-            <a:prstGeom prst="rect">
-              <a:avLst/>
-            </a:prstGeom>
-            <a:solidFill>
-              <a:schemeClr val="bg1"/>
-            </a:solidFill>
-            <a:ln>
-              <a:solidFill>
-                <a:schemeClr val="bg1"/>
-              </a:solidFill>
-            </a:ln>
-          </p:spPr>
-          <p:txBody>
-            <a:bodyPr wrap="square" anchor="ctr">
-              <a:spAutoFit/>
-            </a:bodyPr>
-            <a:lstStyle/>
-            <a:p>
-              <a:r>
-                <a:rPr lang="en-GB" sz="1400" b="1" dirty="0" smtClean="0">
-                  <a:latin typeface="Cambria Math" panose="02040503050406030204" pitchFamily="18" charset="0"/>
-                  <a:ea typeface="Cambria Math" panose="02040503050406030204" pitchFamily="18" charset="0"/>
-                </a:rPr>
-                <a:t>Viterbi Path</a:t>
-              </a:r>
-              <a:endParaRPr lang="en-US" b="1" dirty="0" smtClean="0">
-                <a:latin typeface="Cambria Math" panose="02040503050406030204" pitchFamily="18" charset="0"/>
-                <a:ea typeface="Cambria Math" panose="02040503050406030204" pitchFamily="18" charset="0"/>
-              </a:endParaRPr>
-            </a:p>
-          </p:txBody>
-        </p:sp>
-        <p:sp>
-          <p:nvSpPr>
-            <p:cNvPr id="166" name="Rectangle 165"/>
-            <p:cNvSpPr/>
-            <p:nvPr/>
-          </p:nvSpPr>
-          <p:spPr>
-            <a:xfrm>
-              <a:off x="482973" y="1515944"/>
-              <a:ext cx="877163" cy="369332"/>
-            </a:xfrm>
-            <a:prstGeom prst="rect">
-              <a:avLst/>
-            </a:prstGeom>
-          </p:spPr>
-          <p:txBody>
-            <a:bodyPr wrap="none">
-              <a:spAutoFit/>
-            </a:bodyPr>
-            <a:lstStyle/>
-            <a:p>
-              <a:r>
-                <a:rPr lang="en-US" dirty="0">
-                  <a:latin typeface="Cambria Math" panose="02040503050406030204" pitchFamily="18" charset="0"/>
-                  <a:ea typeface="Cambria Math" panose="02040503050406030204" pitchFamily="18" charset="0"/>
-                </a:rPr>
-                <a:t>Gastric</a:t>
-              </a:r>
-              <a:endParaRPr lang="en-US" dirty="0">
-                <a:latin typeface="Cambria Math" panose="02040503050406030204" pitchFamily="18" charset="0"/>
-                <a:ea typeface="Cambria Math" panose="02040503050406030204" pitchFamily="18" charset="0"/>
-              </a:endParaRPr>
-            </a:p>
-          </p:txBody>
-        </p:sp>
-        <p:sp>
-          <p:nvSpPr>
-            <p:cNvPr id="167" name="Rectangle 166"/>
-            <p:cNvSpPr/>
-            <p:nvPr/>
-          </p:nvSpPr>
-          <p:spPr>
-            <a:xfrm>
-              <a:off x="-236964" y="4660908"/>
-              <a:ext cx="1603324" cy="369332"/>
-            </a:xfrm>
-            <a:prstGeom prst="rect">
-              <a:avLst/>
-            </a:prstGeom>
-          </p:spPr>
-          <p:txBody>
-            <a:bodyPr wrap="none">
-              <a:spAutoFit/>
-            </a:bodyPr>
-            <a:lstStyle/>
-            <a:p>
-              <a:r>
-                <a:rPr lang="en-US" dirty="0" err="1">
-                  <a:latin typeface="Cambria Math" panose="02040503050406030204" pitchFamily="18" charset="0"/>
-                  <a:ea typeface="Cambria Math" panose="02040503050406030204" pitchFamily="18" charset="0"/>
-                </a:rPr>
-                <a:t>Mesendoderm</a:t>
-              </a:r>
-              <a:endParaRPr lang="en-US" dirty="0">
-                <a:latin typeface="Cambria Math" panose="02040503050406030204" pitchFamily="18" charset="0"/>
-                <a:ea typeface="Cambria Math" panose="02040503050406030204" pitchFamily="18" charset="0"/>
-              </a:endParaRPr>
-            </a:p>
-          </p:txBody>
-        </p:sp>
-        <p:sp>
-          <p:nvSpPr>
-            <p:cNvPr id="168" name="Rectangle 167"/>
-            <p:cNvSpPr/>
-            <p:nvPr/>
-          </p:nvSpPr>
-          <p:spPr>
-            <a:xfrm>
-              <a:off x="-953786" y="3082819"/>
-              <a:ext cx="2370970" cy="369332"/>
-            </a:xfrm>
-            <a:prstGeom prst="rect">
-              <a:avLst/>
-            </a:prstGeom>
-          </p:spPr>
-          <p:txBody>
-            <a:bodyPr wrap="none">
-              <a:spAutoFit/>
-            </a:bodyPr>
-            <a:lstStyle/>
-            <a:p>
-              <a:pPr algn="l"/>
-              <a:r>
-                <a:rPr lang="en-US" dirty="0" smtClean="0">
-                  <a:latin typeface="Cambria Math" panose="02040503050406030204" pitchFamily="18" charset="0"/>
-                  <a:ea typeface="Cambria Math" panose="02040503050406030204" pitchFamily="18" charset="0"/>
-                </a:rPr>
-                <a:t>HOP-HMM Prediction</a:t>
-              </a:r>
-            </a:p>
-          </p:txBody>
-        </p:sp>
-        <p:cxnSp>
-          <p:nvCxnSpPr>
-            <p:cNvPr id="183" name="Straight Connector 182"/>
-            <p:cNvCxnSpPr/>
-            <p:nvPr/>
-          </p:nvCxnSpPr>
-          <p:spPr>
-            <a:xfrm flipH="1" flipV="1">
-              <a:off x="1559469" y="4682158"/>
-              <a:ext cx="8874744" cy="0"/>
-            </a:xfrm>
-            <a:prstGeom prst="line">
-              <a:avLst/>
-            </a:prstGeom>
-            <a:ln>
+              </a:rPr>
+              <a:t>SRY</a:t>
+            </a:r>
+            <a:endParaRPr lang="en-US" sz="900" b="1" dirty="0">
               <a:solidFill>
                 <a:schemeClr val="tx1"/>
               </a:solidFill>
-            </a:ln>
-          </p:spPr>
-          <p:style>
-            <a:lnRef idx="1">
-              <a:schemeClr val="accent1"/>
-            </a:lnRef>
-            <a:fillRef idx="0">
-              <a:schemeClr val="accent1"/>
-            </a:fillRef>
-            <a:effectRef idx="0">
-              <a:schemeClr val="accent1"/>
-            </a:effectRef>
-            <a:fontRef idx="minor">
-              <a:schemeClr val="tx1"/>
-            </a:fontRef>
-          </p:style>
-        </p:cxnSp>
-        <p:cxnSp>
-          <p:nvCxnSpPr>
-            <p:cNvPr id="184" name="Straight Connector 183"/>
-            <p:cNvCxnSpPr/>
-            <p:nvPr/>
-          </p:nvCxnSpPr>
-          <p:spPr>
-            <a:xfrm flipH="1" flipV="1">
-              <a:off x="1562574" y="3652003"/>
-              <a:ext cx="8884743" cy="0"/>
-            </a:xfrm>
-            <a:prstGeom prst="line">
-              <a:avLst/>
-            </a:prstGeom>
-            <a:ln>
-              <a:solidFill>
-                <a:schemeClr val="tx1"/>
-              </a:solidFill>
-            </a:ln>
-          </p:spPr>
-          <p:style>
-            <a:lnRef idx="1">
-              <a:schemeClr val="accent1"/>
-            </a:lnRef>
-            <a:fillRef idx="0">
-              <a:schemeClr val="accent1"/>
-            </a:fillRef>
-            <a:effectRef idx="0">
-              <a:schemeClr val="accent1"/>
-            </a:effectRef>
-            <a:fontRef idx="minor">
-              <a:schemeClr val="tx1"/>
-            </a:fontRef>
-          </p:style>
-        </p:cxnSp>
-        <p:cxnSp>
-          <p:nvCxnSpPr>
-            <p:cNvPr id="176" name="Straight Connector 175"/>
-            <p:cNvCxnSpPr/>
-            <p:nvPr/>
-          </p:nvCxnSpPr>
-          <p:spPr>
-            <a:xfrm>
-              <a:off x="1564710" y="5103163"/>
-              <a:ext cx="0" cy="599495"/>
-            </a:xfrm>
-            <a:prstGeom prst="line">
-              <a:avLst/>
-            </a:prstGeom>
-            <a:ln>
-              <a:solidFill>
-                <a:schemeClr val="tx1"/>
-              </a:solidFill>
-            </a:ln>
-          </p:spPr>
-          <p:style>
-            <a:lnRef idx="1">
-              <a:schemeClr val="accent1"/>
-            </a:lnRef>
-            <a:fillRef idx="0">
-              <a:schemeClr val="accent1"/>
-            </a:fillRef>
-            <a:effectRef idx="0">
-              <a:schemeClr val="accent1"/>
-            </a:effectRef>
-            <a:fontRef idx="minor">
-              <a:schemeClr val="tx1"/>
-            </a:fontRef>
-          </p:style>
-        </p:cxnSp>
-        <p:cxnSp>
-          <p:nvCxnSpPr>
-            <p:cNvPr id="177" name="Straight Connector 176"/>
-            <p:cNvCxnSpPr/>
-            <p:nvPr/>
-          </p:nvCxnSpPr>
-          <p:spPr>
-            <a:xfrm>
-              <a:off x="1563510" y="4085863"/>
-              <a:ext cx="0" cy="599495"/>
-            </a:xfrm>
-            <a:prstGeom prst="line">
-              <a:avLst/>
-            </a:prstGeom>
-            <a:ln>
-              <a:solidFill>
-                <a:schemeClr val="tx1"/>
-              </a:solidFill>
-            </a:ln>
-          </p:spPr>
-          <p:style>
-            <a:lnRef idx="1">
-              <a:schemeClr val="accent1"/>
-            </a:lnRef>
-            <a:fillRef idx="0">
-              <a:schemeClr val="accent1"/>
-            </a:fillRef>
-            <a:effectRef idx="0">
-              <a:schemeClr val="accent1"/>
-            </a:effectRef>
-            <a:fontRef idx="minor">
-              <a:schemeClr val="tx1"/>
-            </a:fontRef>
-          </p:style>
-        </p:cxnSp>
-        <p:cxnSp>
-          <p:nvCxnSpPr>
-            <p:cNvPr id="178" name="Straight Connector 177"/>
-            <p:cNvCxnSpPr/>
-            <p:nvPr/>
-          </p:nvCxnSpPr>
-          <p:spPr>
-            <a:xfrm>
-              <a:off x="1564710" y="2013893"/>
-              <a:ext cx="0" cy="599495"/>
-            </a:xfrm>
-            <a:prstGeom prst="line">
-              <a:avLst/>
-            </a:prstGeom>
-            <a:ln>
-              <a:solidFill>
-                <a:schemeClr val="tx1"/>
-              </a:solidFill>
-            </a:ln>
-          </p:spPr>
-          <p:style>
-            <a:lnRef idx="1">
-              <a:schemeClr val="accent1"/>
-            </a:lnRef>
-            <a:fillRef idx="0">
-              <a:schemeClr val="accent1"/>
-            </a:fillRef>
-            <a:effectRef idx="0">
-              <a:schemeClr val="accent1"/>
-            </a:effectRef>
-            <a:fontRef idx="minor">
-              <a:schemeClr val="tx1"/>
-            </a:fontRef>
-          </p:style>
-        </p:cxnSp>
-        <p:cxnSp>
-          <p:nvCxnSpPr>
-            <p:cNvPr id="179" name="Straight Connector 178"/>
-            <p:cNvCxnSpPr/>
-            <p:nvPr/>
-          </p:nvCxnSpPr>
-          <p:spPr>
-            <a:xfrm>
-              <a:off x="1563510" y="996593"/>
-              <a:ext cx="0" cy="599495"/>
-            </a:xfrm>
-            <a:prstGeom prst="line">
-              <a:avLst/>
-            </a:prstGeom>
-            <a:ln>
-              <a:solidFill>
-                <a:schemeClr val="tx1"/>
-              </a:solidFill>
-            </a:ln>
-          </p:spPr>
-          <p:style>
-            <a:lnRef idx="1">
-              <a:schemeClr val="accent1"/>
-            </a:lnRef>
-            <a:fillRef idx="0">
-              <a:schemeClr val="accent1"/>
-            </a:fillRef>
-            <a:effectRef idx="0">
-              <a:schemeClr val="accent1"/>
-            </a:effectRef>
-            <a:fontRef idx="minor">
-              <a:schemeClr val="tx1"/>
-            </a:fontRef>
-          </p:style>
-        </p:cxnSp>
-        <p:cxnSp>
-          <p:nvCxnSpPr>
-            <p:cNvPr id="180" name="Straight Connector 179"/>
-            <p:cNvCxnSpPr/>
-            <p:nvPr/>
-          </p:nvCxnSpPr>
-          <p:spPr>
-            <a:xfrm flipH="1" flipV="1">
-              <a:off x="1564710" y="2614246"/>
-              <a:ext cx="8884743" cy="0"/>
-            </a:xfrm>
-            <a:prstGeom prst="line">
-              <a:avLst/>
-            </a:prstGeom>
-            <a:ln>
-              <a:solidFill>
-                <a:schemeClr val="tx1"/>
-              </a:solidFill>
-            </a:ln>
-          </p:spPr>
-          <p:style>
-            <a:lnRef idx="1">
-              <a:schemeClr val="accent1"/>
-            </a:lnRef>
-            <a:fillRef idx="0">
-              <a:schemeClr val="accent1"/>
-            </a:fillRef>
-            <a:effectRef idx="0">
-              <a:schemeClr val="accent1"/>
-            </a:effectRef>
-            <a:fontRef idx="minor">
-              <a:schemeClr val="tx1"/>
-            </a:fontRef>
-          </p:style>
-        </p:cxnSp>
-        <p:cxnSp>
-          <p:nvCxnSpPr>
-            <p:cNvPr id="181" name="Straight Connector 180"/>
-            <p:cNvCxnSpPr/>
-            <p:nvPr/>
-          </p:nvCxnSpPr>
-          <p:spPr>
-            <a:xfrm flipH="1" flipV="1">
-              <a:off x="1563510" y="1589326"/>
-              <a:ext cx="8874744" cy="0"/>
-            </a:xfrm>
-            <a:prstGeom prst="line">
-              <a:avLst/>
-            </a:prstGeom>
-            <a:ln>
-              <a:solidFill>
-                <a:schemeClr val="tx1"/>
-              </a:solidFill>
-            </a:ln>
-          </p:spPr>
-          <p:style>
-            <a:lnRef idx="1">
-              <a:schemeClr val="accent1"/>
-            </a:lnRef>
-            <a:fillRef idx="0">
-              <a:schemeClr val="accent1"/>
-            </a:fillRef>
-            <a:effectRef idx="0">
-              <a:schemeClr val="accent1"/>
-            </a:effectRef>
-            <a:fontRef idx="minor">
-              <a:schemeClr val="tx1"/>
-            </a:fontRef>
-          </p:style>
-        </p:cxnSp>
-        <p:cxnSp>
-          <p:nvCxnSpPr>
-            <p:cNvPr id="182" name="Straight Connector 181"/>
-            <p:cNvCxnSpPr/>
-            <p:nvPr/>
-          </p:nvCxnSpPr>
-          <p:spPr>
-            <a:xfrm flipH="1" flipV="1">
-              <a:off x="1560669" y="5691838"/>
-              <a:ext cx="8884743" cy="0"/>
-            </a:xfrm>
-            <a:prstGeom prst="line">
-              <a:avLst/>
-            </a:prstGeom>
-            <a:ln>
-              <a:solidFill>
-                <a:schemeClr val="tx1"/>
-              </a:solidFill>
-            </a:ln>
-          </p:spPr>
-          <p:style>
-            <a:lnRef idx="1">
-              <a:schemeClr val="accent1"/>
-            </a:lnRef>
-            <a:fillRef idx="0">
-              <a:schemeClr val="accent1"/>
-            </a:fillRef>
-            <a:effectRef idx="0">
-              <a:schemeClr val="accent1"/>
-            </a:effectRef>
-            <a:fontRef idx="minor">
-              <a:schemeClr val="tx1"/>
-            </a:fontRef>
-          </p:style>
-        </p:cxnSp>
-        <p:cxnSp>
-          <p:nvCxnSpPr>
-            <p:cNvPr id="187" name="Straight Connector 186"/>
-            <p:cNvCxnSpPr/>
-            <p:nvPr/>
-          </p:nvCxnSpPr>
-          <p:spPr>
-            <a:xfrm>
-              <a:off x="1564710" y="2992597"/>
-              <a:ext cx="0" cy="659445"/>
-            </a:xfrm>
-            <a:prstGeom prst="line">
-              <a:avLst/>
-            </a:prstGeom>
-            <a:ln>
-              <a:solidFill>
-                <a:schemeClr val="tx1"/>
-              </a:solidFill>
-            </a:ln>
-          </p:spPr>
-          <p:style>
-            <a:lnRef idx="1">
-              <a:schemeClr val="accent1"/>
-            </a:lnRef>
-            <a:fillRef idx="0">
-              <a:schemeClr val="accent1"/>
-            </a:fillRef>
-            <a:effectRef idx="0">
-              <a:schemeClr val="accent1"/>
-            </a:effectRef>
-            <a:fontRef idx="minor">
-              <a:schemeClr val="tx1"/>
-            </a:fontRef>
-          </p:style>
-        </p:cxnSp>
-        <p:cxnSp>
-          <p:nvCxnSpPr>
-            <p:cNvPr id="51" name="Straight Arrow Connector 50"/>
-            <p:cNvCxnSpPr/>
-            <p:nvPr/>
-          </p:nvCxnSpPr>
-          <p:spPr>
-            <a:xfrm flipH="1" flipV="1">
-              <a:off x="6993618" y="3332443"/>
-              <a:ext cx="32580" cy="38"/>
-            </a:xfrm>
-            <a:prstGeom prst="straightConnector1">
-              <a:avLst/>
-            </a:prstGeom>
-            <a:ln w="12700">
-              <a:solidFill>
-                <a:schemeClr val="bg1"/>
-              </a:solidFill>
-              <a:headEnd type="none" w="med" len="med"/>
-              <a:tailEnd type="none" w="med" len="med"/>
-            </a:ln>
-          </p:spPr>
-          <p:style>
-            <a:lnRef idx="1">
-              <a:schemeClr val="accent1"/>
-            </a:lnRef>
-            <a:fillRef idx="0">
-              <a:schemeClr val="accent1"/>
-            </a:fillRef>
-            <a:effectRef idx="0">
-              <a:schemeClr val="accent1"/>
-            </a:effectRef>
-            <a:fontRef idx="minor">
-              <a:schemeClr val="tx1"/>
-            </a:fontRef>
-          </p:style>
-        </p:cxnSp>
-        <p:sp>
-          <p:nvSpPr>
-            <p:cNvPr id="107" name="Rectangle 106"/>
-            <p:cNvSpPr/>
-            <p:nvPr/>
-          </p:nvSpPr>
-          <p:spPr>
-            <a:xfrm>
-              <a:off x="5021580" y="2975917"/>
-              <a:ext cx="2209800" cy="2742894"/>
-            </a:xfrm>
-            <a:prstGeom prst="rect">
-              <a:avLst/>
-            </a:prstGeom>
-            <a:solidFill>
-              <a:srgbClr val="C00000">
-                <a:alpha val="25882"/>
-              </a:srgbClr>
-            </a:solidFill>
-            <a:ln w="19050">
-              <a:solidFill>
-                <a:srgbClr val="FF0000"/>
-              </a:solidFill>
-            </a:ln>
-          </p:spPr>
-          <p:style>
-            <a:lnRef idx="2">
-              <a:schemeClr val="accent1">
-                <a:shade val="50000"/>
-              </a:schemeClr>
-            </a:lnRef>
-            <a:fillRef idx="1">
-              <a:schemeClr val="accent1"/>
-            </a:fillRef>
-            <a:effectRef idx="0">
-              <a:schemeClr val="accent1"/>
-            </a:effectRef>
-            <a:fontRef idx="minor">
-              <a:schemeClr val="lt1"/>
-            </a:fontRef>
-          </p:style>
-          <p:txBody>
-            <a:bodyPr rtlCol="0" anchor="ctr"/>
-            <a:lstStyle/>
-            <a:p>
-              <a:pPr algn="ctr"/>
-              <a:endParaRPr lang="en-US"/>
-            </a:p>
-          </p:txBody>
-        </p:sp>
-        <p:sp>
-          <p:nvSpPr>
-            <p:cNvPr id="40" name="Rectangle 39"/>
-            <p:cNvSpPr/>
-            <p:nvPr/>
-          </p:nvSpPr>
-          <p:spPr>
-            <a:xfrm flipH="1">
-              <a:off x="5737526" y="3380535"/>
-              <a:ext cx="280773" cy="119440"/>
-            </a:xfrm>
-            <a:prstGeom prst="rect">
-              <a:avLst/>
-            </a:prstGeom>
-            <a:solidFill>
-              <a:schemeClr val="bg1"/>
-            </a:solidFill>
-            <a:ln>
-              <a:solidFill>
-                <a:schemeClr val="bg1"/>
-              </a:solidFill>
-            </a:ln>
-          </p:spPr>
-          <p:style>
-            <a:lnRef idx="2">
-              <a:schemeClr val="accent1">
-                <a:shade val="50000"/>
-              </a:schemeClr>
-            </a:lnRef>
-            <a:fillRef idx="1">
-              <a:schemeClr val="accent1"/>
-            </a:fillRef>
-            <a:effectRef idx="0">
-              <a:schemeClr val="accent1"/>
-            </a:effectRef>
-            <a:fontRef idx="minor">
-              <a:schemeClr val="lt1"/>
-            </a:fontRef>
-          </p:style>
-          <p:txBody>
-            <a:bodyPr lIns="0" tIns="0" rIns="0" bIns="0" rtlCol="0" anchor="ctr"/>
-            <a:lstStyle/>
-            <a:p>
-              <a:pPr algn="ctr"/>
-              <a:r>
-                <a:rPr lang="en-US" sz="900" b="1" dirty="0" smtClean="0">
-                  <a:solidFill>
-                    <a:schemeClr val="tx1"/>
-                  </a:solidFill>
-                  <a:latin typeface="Cambria Math" panose="02040503050406030204" pitchFamily="18" charset="0"/>
-                  <a:ea typeface="Cambria Math" panose="02040503050406030204" pitchFamily="18" charset="0"/>
-                </a:rPr>
-                <a:t>GSC2</a:t>
-              </a:r>
-              <a:endParaRPr lang="en-US" sz="900" b="1" dirty="0">
-                <a:solidFill>
-                  <a:schemeClr val="tx1"/>
-                </a:solidFill>
-                <a:latin typeface="Cambria Math" panose="02040503050406030204" pitchFamily="18" charset="0"/>
-                <a:ea typeface="Cambria Math" panose="02040503050406030204" pitchFamily="18" charset="0"/>
-              </a:endParaRPr>
-            </a:p>
-          </p:txBody>
-        </p:sp>
-        <p:cxnSp>
-          <p:nvCxnSpPr>
-            <p:cNvPr id="41" name="Straight Arrow Connector 40"/>
-            <p:cNvCxnSpPr/>
-            <p:nvPr/>
-          </p:nvCxnSpPr>
-          <p:spPr>
-            <a:xfrm flipH="1">
-              <a:off x="6089590" y="3442628"/>
-              <a:ext cx="0" cy="114112"/>
-            </a:xfrm>
-            <a:prstGeom prst="straightConnector1">
-              <a:avLst/>
-            </a:prstGeom>
-            <a:ln w="12700">
-              <a:solidFill>
-                <a:schemeClr val="bg1"/>
-              </a:solidFill>
-              <a:tailEnd type="triangle"/>
-            </a:ln>
-          </p:spPr>
-          <p:style>
-            <a:lnRef idx="1">
-              <a:schemeClr val="accent1"/>
-            </a:lnRef>
-            <a:fillRef idx="0">
-              <a:schemeClr val="accent1"/>
-            </a:fillRef>
-            <a:effectRef idx="0">
-              <a:schemeClr val="accent1"/>
-            </a:effectRef>
-            <a:fontRef idx="minor">
-              <a:schemeClr val="tx1"/>
-            </a:fontRef>
-          </p:style>
-        </p:cxnSp>
-        <p:cxnSp>
-          <p:nvCxnSpPr>
-            <p:cNvPr id="42" name="Straight Arrow Connector 41"/>
-            <p:cNvCxnSpPr/>
-            <p:nvPr/>
-          </p:nvCxnSpPr>
-          <p:spPr>
-            <a:xfrm>
-              <a:off x="6003851" y="3440255"/>
-              <a:ext cx="91160" cy="0"/>
-            </a:xfrm>
-            <a:prstGeom prst="straightConnector1">
-              <a:avLst/>
-            </a:prstGeom>
-            <a:ln w="12700">
-              <a:solidFill>
-                <a:schemeClr val="bg1"/>
-              </a:solidFill>
-              <a:headEnd type="none" w="med" len="med"/>
-              <a:tailEnd type="none" w="med" len="med"/>
-            </a:ln>
-          </p:spPr>
-          <p:style>
-            <a:lnRef idx="1">
-              <a:schemeClr val="accent1"/>
-            </a:lnRef>
-            <a:fillRef idx="0">
-              <a:schemeClr val="accent1"/>
-            </a:fillRef>
-            <a:effectRef idx="0">
-              <a:schemeClr val="accent1"/>
-            </a:effectRef>
-            <a:fontRef idx="minor">
-              <a:schemeClr val="tx1"/>
-            </a:fontRef>
-          </p:style>
-        </p:cxnSp>
-        <p:sp>
-          <p:nvSpPr>
-            <p:cNvPr id="43" name="Rectangle 42"/>
-            <p:cNvSpPr/>
-            <p:nvPr/>
-          </p:nvSpPr>
-          <p:spPr>
-            <a:xfrm flipH="1">
-              <a:off x="6052973" y="3273552"/>
-              <a:ext cx="292114" cy="119440"/>
-            </a:xfrm>
-            <a:prstGeom prst="rect">
-              <a:avLst/>
-            </a:prstGeom>
-            <a:solidFill>
-              <a:schemeClr val="bg1"/>
-            </a:solidFill>
-            <a:ln>
-              <a:solidFill>
-                <a:schemeClr val="bg1"/>
-              </a:solidFill>
-            </a:ln>
-          </p:spPr>
-          <p:style>
-            <a:lnRef idx="2">
-              <a:schemeClr val="accent1">
-                <a:shade val="50000"/>
-              </a:schemeClr>
-            </a:lnRef>
-            <a:fillRef idx="1">
-              <a:schemeClr val="accent1"/>
-            </a:fillRef>
-            <a:effectRef idx="0">
-              <a:schemeClr val="accent1"/>
-            </a:effectRef>
-            <a:fontRef idx="minor">
-              <a:schemeClr val="lt1"/>
-            </a:fontRef>
-          </p:style>
-          <p:txBody>
-            <a:bodyPr lIns="0" tIns="0" rIns="0" bIns="0" rtlCol="0" anchor="ctr"/>
-            <a:lstStyle/>
-            <a:p>
-              <a:pPr algn="ctr"/>
-              <a:r>
-                <a:rPr lang="en-US" sz="900" b="1" dirty="0" smtClean="0">
-                  <a:solidFill>
-                    <a:schemeClr val="tx1"/>
-                  </a:solidFill>
-                  <a:latin typeface="Cambria Math" panose="02040503050406030204" pitchFamily="18" charset="0"/>
-                  <a:ea typeface="Cambria Math" panose="02040503050406030204" pitchFamily="18" charset="0"/>
-                </a:rPr>
-                <a:t>HLTF</a:t>
-              </a:r>
-              <a:endParaRPr lang="en-US" sz="900" b="1" dirty="0">
-                <a:solidFill>
-                  <a:schemeClr val="tx1"/>
-                </a:solidFill>
-                <a:latin typeface="Cambria Math" panose="02040503050406030204" pitchFamily="18" charset="0"/>
-                <a:ea typeface="Cambria Math" panose="02040503050406030204" pitchFamily="18" charset="0"/>
-              </a:endParaRPr>
-            </a:p>
-          </p:txBody>
-        </p:sp>
-        <p:cxnSp>
-          <p:nvCxnSpPr>
-            <p:cNvPr id="44" name="Straight Arrow Connector 43"/>
-            <p:cNvCxnSpPr/>
-            <p:nvPr/>
-          </p:nvCxnSpPr>
-          <p:spPr>
-            <a:xfrm flipH="1">
-              <a:off x="6384060" y="3342566"/>
-              <a:ext cx="0" cy="219501"/>
-            </a:xfrm>
-            <a:prstGeom prst="straightConnector1">
-              <a:avLst/>
-            </a:prstGeom>
-            <a:ln w="12700">
-              <a:solidFill>
-                <a:schemeClr val="bg1"/>
-              </a:solidFill>
-              <a:tailEnd type="triangle"/>
-            </a:ln>
-          </p:spPr>
-          <p:style>
-            <a:lnRef idx="1">
-              <a:schemeClr val="accent1"/>
-            </a:lnRef>
-            <a:fillRef idx="0">
-              <a:schemeClr val="accent1"/>
-            </a:fillRef>
-            <a:effectRef idx="0">
-              <a:schemeClr val="accent1"/>
-            </a:effectRef>
-            <a:fontRef idx="minor">
-              <a:schemeClr val="tx1"/>
-            </a:fontRef>
-          </p:style>
-        </p:cxnSp>
-        <p:cxnSp>
-          <p:nvCxnSpPr>
-            <p:cNvPr id="45" name="Straight Arrow Connector 44"/>
-            <p:cNvCxnSpPr/>
-            <p:nvPr/>
-          </p:nvCxnSpPr>
-          <p:spPr>
-            <a:xfrm>
-              <a:off x="6343182" y="3342894"/>
-              <a:ext cx="46947" cy="0"/>
-            </a:xfrm>
-            <a:prstGeom prst="straightConnector1">
-              <a:avLst/>
-            </a:prstGeom>
-            <a:ln w="12700">
-              <a:solidFill>
-                <a:schemeClr val="bg1"/>
-              </a:solidFill>
-              <a:headEnd type="none" w="med" len="med"/>
-              <a:tailEnd type="none" w="med" len="med"/>
-            </a:ln>
-          </p:spPr>
-          <p:style>
-            <a:lnRef idx="1">
-              <a:schemeClr val="accent1"/>
-            </a:lnRef>
-            <a:fillRef idx="0">
-              <a:schemeClr val="accent1"/>
-            </a:fillRef>
-            <a:effectRef idx="0">
-              <a:schemeClr val="accent1"/>
-            </a:effectRef>
-            <a:fontRef idx="minor">
-              <a:schemeClr val="tx1"/>
-            </a:fontRef>
-          </p:style>
-        </p:cxnSp>
-        <p:sp>
-          <p:nvSpPr>
-            <p:cNvPr id="46" name="Rectangle 45"/>
-            <p:cNvSpPr/>
-            <p:nvPr/>
-          </p:nvSpPr>
-          <p:spPr>
-            <a:xfrm>
-              <a:off x="6510758" y="3273552"/>
-              <a:ext cx="286064" cy="119440"/>
-            </a:xfrm>
-            <a:prstGeom prst="rect">
-              <a:avLst/>
-            </a:prstGeom>
-            <a:solidFill>
-              <a:schemeClr val="bg1"/>
-            </a:solidFill>
-            <a:ln>
-              <a:solidFill>
-                <a:schemeClr val="bg1"/>
-              </a:solidFill>
-            </a:ln>
-          </p:spPr>
-          <p:style>
-            <a:lnRef idx="2">
-              <a:schemeClr val="accent1">
-                <a:shade val="50000"/>
-              </a:schemeClr>
-            </a:lnRef>
-            <a:fillRef idx="1">
-              <a:schemeClr val="accent1"/>
-            </a:fillRef>
-            <a:effectRef idx="0">
-              <a:schemeClr val="accent1"/>
-            </a:effectRef>
-            <a:fontRef idx="minor">
-              <a:schemeClr val="lt1"/>
-            </a:fontRef>
-          </p:style>
-          <p:txBody>
-            <a:bodyPr lIns="0" tIns="0" rIns="0" bIns="0" rtlCol="0" anchor="ctr"/>
-            <a:lstStyle/>
-            <a:p>
-              <a:pPr algn="ctr"/>
-              <a:r>
-                <a:rPr lang="en-US" sz="900" b="1" dirty="0" smtClean="0">
-                  <a:solidFill>
-                    <a:schemeClr val="tx1"/>
-                  </a:solidFill>
-                  <a:latin typeface="Cambria Math" panose="02040503050406030204" pitchFamily="18" charset="0"/>
-                  <a:ea typeface="Cambria Math" panose="02040503050406030204" pitchFamily="18" charset="0"/>
-                </a:rPr>
-                <a:t>HLTF</a:t>
-              </a:r>
-              <a:endParaRPr lang="en-US" sz="900" b="1" dirty="0">
-                <a:solidFill>
-                  <a:schemeClr val="tx1"/>
-                </a:solidFill>
-                <a:latin typeface="Cambria Math" panose="02040503050406030204" pitchFamily="18" charset="0"/>
-                <a:ea typeface="Cambria Math" panose="02040503050406030204" pitchFamily="18" charset="0"/>
-              </a:endParaRPr>
-            </a:p>
-          </p:txBody>
-        </p:sp>
-        <p:cxnSp>
-          <p:nvCxnSpPr>
-            <p:cNvPr id="47" name="Straight Arrow Connector 46"/>
-            <p:cNvCxnSpPr/>
-            <p:nvPr/>
-          </p:nvCxnSpPr>
-          <p:spPr>
-            <a:xfrm flipH="1">
-              <a:off x="6475531" y="3336939"/>
-              <a:ext cx="0" cy="225128"/>
-            </a:xfrm>
-            <a:prstGeom prst="straightConnector1">
-              <a:avLst/>
-            </a:prstGeom>
-            <a:ln w="12700">
-              <a:solidFill>
-                <a:schemeClr val="bg1"/>
-              </a:solidFill>
-              <a:tailEnd type="triangle"/>
-            </a:ln>
-          </p:spPr>
-          <p:style>
-            <a:lnRef idx="1">
-              <a:schemeClr val="accent1"/>
-            </a:lnRef>
-            <a:fillRef idx="0">
-              <a:schemeClr val="accent1"/>
-            </a:fillRef>
-            <a:effectRef idx="0">
-              <a:schemeClr val="accent1"/>
-            </a:effectRef>
-            <a:fontRef idx="minor">
-              <a:schemeClr val="tx1"/>
-            </a:fontRef>
-          </p:style>
-        </p:cxnSp>
-        <p:cxnSp>
-          <p:nvCxnSpPr>
-            <p:cNvPr id="48" name="Straight Arrow Connector 47"/>
-            <p:cNvCxnSpPr/>
-            <p:nvPr/>
-          </p:nvCxnSpPr>
-          <p:spPr>
-            <a:xfrm flipH="1">
-              <a:off x="6469863" y="3342566"/>
-              <a:ext cx="41973" cy="1"/>
-            </a:xfrm>
-            <a:prstGeom prst="straightConnector1">
-              <a:avLst/>
-            </a:prstGeom>
-            <a:ln w="12700">
-              <a:solidFill>
-                <a:schemeClr val="bg1"/>
-              </a:solidFill>
-              <a:headEnd type="none" w="med" len="med"/>
-              <a:tailEnd type="none" w="med" len="med"/>
-            </a:ln>
-          </p:spPr>
-          <p:style>
-            <a:lnRef idx="1">
-              <a:schemeClr val="accent1"/>
-            </a:lnRef>
-            <a:fillRef idx="0">
-              <a:schemeClr val="accent1"/>
-            </a:fillRef>
-            <a:effectRef idx="0">
-              <a:schemeClr val="accent1"/>
-            </a:effectRef>
-            <a:fontRef idx="minor">
-              <a:schemeClr val="tx1"/>
-            </a:fontRef>
-          </p:style>
-        </p:cxnSp>
-        <p:cxnSp>
-          <p:nvCxnSpPr>
-            <p:cNvPr id="50" name="Straight Arrow Connector 49"/>
-            <p:cNvCxnSpPr/>
-            <p:nvPr/>
-          </p:nvCxnSpPr>
-          <p:spPr>
-            <a:xfrm flipH="1">
-              <a:off x="6998698" y="3332443"/>
-              <a:ext cx="1048" cy="229233"/>
-            </a:xfrm>
-            <a:prstGeom prst="straightConnector1">
-              <a:avLst/>
-            </a:prstGeom>
-            <a:ln w="12700">
-              <a:solidFill>
-                <a:schemeClr val="bg1"/>
-              </a:solidFill>
-              <a:tailEnd type="triangle"/>
-            </a:ln>
-          </p:spPr>
-          <p:style>
-            <a:lnRef idx="1">
-              <a:schemeClr val="accent1"/>
-            </a:lnRef>
-            <a:fillRef idx="0">
-              <a:schemeClr val="accent1"/>
-            </a:fillRef>
-            <a:effectRef idx="0">
-              <a:schemeClr val="accent1"/>
-            </a:effectRef>
-            <a:fontRef idx="minor">
-              <a:schemeClr val="tx1"/>
-            </a:fontRef>
-          </p:style>
-        </p:cxnSp>
-        <p:sp>
-          <p:nvSpPr>
-            <p:cNvPr id="49" name="Rectangle 48"/>
-            <p:cNvSpPr/>
-            <p:nvPr/>
-          </p:nvSpPr>
-          <p:spPr>
-            <a:xfrm flipH="1">
-              <a:off x="6899706" y="3273552"/>
-              <a:ext cx="195023" cy="119440"/>
-            </a:xfrm>
-            <a:prstGeom prst="rect">
-              <a:avLst/>
-            </a:prstGeom>
-            <a:solidFill>
-              <a:schemeClr val="bg1"/>
-            </a:solidFill>
-            <a:ln>
-              <a:solidFill>
-                <a:schemeClr val="bg1"/>
-              </a:solidFill>
-            </a:ln>
-          </p:spPr>
-          <p:style>
-            <a:lnRef idx="2">
-              <a:schemeClr val="accent1">
-                <a:shade val="50000"/>
-              </a:schemeClr>
-            </a:lnRef>
-            <a:fillRef idx="1">
-              <a:schemeClr val="accent1"/>
-            </a:fillRef>
-            <a:effectRef idx="0">
-              <a:schemeClr val="accent1"/>
-            </a:effectRef>
-            <a:fontRef idx="minor">
-              <a:schemeClr val="lt1"/>
-            </a:fontRef>
-          </p:style>
-          <p:txBody>
-            <a:bodyPr lIns="0" tIns="0" rIns="0" bIns="0" rtlCol="0" anchor="ctr"/>
-            <a:lstStyle/>
-            <a:p>
-              <a:pPr algn="ctr"/>
-              <a:r>
-                <a:rPr lang="en-US" sz="900" b="1" dirty="0" smtClean="0">
-                  <a:solidFill>
-                    <a:schemeClr val="tx1"/>
-                  </a:solidFill>
-                  <a:latin typeface="Cambria Math" panose="02040503050406030204" pitchFamily="18" charset="0"/>
-                  <a:ea typeface="Cambria Math" panose="02040503050406030204" pitchFamily="18" charset="0"/>
-                </a:rPr>
-                <a:t>SRY</a:t>
-              </a:r>
-              <a:endParaRPr lang="en-US" sz="900" b="1" dirty="0">
-                <a:solidFill>
-                  <a:schemeClr val="tx1"/>
-                </a:solidFill>
-                <a:latin typeface="Cambria Math" panose="02040503050406030204" pitchFamily="18" charset="0"/>
-                <a:ea typeface="Cambria Math" panose="02040503050406030204" pitchFamily="18" charset="0"/>
-              </a:endParaRPr>
-            </a:p>
-          </p:txBody>
-        </p:sp>
-      </p:grpSp>
+              <a:latin typeface="Cambria Math" panose="02040503050406030204" pitchFamily="18" charset="0"/>
+              <a:ea typeface="Cambria Math" panose="02040503050406030204" pitchFamily="18" charset="0"/>
+            </a:endParaRPr>
+          </a:p>
+        </p:txBody>
+      </p:sp>
     </p:spTree>
     <p:extLst>
       <p:ext uri="{BB962C8B-B14F-4D97-AF65-F5344CB8AC3E}">
